--- a/hw03.pptx
+++ b/hw03.pptx
@@ -4,8 +4,25 @@
   <p:sldMasterIdLst>
     <p:sldMasterId id="2147483648" r:id="rId1"/>
   </p:sldMasterIdLst>
+  <p:notesMasterIdLst>
+    <p:notesMasterId r:id="rId17"/>
+  </p:notesMasterIdLst>
   <p:sldIdLst>
-    <p:sldId id="256" r:id="rId2"/>
+    <p:sldId id="267" r:id="rId2"/>
+    <p:sldId id="266" r:id="rId3"/>
+    <p:sldId id="287" r:id="rId4"/>
+    <p:sldId id="288" r:id="rId5"/>
+    <p:sldId id="289" r:id="rId6"/>
+    <p:sldId id="274" r:id="rId7"/>
+    <p:sldId id="275" r:id="rId8"/>
+    <p:sldId id="290" r:id="rId9"/>
+    <p:sldId id="278" r:id="rId10"/>
+    <p:sldId id="284" r:id="rId11"/>
+    <p:sldId id="291" r:id="rId12"/>
+    <p:sldId id="285" r:id="rId13"/>
+    <p:sldId id="292" r:id="rId14"/>
+    <p:sldId id="293" r:id="rId15"/>
+    <p:sldId id="294" r:id="rId16"/>
   </p:sldIdLst>
   <p:sldSz cx="12192000" cy="6858000"/>
   <p:notesSz cx="6858000" cy="9144000"/>
@@ -104,7 +121,1914 @@
       </a:defRPr>
     </a:lvl9pPr>
   </p:defaultTextStyle>
+  <p:extLst>
+    <p:ext uri="{EFAFB233-063F-42B5-8137-9DF3F51BA10A}">
+      <p15:sldGuideLst xmlns:p15="http://schemas.microsoft.com/office/powerpoint/2012/main"/>
+    </p:ext>
+  </p:extLst>
 </p:presentation>
+</file>
+
+<file path=ppt/notesMasters/notesMaster1.xml><?xml version="1.0" encoding="utf-8"?>
+<p:notesMaster xmlns:a="http://schemas.openxmlformats.org/drawingml/2006/main" xmlns:r="http://schemas.openxmlformats.org/officeDocument/2006/relationships" xmlns:p="http://schemas.openxmlformats.org/presentationml/2006/main">
+  <p:cSld>
+    <p:bg>
+      <p:bgRef idx="1001">
+        <a:schemeClr val="bg1"/>
+      </p:bgRef>
+    </p:bg>
+    <p:spTree>
+      <p:nvGrpSpPr>
+        <p:cNvPr id="1" name=""/>
+        <p:cNvGrpSpPr/>
+        <p:nvPr/>
+      </p:nvGrpSpPr>
+      <p:grpSpPr>
+        <a:xfrm>
+          <a:off x="0" y="0"/>
+          <a:ext cx="0" cy="0"/>
+          <a:chOff x="0" y="0"/>
+          <a:chExt cx="0" cy="0"/>
+        </a:xfrm>
+      </p:grpSpPr>
+      <p:sp>
+        <p:nvSpPr>
+          <p:cNvPr id="2" name="頁首版面配置區 1"/>
+          <p:cNvSpPr>
+            <a:spLocks noGrp="1"/>
+          </p:cNvSpPr>
+          <p:nvPr>
+            <p:ph type="hdr" sz="quarter"/>
+          </p:nvPr>
+        </p:nvSpPr>
+        <p:spPr>
+          <a:xfrm>
+            <a:off x="0" y="0"/>
+            <a:ext cx="2971800" cy="458788"/>
+          </a:xfrm>
+          <a:prstGeom prst="rect">
+            <a:avLst/>
+          </a:prstGeom>
+        </p:spPr>
+        <p:txBody>
+          <a:bodyPr vert="horz" lIns="91440" tIns="45720" rIns="91440" bIns="45720" rtlCol="0"/>
+          <a:lstStyle>
+            <a:lvl1pPr algn="l">
+              <a:defRPr sz="1200"/>
+            </a:lvl1pPr>
+          </a:lstStyle>
+          <a:p>
+            <a:endParaRPr lang="zh-TW" altLang="en-US"/>
+          </a:p>
+        </p:txBody>
+      </p:sp>
+      <p:sp>
+        <p:nvSpPr>
+          <p:cNvPr id="3" name="日期版面配置區 2"/>
+          <p:cNvSpPr>
+            <a:spLocks noGrp="1"/>
+          </p:cNvSpPr>
+          <p:nvPr>
+            <p:ph type="dt" idx="1"/>
+          </p:nvPr>
+        </p:nvSpPr>
+        <p:spPr>
+          <a:xfrm>
+            <a:off x="3884613" y="0"/>
+            <a:ext cx="2971800" cy="458788"/>
+          </a:xfrm>
+          <a:prstGeom prst="rect">
+            <a:avLst/>
+          </a:prstGeom>
+        </p:spPr>
+        <p:txBody>
+          <a:bodyPr vert="horz" lIns="91440" tIns="45720" rIns="91440" bIns="45720" rtlCol="0"/>
+          <a:lstStyle>
+            <a:lvl1pPr algn="r">
+              <a:defRPr sz="1200"/>
+            </a:lvl1pPr>
+          </a:lstStyle>
+          <a:p>
+            <a:fld id="{EAC463D0-50D4-4ADA-9BC2-38FF3940BA0E}" type="datetimeFigureOut">
+              <a:rPr lang="zh-TW" altLang="en-US" smtClean="0"/>
+              <a:t>2024/12/30</a:t>
+            </a:fld>
+            <a:endParaRPr lang="zh-TW" altLang="en-US"/>
+          </a:p>
+        </p:txBody>
+      </p:sp>
+      <p:sp>
+        <p:nvSpPr>
+          <p:cNvPr id="4" name="投影片影像版面配置區 3"/>
+          <p:cNvSpPr>
+            <a:spLocks noGrp="1" noRot="1" noChangeAspect="1"/>
+          </p:cNvSpPr>
+          <p:nvPr>
+            <p:ph type="sldImg" idx="2"/>
+          </p:nvPr>
+        </p:nvSpPr>
+        <p:spPr>
+          <a:xfrm>
+            <a:off x="685800" y="1143000"/>
+            <a:ext cx="5486400" cy="3086100"/>
+          </a:xfrm>
+          <a:prstGeom prst="rect">
+            <a:avLst/>
+          </a:prstGeom>
+          <a:noFill/>
+          <a:ln w="12700">
+            <a:solidFill>
+              <a:prstClr val="black"/>
+            </a:solidFill>
+          </a:ln>
+        </p:spPr>
+        <p:txBody>
+          <a:bodyPr vert="horz" lIns="91440" tIns="45720" rIns="91440" bIns="45720" rtlCol="0" anchor="ctr"/>
+          <a:lstStyle/>
+          <a:p>
+            <a:endParaRPr lang="zh-TW" altLang="en-US"/>
+          </a:p>
+        </p:txBody>
+      </p:sp>
+      <p:sp>
+        <p:nvSpPr>
+          <p:cNvPr id="5" name="備忘稿版面配置區 4"/>
+          <p:cNvSpPr>
+            <a:spLocks noGrp="1"/>
+          </p:cNvSpPr>
+          <p:nvPr>
+            <p:ph type="body" sz="quarter" idx="3"/>
+          </p:nvPr>
+        </p:nvSpPr>
+        <p:spPr>
+          <a:xfrm>
+            <a:off x="685800" y="4400550"/>
+            <a:ext cx="5486400" cy="3600450"/>
+          </a:xfrm>
+          <a:prstGeom prst="rect">
+            <a:avLst/>
+          </a:prstGeom>
+        </p:spPr>
+        <p:txBody>
+          <a:bodyPr vert="horz" lIns="91440" tIns="45720" rIns="91440" bIns="45720" rtlCol="0"/>
+          <a:lstStyle/>
+          <a:p>
+            <a:pPr lvl="0"/>
+            <a:r>
+              <a:rPr lang="zh-TW" altLang="en-US"/>
+              <a:t>按一下以編輯母片文字樣式</a:t>
+            </a:r>
+          </a:p>
+          <a:p>
+            <a:pPr lvl="1"/>
+            <a:r>
+              <a:rPr lang="zh-TW" altLang="en-US"/>
+              <a:t>第二層</a:t>
+            </a:r>
+          </a:p>
+          <a:p>
+            <a:pPr lvl="2"/>
+            <a:r>
+              <a:rPr lang="zh-TW" altLang="en-US"/>
+              <a:t>第三層</a:t>
+            </a:r>
+          </a:p>
+          <a:p>
+            <a:pPr lvl="3"/>
+            <a:r>
+              <a:rPr lang="zh-TW" altLang="en-US"/>
+              <a:t>第四層</a:t>
+            </a:r>
+          </a:p>
+          <a:p>
+            <a:pPr lvl="4"/>
+            <a:r>
+              <a:rPr lang="zh-TW" altLang="en-US"/>
+              <a:t>第五層</a:t>
+            </a:r>
+          </a:p>
+        </p:txBody>
+      </p:sp>
+      <p:sp>
+        <p:nvSpPr>
+          <p:cNvPr id="6" name="頁尾版面配置區 5"/>
+          <p:cNvSpPr>
+            <a:spLocks noGrp="1"/>
+          </p:cNvSpPr>
+          <p:nvPr>
+            <p:ph type="ftr" sz="quarter" idx="4"/>
+          </p:nvPr>
+        </p:nvSpPr>
+        <p:spPr>
+          <a:xfrm>
+            <a:off x="0" y="8685213"/>
+            <a:ext cx="2971800" cy="458787"/>
+          </a:xfrm>
+          <a:prstGeom prst="rect">
+            <a:avLst/>
+          </a:prstGeom>
+        </p:spPr>
+        <p:txBody>
+          <a:bodyPr vert="horz" lIns="91440" tIns="45720" rIns="91440" bIns="45720" rtlCol="0" anchor="b"/>
+          <a:lstStyle>
+            <a:lvl1pPr algn="l">
+              <a:defRPr sz="1200"/>
+            </a:lvl1pPr>
+          </a:lstStyle>
+          <a:p>
+            <a:endParaRPr lang="zh-TW" altLang="en-US"/>
+          </a:p>
+        </p:txBody>
+      </p:sp>
+      <p:sp>
+        <p:nvSpPr>
+          <p:cNvPr id="7" name="投影片編號版面配置區 6"/>
+          <p:cNvSpPr>
+            <a:spLocks noGrp="1"/>
+          </p:cNvSpPr>
+          <p:nvPr>
+            <p:ph type="sldNum" sz="quarter" idx="5"/>
+          </p:nvPr>
+        </p:nvSpPr>
+        <p:spPr>
+          <a:xfrm>
+            <a:off x="3884613" y="8685213"/>
+            <a:ext cx="2971800" cy="458787"/>
+          </a:xfrm>
+          <a:prstGeom prst="rect">
+            <a:avLst/>
+          </a:prstGeom>
+        </p:spPr>
+        <p:txBody>
+          <a:bodyPr vert="horz" lIns="91440" tIns="45720" rIns="91440" bIns="45720" rtlCol="0" anchor="b"/>
+          <a:lstStyle>
+            <a:lvl1pPr algn="r">
+              <a:defRPr sz="1200"/>
+            </a:lvl1pPr>
+          </a:lstStyle>
+          <a:p>
+            <a:fld id="{F2F5F6C2-7A22-4DA5-93D3-7A86D76B8069}" type="slidenum">
+              <a:rPr lang="zh-TW" altLang="en-US" smtClean="0"/>
+              <a:t>‹#›</a:t>
+            </a:fld>
+            <a:endParaRPr lang="zh-TW" altLang="en-US"/>
+          </a:p>
+        </p:txBody>
+      </p:sp>
+    </p:spTree>
+    <p:extLst>
+      <p:ext uri="{BB962C8B-B14F-4D97-AF65-F5344CB8AC3E}">
+        <p14:creationId xmlns:p14="http://schemas.microsoft.com/office/powerpoint/2010/main" val="2181443763"/>
+      </p:ext>
+    </p:extLst>
+  </p:cSld>
+  <p:clrMap bg1="lt1" tx1="dk1" bg2="lt2" tx2="dk2" accent1="accent1" accent2="accent2" accent3="accent3" accent4="accent4" accent5="accent5" accent6="accent6" hlink="hlink" folHlink="folHlink"/>
+  <p:notesStyle>
+    <a:lvl1pPr marL="0" algn="l" defTabSz="914400" rtl="0" eaLnBrk="1" latinLnBrk="0" hangingPunct="1">
+      <a:defRPr sz="1200" kern="1200">
+        <a:solidFill>
+          <a:schemeClr val="tx1"/>
+        </a:solidFill>
+        <a:latin typeface="+mn-lt"/>
+        <a:ea typeface="+mn-ea"/>
+        <a:cs typeface="+mn-cs"/>
+      </a:defRPr>
+    </a:lvl1pPr>
+    <a:lvl2pPr marL="457200" algn="l" defTabSz="914400" rtl="0" eaLnBrk="1" latinLnBrk="0" hangingPunct="1">
+      <a:defRPr sz="1200" kern="1200">
+        <a:solidFill>
+          <a:schemeClr val="tx1"/>
+        </a:solidFill>
+        <a:latin typeface="+mn-lt"/>
+        <a:ea typeface="+mn-ea"/>
+        <a:cs typeface="+mn-cs"/>
+      </a:defRPr>
+    </a:lvl2pPr>
+    <a:lvl3pPr marL="914400" algn="l" defTabSz="914400" rtl="0" eaLnBrk="1" latinLnBrk="0" hangingPunct="1">
+      <a:defRPr sz="1200" kern="1200">
+        <a:solidFill>
+          <a:schemeClr val="tx1"/>
+        </a:solidFill>
+        <a:latin typeface="+mn-lt"/>
+        <a:ea typeface="+mn-ea"/>
+        <a:cs typeface="+mn-cs"/>
+      </a:defRPr>
+    </a:lvl3pPr>
+    <a:lvl4pPr marL="1371600" algn="l" defTabSz="914400" rtl="0" eaLnBrk="1" latinLnBrk="0" hangingPunct="1">
+      <a:defRPr sz="1200" kern="1200">
+        <a:solidFill>
+          <a:schemeClr val="tx1"/>
+        </a:solidFill>
+        <a:latin typeface="+mn-lt"/>
+        <a:ea typeface="+mn-ea"/>
+        <a:cs typeface="+mn-cs"/>
+      </a:defRPr>
+    </a:lvl4pPr>
+    <a:lvl5pPr marL="1828800" algn="l" defTabSz="914400" rtl="0" eaLnBrk="1" latinLnBrk="0" hangingPunct="1">
+      <a:defRPr sz="1200" kern="1200">
+        <a:solidFill>
+          <a:schemeClr val="tx1"/>
+        </a:solidFill>
+        <a:latin typeface="+mn-lt"/>
+        <a:ea typeface="+mn-ea"/>
+        <a:cs typeface="+mn-cs"/>
+      </a:defRPr>
+    </a:lvl5pPr>
+    <a:lvl6pPr marL="2286000" algn="l" defTabSz="914400" rtl="0" eaLnBrk="1" latinLnBrk="0" hangingPunct="1">
+      <a:defRPr sz="1200" kern="1200">
+        <a:solidFill>
+          <a:schemeClr val="tx1"/>
+        </a:solidFill>
+        <a:latin typeface="+mn-lt"/>
+        <a:ea typeface="+mn-ea"/>
+        <a:cs typeface="+mn-cs"/>
+      </a:defRPr>
+    </a:lvl6pPr>
+    <a:lvl7pPr marL="2743200" algn="l" defTabSz="914400" rtl="0" eaLnBrk="1" latinLnBrk="0" hangingPunct="1">
+      <a:defRPr sz="1200" kern="1200">
+        <a:solidFill>
+          <a:schemeClr val="tx1"/>
+        </a:solidFill>
+        <a:latin typeface="+mn-lt"/>
+        <a:ea typeface="+mn-ea"/>
+        <a:cs typeface="+mn-cs"/>
+      </a:defRPr>
+    </a:lvl7pPr>
+    <a:lvl8pPr marL="3200400" algn="l" defTabSz="914400" rtl="0" eaLnBrk="1" latinLnBrk="0" hangingPunct="1">
+      <a:defRPr sz="1200" kern="1200">
+        <a:solidFill>
+          <a:schemeClr val="tx1"/>
+        </a:solidFill>
+        <a:latin typeface="+mn-lt"/>
+        <a:ea typeface="+mn-ea"/>
+        <a:cs typeface="+mn-cs"/>
+      </a:defRPr>
+    </a:lvl8pPr>
+    <a:lvl9pPr marL="3657600" algn="l" defTabSz="914400" rtl="0" eaLnBrk="1" latinLnBrk="0" hangingPunct="1">
+      <a:defRPr sz="1200" kern="1200">
+        <a:solidFill>
+          <a:schemeClr val="tx1"/>
+        </a:solidFill>
+        <a:latin typeface="+mn-lt"/>
+        <a:ea typeface="+mn-ea"/>
+        <a:cs typeface="+mn-cs"/>
+      </a:defRPr>
+    </a:lvl9pPr>
+  </p:notesStyle>
+</p:notesMaster>
+</file>
+
+<file path=ppt/notesSlides/notesSlide1.xml><?xml version="1.0" encoding="utf-8"?>
+<p:notes xmlns:a="http://schemas.openxmlformats.org/drawingml/2006/main" xmlns:r="http://schemas.openxmlformats.org/officeDocument/2006/relationships" xmlns:p="http://schemas.openxmlformats.org/presentationml/2006/main">
+  <p:cSld>
+    <p:spTree>
+      <p:nvGrpSpPr>
+        <p:cNvPr id="1" name=""/>
+        <p:cNvGrpSpPr/>
+        <p:nvPr/>
+      </p:nvGrpSpPr>
+      <p:grpSpPr>
+        <a:xfrm>
+          <a:off x="0" y="0"/>
+          <a:ext cx="0" cy="0"/>
+          <a:chOff x="0" y="0"/>
+          <a:chExt cx="0" cy="0"/>
+        </a:xfrm>
+      </p:grpSpPr>
+      <p:sp>
+        <p:nvSpPr>
+          <p:cNvPr id="2" name="投影片影像版面配置區 1"/>
+          <p:cNvSpPr>
+            <a:spLocks noGrp="1" noRot="1" noChangeAspect="1"/>
+          </p:cNvSpPr>
+          <p:nvPr>
+            <p:ph type="sldImg"/>
+          </p:nvPr>
+        </p:nvSpPr>
+        <p:spPr/>
+      </p:sp>
+      <p:sp>
+        <p:nvSpPr>
+          <p:cNvPr id="3" name="備忘稿版面配置區 2"/>
+          <p:cNvSpPr>
+            <a:spLocks noGrp="1"/>
+          </p:cNvSpPr>
+          <p:nvPr>
+            <p:ph type="body" idx="1"/>
+          </p:nvPr>
+        </p:nvSpPr>
+        <p:spPr/>
+        <p:txBody>
+          <a:bodyPr/>
+          <a:lstStyle/>
+          <a:p>
+            <a:pPr rtl="0"/>
+            <a:r>
+              <a:rPr lang="en-US" altLang="zh-TW" sz="1800" b="0" i="0" u="none" strike="noStrike" dirty="0">
+                <a:solidFill>
+                  <a:srgbClr val="000000"/>
+                </a:solidFill>
+                <a:effectLst/>
+                <a:latin typeface="Arial" panose="020B0604020202020204" pitchFamily="34" charset="0"/>
+              </a:rPr>
+              <a:t>a Japanese anime-style girl with brown hair tied up as two top knot, happily smiling</a:t>
+            </a:r>
+            <a:endParaRPr lang="en-US" altLang="zh-TW" b="0" dirty="0">
+              <a:effectLst/>
+            </a:endParaRPr>
+          </a:p>
+          <a:p>
+            <a:br>
+              <a:rPr lang="en-US" altLang="zh-TW" dirty="0"/>
+            </a:br>
+            <a:endParaRPr lang="zh-TW" altLang="en-US" dirty="0"/>
+          </a:p>
+        </p:txBody>
+      </p:sp>
+      <p:sp>
+        <p:nvSpPr>
+          <p:cNvPr id="4" name="投影片編號版面配置區 3"/>
+          <p:cNvSpPr>
+            <a:spLocks noGrp="1"/>
+          </p:cNvSpPr>
+          <p:nvPr>
+            <p:ph type="sldNum" sz="quarter" idx="5"/>
+          </p:nvPr>
+        </p:nvSpPr>
+        <p:spPr/>
+        <p:txBody>
+          <a:bodyPr/>
+          <a:lstStyle/>
+          <a:p>
+            <a:fld id="{F2F5F6C2-7A22-4DA5-93D3-7A86D76B8069}" type="slidenum">
+              <a:rPr lang="zh-TW" altLang="en-US" smtClean="0"/>
+              <a:t>2</a:t>
+            </a:fld>
+            <a:endParaRPr lang="zh-TW" altLang="en-US"/>
+          </a:p>
+        </p:txBody>
+      </p:sp>
+    </p:spTree>
+    <p:extLst>
+      <p:ext uri="{BB962C8B-B14F-4D97-AF65-F5344CB8AC3E}">
+        <p14:creationId xmlns:p14="http://schemas.microsoft.com/office/powerpoint/2010/main" val="3463871601"/>
+      </p:ext>
+    </p:extLst>
+  </p:cSld>
+  <p:clrMapOvr>
+    <a:masterClrMapping/>
+  </p:clrMapOvr>
+</p:notes>
+</file>
+
+<file path=ppt/notesSlides/notesSlide10.xml><?xml version="1.0" encoding="utf-8"?>
+<p:notes xmlns:a="http://schemas.openxmlformats.org/drawingml/2006/main" xmlns:r="http://schemas.openxmlformats.org/officeDocument/2006/relationships" xmlns:p="http://schemas.openxmlformats.org/presentationml/2006/main">
+  <p:cSld>
+    <p:spTree>
+      <p:nvGrpSpPr>
+        <p:cNvPr id="1" name="">
+          <a:extLst>
+            <a:ext uri="{FF2B5EF4-FFF2-40B4-BE49-F238E27FC236}">
+              <a16:creationId xmlns:a16="http://schemas.microsoft.com/office/drawing/2014/main" id="{41FFB95B-7385-FE76-CFE2-B905B8E7003C}"/>
+            </a:ext>
+          </a:extLst>
+        </p:cNvPr>
+        <p:cNvGrpSpPr/>
+        <p:nvPr/>
+      </p:nvGrpSpPr>
+      <p:grpSpPr>
+        <a:xfrm>
+          <a:off x="0" y="0"/>
+          <a:ext cx="0" cy="0"/>
+          <a:chOff x="0" y="0"/>
+          <a:chExt cx="0" cy="0"/>
+        </a:xfrm>
+      </p:grpSpPr>
+      <p:sp>
+        <p:nvSpPr>
+          <p:cNvPr id="2" name="投影片影像版面配置區 1">
+            <a:extLst>
+              <a:ext uri="{FF2B5EF4-FFF2-40B4-BE49-F238E27FC236}">
+                <a16:creationId xmlns:a16="http://schemas.microsoft.com/office/drawing/2014/main" id="{23E3E42B-60B3-43D7-B009-A9D313DE6628}"/>
+              </a:ext>
+            </a:extLst>
+          </p:cNvPr>
+          <p:cNvSpPr>
+            <a:spLocks noGrp="1" noRot="1" noChangeAspect="1"/>
+          </p:cNvSpPr>
+          <p:nvPr>
+            <p:ph type="sldImg"/>
+          </p:nvPr>
+        </p:nvSpPr>
+        <p:spPr/>
+      </p:sp>
+      <p:sp>
+        <p:nvSpPr>
+          <p:cNvPr id="3" name="備忘稿版面配置區 2">
+            <a:extLst>
+              <a:ext uri="{FF2B5EF4-FFF2-40B4-BE49-F238E27FC236}">
+                <a16:creationId xmlns:a16="http://schemas.microsoft.com/office/drawing/2014/main" id="{A281EC63-8D33-25BA-D709-7729ACB5484D}"/>
+              </a:ext>
+            </a:extLst>
+          </p:cNvPr>
+          <p:cNvSpPr>
+            <a:spLocks noGrp="1"/>
+          </p:cNvSpPr>
+          <p:nvPr>
+            <p:ph type="body" idx="1"/>
+          </p:nvPr>
+        </p:nvSpPr>
+        <p:spPr/>
+        <p:txBody>
+          <a:bodyPr/>
+          <a:lstStyle/>
+          <a:p>
+            <a:r>
+              <a:rPr lang="en-US" altLang="zh-TW" sz="1800" b="0" i="0" u="none" strike="noStrike" dirty="0">
+                <a:solidFill>
+                  <a:srgbClr val="000000"/>
+                </a:solidFill>
+                <a:effectLst/>
+                <a:latin typeface="Arial" panose="020B0604020202020204" pitchFamily="34" charset="0"/>
+              </a:rPr>
+              <a:t>a Japanese anime-style girl with cats ears, having two-toned hair (left side blue-green, right side white),and looking at a taller man who has lion's ears</a:t>
+            </a:r>
+            <a:endParaRPr lang="zh-TW" altLang="en-US" dirty="0"/>
+          </a:p>
+        </p:txBody>
+      </p:sp>
+      <p:sp>
+        <p:nvSpPr>
+          <p:cNvPr id="4" name="投影片編號版面配置區 3">
+            <a:extLst>
+              <a:ext uri="{FF2B5EF4-FFF2-40B4-BE49-F238E27FC236}">
+                <a16:creationId xmlns:a16="http://schemas.microsoft.com/office/drawing/2014/main" id="{3E259FE2-1F0A-F3BF-9269-F1097044F249}"/>
+              </a:ext>
+            </a:extLst>
+          </p:cNvPr>
+          <p:cNvSpPr>
+            <a:spLocks noGrp="1"/>
+          </p:cNvSpPr>
+          <p:nvPr>
+            <p:ph type="sldNum" sz="quarter" idx="5"/>
+          </p:nvPr>
+        </p:nvSpPr>
+        <p:spPr/>
+        <p:txBody>
+          <a:bodyPr/>
+          <a:lstStyle/>
+          <a:p>
+            <a:fld id="{F2F5F6C2-7A22-4DA5-93D3-7A86D76B8069}" type="slidenum">
+              <a:rPr lang="zh-TW" altLang="en-US" smtClean="0"/>
+              <a:t>11</a:t>
+            </a:fld>
+            <a:endParaRPr lang="zh-TW" altLang="en-US"/>
+          </a:p>
+        </p:txBody>
+      </p:sp>
+    </p:spTree>
+    <p:extLst>
+      <p:ext uri="{BB962C8B-B14F-4D97-AF65-F5344CB8AC3E}">
+        <p14:creationId xmlns:p14="http://schemas.microsoft.com/office/powerpoint/2010/main" val="3158073250"/>
+      </p:ext>
+    </p:extLst>
+  </p:cSld>
+  <p:clrMapOvr>
+    <a:masterClrMapping/>
+  </p:clrMapOvr>
+</p:notes>
+</file>
+
+<file path=ppt/notesSlides/notesSlide11.xml><?xml version="1.0" encoding="utf-8"?>
+<p:notes xmlns:a="http://schemas.openxmlformats.org/drawingml/2006/main" xmlns:r="http://schemas.openxmlformats.org/officeDocument/2006/relationships" xmlns:p="http://schemas.openxmlformats.org/presentationml/2006/main">
+  <p:cSld>
+    <p:spTree>
+      <p:nvGrpSpPr>
+        <p:cNvPr id="1" name=""/>
+        <p:cNvGrpSpPr/>
+        <p:nvPr/>
+      </p:nvGrpSpPr>
+      <p:grpSpPr>
+        <a:xfrm>
+          <a:off x="0" y="0"/>
+          <a:ext cx="0" cy="0"/>
+          <a:chOff x="0" y="0"/>
+          <a:chExt cx="0" cy="0"/>
+        </a:xfrm>
+      </p:grpSpPr>
+      <p:sp>
+        <p:nvSpPr>
+          <p:cNvPr id="2" name="投影片影像版面配置區 1"/>
+          <p:cNvSpPr>
+            <a:spLocks noGrp="1" noRot="1" noChangeAspect="1"/>
+          </p:cNvSpPr>
+          <p:nvPr>
+            <p:ph type="sldImg"/>
+          </p:nvPr>
+        </p:nvSpPr>
+        <p:spPr/>
+      </p:sp>
+      <p:sp>
+        <p:nvSpPr>
+          <p:cNvPr id="3" name="備忘稿版面配置區 2"/>
+          <p:cNvSpPr>
+            <a:spLocks noGrp="1"/>
+          </p:cNvSpPr>
+          <p:nvPr>
+            <p:ph type="body" idx="1"/>
+          </p:nvPr>
+        </p:nvSpPr>
+        <p:spPr/>
+        <p:txBody>
+          <a:bodyPr/>
+          <a:lstStyle/>
+          <a:p>
+            <a:r>
+              <a:rPr lang="en-US" altLang="zh-TW" sz="1800" b="0" i="0" u="none" strike="noStrike" dirty="0">
+                <a:solidFill>
+                  <a:srgbClr val="000000"/>
+                </a:solidFill>
+                <a:effectLst/>
+                <a:latin typeface="Arial" panose="020B0604020202020204" pitchFamily="34" charset="0"/>
+              </a:rPr>
+              <a:t>a Japanese anime-style girl with cat ears, two-toned hair (left side blue-green, right side white), happily laughing with some people who have ears of animals</a:t>
+            </a:r>
+            <a:endParaRPr lang="zh-TW" altLang="en-US" dirty="0"/>
+          </a:p>
+        </p:txBody>
+      </p:sp>
+      <p:sp>
+        <p:nvSpPr>
+          <p:cNvPr id="4" name="投影片編號版面配置區 3"/>
+          <p:cNvSpPr>
+            <a:spLocks noGrp="1"/>
+          </p:cNvSpPr>
+          <p:nvPr>
+            <p:ph type="sldNum" sz="quarter" idx="5"/>
+          </p:nvPr>
+        </p:nvSpPr>
+        <p:spPr/>
+        <p:txBody>
+          <a:bodyPr/>
+          <a:lstStyle/>
+          <a:p>
+            <a:fld id="{F2F5F6C2-7A22-4DA5-93D3-7A86D76B8069}" type="slidenum">
+              <a:rPr lang="zh-TW" altLang="en-US" smtClean="0"/>
+              <a:t>12</a:t>
+            </a:fld>
+            <a:endParaRPr lang="zh-TW" altLang="en-US"/>
+          </a:p>
+        </p:txBody>
+      </p:sp>
+    </p:spTree>
+    <p:extLst>
+      <p:ext uri="{BB962C8B-B14F-4D97-AF65-F5344CB8AC3E}">
+        <p14:creationId xmlns:p14="http://schemas.microsoft.com/office/powerpoint/2010/main" val="3464952310"/>
+      </p:ext>
+    </p:extLst>
+  </p:cSld>
+  <p:clrMapOvr>
+    <a:masterClrMapping/>
+  </p:clrMapOvr>
+</p:notes>
+</file>
+
+<file path=ppt/notesSlides/notesSlide12.xml><?xml version="1.0" encoding="utf-8"?>
+<p:notes xmlns:a="http://schemas.openxmlformats.org/drawingml/2006/main" xmlns:r="http://schemas.openxmlformats.org/officeDocument/2006/relationships" xmlns:p="http://schemas.openxmlformats.org/presentationml/2006/main">
+  <p:cSld>
+    <p:spTree>
+      <p:nvGrpSpPr>
+        <p:cNvPr id="1" name="">
+          <a:extLst>
+            <a:ext uri="{FF2B5EF4-FFF2-40B4-BE49-F238E27FC236}">
+              <a16:creationId xmlns:a16="http://schemas.microsoft.com/office/drawing/2014/main" id="{B11179FD-E376-F6DC-4A60-38C816C2FF2C}"/>
+            </a:ext>
+          </a:extLst>
+        </p:cNvPr>
+        <p:cNvGrpSpPr/>
+        <p:nvPr/>
+      </p:nvGrpSpPr>
+      <p:grpSpPr>
+        <a:xfrm>
+          <a:off x="0" y="0"/>
+          <a:ext cx="0" cy="0"/>
+          <a:chOff x="0" y="0"/>
+          <a:chExt cx="0" cy="0"/>
+        </a:xfrm>
+      </p:grpSpPr>
+      <p:sp>
+        <p:nvSpPr>
+          <p:cNvPr id="2" name="投影片影像版面配置區 1">
+            <a:extLst>
+              <a:ext uri="{FF2B5EF4-FFF2-40B4-BE49-F238E27FC236}">
+                <a16:creationId xmlns:a16="http://schemas.microsoft.com/office/drawing/2014/main" id="{0566CDD8-077B-A7A7-0961-DE9560455249}"/>
+              </a:ext>
+            </a:extLst>
+          </p:cNvPr>
+          <p:cNvSpPr>
+            <a:spLocks noGrp="1" noRot="1" noChangeAspect="1"/>
+          </p:cNvSpPr>
+          <p:nvPr>
+            <p:ph type="sldImg"/>
+          </p:nvPr>
+        </p:nvSpPr>
+        <p:spPr/>
+      </p:sp>
+      <p:sp>
+        <p:nvSpPr>
+          <p:cNvPr id="3" name="備忘稿版面配置區 2">
+            <a:extLst>
+              <a:ext uri="{FF2B5EF4-FFF2-40B4-BE49-F238E27FC236}">
+                <a16:creationId xmlns:a16="http://schemas.microsoft.com/office/drawing/2014/main" id="{16F138DA-7F34-383B-1326-8FBB91A98776}"/>
+              </a:ext>
+            </a:extLst>
+          </p:cNvPr>
+          <p:cNvSpPr>
+            <a:spLocks noGrp="1"/>
+          </p:cNvSpPr>
+          <p:nvPr>
+            <p:ph type="body" idx="1"/>
+          </p:nvPr>
+        </p:nvSpPr>
+        <p:spPr/>
+        <p:txBody>
+          <a:bodyPr/>
+          <a:lstStyle/>
+          <a:p>
+            <a:r>
+              <a:rPr lang="en-US" altLang="zh-TW" sz="1800" b="0" i="0" u="none" strike="noStrike" dirty="0">
+                <a:solidFill>
+                  <a:srgbClr val="000000"/>
+                </a:solidFill>
+                <a:effectLst/>
+                <a:latin typeface="Arial" panose="020B0604020202020204" pitchFamily="34" charset="0"/>
+              </a:rPr>
+              <a:t>a Japanese anime-style girl with cat ears, two-toned hair (left side blue-green, right side white), happily laughing with some people who have ears of animals</a:t>
+            </a:r>
+            <a:endParaRPr lang="zh-TW" altLang="en-US" dirty="0"/>
+          </a:p>
+        </p:txBody>
+      </p:sp>
+      <p:sp>
+        <p:nvSpPr>
+          <p:cNvPr id="4" name="投影片編號版面配置區 3">
+            <a:extLst>
+              <a:ext uri="{FF2B5EF4-FFF2-40B4-BE49-F238E27FC236}">
+                <a16:creationId xmlns:a16="http://schemas.microsoft.com/office/drawing/2014/main" id="{F8D16F41-6D8A-8897-C6C9-C6674E6883C1}"/>
+              </a:ext>
+            </a:extLst>
+          </p:cNvPr>
+          <p:cNvSpPr>
+            <a:spLocks noGrp="1"/>
+          </p:cNvSpPr>
+          <p:nvPr>
+            <p:ph type="sldNum" sz="quarter" idx="5"/>
+          </p:nvPr>
+        </p:nvSpPr>
+        <p:spPr/>
+        <p:txBody>
+          <a:bodyPr/>
+          <a:lstStyle/>
+          <a:p>
+            <a:fld id="{F2F5F6C2-7A22-4DA5-93D3-7A86D76B8069}" type="slidenum">
+              <a:rPr lang="zh-TW" altLang="en-US" smtClean="0"/>
+              <a:t>13</a:t>
+            </a:fld>
+            <a:endParaRPr lang="zh-TW" altLang="en-US"/>
+          </a:p>
+        </p:txBody>
+      </p:sp>
+    </p:spTree>
+    <p:extLst>
+      <p:ext uri="{BB962C8B-B14F-4D97-AF65-F5344CB8AC3E}">
+        <p14:creationId xmlns:p14="http://schemas.microsoft.com/office/powerpoint/2010/main" val="2717421194"/>
+      </p:ext>
+    </p:extLst>
+  </p:cSld>
+  <p:clrMapOvr>
+    <a:masterClrMapping/>
+  </p:clrMapOvr>
+</p:notes>
+</file>
+
+<file path=ppt/notesSlides/notesSlide13.xml><?xml version="1.0" encoding="utf-8"?>
+<p:notes xmlns:a="http://schemas.openxmlformats.org/drawingml/2006/main" xmlns:r="http://schemas.openxmlformats.org/officeDocument/2006/relationships" xmlns:p="http://schemas.openxmlformats.org/presentationml/2006/main">
+  <p:cSld>
+    <p:spTree>
+      <p:nvGrpSpPr>
+        <p:cNvPr id="1" name="">
+          <a:extLst>
+            <a:ext uri="{FF2B5EF4-FFF2-40B4-BE49-F238E27FC236}">
+              <a16:creationId xmlns:a16="http://schemas.microsoft.com/office/drawing/2014/main" id="{647D6461-ED28-1AC2-E16D-116F451D03D6}"/>
+            </a:ext>
+          </a:extLst>
+        </p:cNvPr>
+        <p:cNvGrpSpPr/>
+        <p:nvPr/>
+      </p:nvGrpSpPr>
+      <p:grpSpPr>
+        <a:xfrm>
+          <a:off x="0" y="0"/>
+          <a:ext cx="0" cy="0"/>
+          <a:chOff x="0" y="0"/>
+          <a:chExt cx="0" cy="0"/>
+        </a:xfrm>
+      </p:grpSpPr>
+      <p:sp>
+        <p:nvSpPr>
+          <p:cNvPr id="2" name="投影片影像版面配置區 1">
+            <a:extLst>
+              <a:ext uri="{FF2B5EF4-FFF2-40B4-BE49-F238E27FC236}">
+                <a16:creationId xmlns:a16="http://schemas.microsoft.com/office/drawing/2014/main" id="{0D6DC466-FD54-DB05-45CD-188137B40F67}"/>
+              </a:ext>
+            </a:extLst>
+          </p:cNvPr>
+          <p:cNvSpPr>
+            <a:spLocks noGrp="1" noRot="1" noChangeAspect="1"/>
+          </p:cNvSpPr>
+          <p:nvPr>
+            <p:ph type="sldImg"/>
+          </p:nvPr>
+        </p:nvSpPr>
+        <p:spPr/>
+      </p:sp>
+      <p:sp>
+        <p:nvSpPr>
+          <p:cNvPr id="3" name="備忘稿版面配置區 2">
+            <a:extLst>
+              <a:ext uri="{FF2B5EF4-FFF2-40B4-BE49-F238E27FC236}">
+                <a16:creationId xmlns:a16="http://schemas.microsoft.com/office/drawing/2014/main" id="{DFAE4A64-08F5-2B69-3251-38AC74E4A286}"/>
+              </a:ext>
+            </a:extLst>
+          </p:cNvPr>
+          <p:cNvSpPr>
+            <a:spLocks noGrp="1"/>
+          </p:cNvSpPr>
+          <p:nvPr>
+            <p:ph type="body" idx="1"/>
+          </p:nvPr>
+        </p:nvSpPr>
+        <p:spPr/>
+        <p:txBody>
+          <a:bodyPr/>
+          <a:lstStyle/>
+          <a:p>
+            <a:r>
+              <a:rPr lang="en-US" altLang="zh-TW" sz="1800" b="0" i="0" u="none" strike="noStrike" dirty="0">
+                <a:solidFill>
+                  <a:srgbClr val="000000"/>
+                </a:solidFill>
+                <a:effectLst/>
+                <a:latin typeface="Arial" panose="020B0604020202020204" pitchFamily="34" charset="0"/>
+              </a:rPr>
+              <a:t>a Japanese anime-style girl with cat ears, two-toned hair (left side blue-green, right side white), happily laughing with some people who have ears of animals</a:t>
+            </a:r>
+            <a:endParaRPr lang="zh-TW" altLang="en-US" dirty="0"/>
+          </a:p>
+        </p:txBody>
+      </p:sp>
+      <p:sp>
+        <p:nvSpPr>
+          <p:cNvPr id="4" name="投影片編號版面配置區 3">
+            <a:extLst>
+              <a:ext uri="{FF2B5EF4-FFF2-40B4-BE49-F238E27FC236}">
+                <a16:creationId xmlns:a16="http://schemas.microsoft.com/office/drawing/2014/main" id="{5BE115A7-66AE-E384-34E6-A547AD38E00D}"/>
+              </a:ext>
+            </a:extLst>
+          </p:cNvPr>
+          <p:cNvSpPr>
+            <a:spLocks noGrp="1"/>
+          </p:cNvSpPr>
+          <p:nvPr>
+            <p:ph type="sldNum" sz="quarter" idx="5"/>
+          </p:nvPr>
+        </p:nvSpPr>
+        <p:spPr/>
+        <p:txBody>
+          <a:bodyPr/>
+          <a:lstStyle/>
+          <a:p>
+            <a:fld id="{F2F5F6C2-7A22-4DA5-93D3-7A86D76B8069}" type="slidenum">
+              <a:rPr lang="zh-TW" altLang="en-US" smtClean="0"/>
+              <a:t>14</a:t>
+            </a:fld>
+            <a:endParaRPr lang="zh-TW" altLang="en-US"/>
+          </a:p>
+        </p:txBody>
+      </p:sp>
+    </p:spTree>
+    <p:extLst>
+      <p:ext uri="{BB962C8B-B14F-4D97-AF65-F5344CB8AC3E}">
+        <p14:creationId xmlns:p14="http://schemas.microsoft.com/office/powerpoint/2010/main" val="210007030"/>
+      </p:ext>
+    </p:extLst>
+  </p:cSld>
+  <p:clrMapOvr>
+    <a:masterClrMapping/>
+  </p:clrMapOvr>
+</p:notes>
+</file>
+
+<file path=ppt/notesSlides/notesSlide14.xml><?xml version="1.0" encoding="utf-8"?>
+<p:notes xmlns:a="http://schemas.openxmlformats.org/drawingml/2006/main" xmlns:r="http://schemas.openxmlformats.org/officeDocument/2006/relationships" xmlns:p="http://schemas.openxmlformats.org/presentationml/2006/main">
+  <p:cSld>
+    <p:spTree>
+      <p:nvGrpSpPr>
+        <p:cNvPr id="1" name="">
+          <a:extLst>
+            <a:ext uri="{FF2B5EF4-FFF2-40B4-BE49-F238E27FC236}">
+              <a16:creationId xmlns:a16="http://schemas.microsoft.com/office/drawing/2014/main" id="{C2F9CC70-4868-CECD-80E7-370F42C5A6ED}"/>
+            </a:ext>
+          </a:extLst>
+        </p:cNvPr>
+        <p:cNvGrpSpPr/>
+        <p:nvPr/>
+      </p:nvGrpSpPr>
+      <p:grpSpPr>
+        <a:xfrm>
+          <a:off x="0" y="0"/>
+          <a:ext cx="0" cy="0"/>
+          <a:chOff x="0" y="0"/>
+          <a:chExt cx="0" cy="0"/>
+        </a:xfrm>
+      </p:grpSpPr>
+      <p:sp>
+        <p:nvSpPr>
+          <p:cNvPr id="2" name="投影片影像版面配置區 1">
+            <a:extLst>
+              <a:ext uri="{FF2B5EF4-FFF2-40B4-BE49-F238E27FC236}">
+                <a16:creationId xmlns:a16="http://schemas.microsoft.com/office/drawing/2014/main" id="{9CBBD35B-41C3-E79A-4257-B4297004F608}"/>
+              </a:ext>
+            </a:extLst>
+          </p:cNvPr>
+          <p:cNvSpPr>
+            <a:spLocks noGrp="1" noRot="1" noChangeAspect="1"/>
+          </p:cNvSpPr>
+          <p:nvPr>
+            <p:ph type="sldImg"/>
+          </p:nvPr>
+        </p:nvSpPr>
+        <p:spPr/>
+      </p:sp>
+      <p:sp>
+        <p:nvSpPr>
+          <p:cNvPr id="3" name="備忘稿版面配置區 2">
+            <a:extLst>
+              <a:ext uri="{FF2B5EF4-FFF2-40B4-BE49-F238E27FC236}">
+                <a16:creationId xmlns:a16="http://schemas.microsoft.com/office/drawing/2014/main" id="{07502AE3-A2D1-5AAC-8DCD-D3BC2382F7C3}"/>
+              </a:ext>
+            </a:extLst>
+          </p:cNvPr>
+          <p:cNvSpPr>
+            <a:spLocks noGrp="1"/>
+          </p:cNvSpPr>
+          <p:nvPr>
+            <p:ph type="body" idx="1"/>
+          </p:nvPr>
+        </p:nvSpPr>
+        <p:spPr/>
+        <p:txBody>
+          <a:bodyPr/>
+          <a:lstStyle/>
+          <a:p>
+            <a:r>
+              <a:rPr lang="en-US" altLang="zh-TW" sz="1800" b="0" i="0" u="none" strike="noStrike" dirty="0">
+                <a:solidFill>
+                  <a:srgbClr val="000000"/>
+                </a:solidFill>
+                <a:effectLst/>
+                <a:latin typeface="Arial" panose="020B0604020202020204" pitchFamily="34" charset="0"/>
+              </a:rPr>
+              <a:t>a Japanese anime-style girl with cat ears, two-toned hair (left side blue-green, right side white), happily laughing with some people who have ears of animals</a:t>
+            </a:r>
+            <a:endParaRPr lang="zh-TW" altLang="en-US" dirty="0"/>
+          </a:p>
+        </p:txBody>
+      </p:sp>
+      <p:sp>
+        <p:nvSpPr>
+          <p:cNvPr id="4" name="投影片編號版面配置區 3">
+            <a:extLst>
+              <a:ext uri="{FF2B5EF4-FFF2-40B4-BE49-F238E27FC236}">
+                <a16:creationId xmlns:a16="http://schemas.microsoft.com/office/drawing/2014/main" id="{75A2A32F-FCC4-126D-8B5F-A59C00872DED}"/>
+              </a:ext>
+            </a:extLst>
+          </p:cNvPr>
+          <p:cNvSpPr>
+            <a:spLocks noGrp="1"/>
+          </p:cNvSpPr>
+          <p:nvPr>
+            <p:ph type="sldNum" sz="quarter" idx="5"/>
+          </p:nvPr>
+        </p:nvSpPr>
+        <p:spPr/>
+        <p:txBody>
+          <a:bodyPr/>
+          <a:lstStyle/>
+          <a:p>
+            <a:fld id="{F2F5F6C2-7A22-4DA5-93D3-7A86D76B8069}" type="slidenum">
+              <a:rPr lang="zh-TW" altLang="en-US" smtClean="0"/>
+              <a:t>15</a:t>
+            </a:fld>
+            <a:endParaRPr lang="zh-TW" altLang="en-US"/>
+          </a:p>
+        </p:txBody>
+      </p:sp>
+    </p:spTree>
+    <p:extLst>
+      <p:ext uri="{BB962C8B-B14F-4D97-AF65-F5344CB8AC3E}">
+        <p14:creationId xmlns:p14="http://schemas.microsoft.com/office/powerpoint/2010/main" val="2924527303"/>
+      </p:ext>
+    </p:extLst>
+  </p:cSld>
+  <p:clrMapOvr>
+    <a:masterClrMapping/>
+  </p:clrMapOvr>
+</p:notes>
+</file>
+
+<file path=ppt/notesSlides/notesSlide2.xml><?xml version="1.0" encoding="utf-8"?>
+<p:notes xmlns:a="http://schemas.openxmlformats.org/drawingml/2006/main" xmlns:r="http://schemas.openxmlformats.org/officeDocument/2006/relationships" xmlns:p="http://schemas.openxmlformats.org/presentationml/2006/main">
+  <p:cSld>
+    <p:spTree>
+      <p:nvGrpSpPr>
+        <p:cNvPr id="1" name="">
+          <a:extLst>
+            <a:ext uri="{FF2B5EF4-FFF2-40B4-BE49-F238E27FC236}">
+              <a16:creationId xmlns:a16="http://schemas.microsoft.com/office/drawing/2014/main" id="{CA7B40BE-8B64-F3F0-D7BE-A54CD4500B55}"/>
+            </a:ext>
+          </a:extLst>
+        </p:cNvPr>
+        <p:cNvGrpSpPr/>
+        <p:nvPr/>
+      </p:nvGrpSpPr>
+      <p:grpSpPr>
+        <a:xfrm>
+          <a:off x="0" y="0"/>
+          <a:ext cx="0" cy="0"/>
+          <a:chOff x="0" y="0"/>
+          <a:chExt cx="0" cy="0"/>
+        </a:xfrm>
+      </p:grpSpPr>
+      <p:sp>
+        <p:nvSpPr>
+          <p:cNvPr id="2" name="投影片影像版面配置區 1">
+            <a:extLst>
+              <a:ext uri="{FF2B5EF4-FFF2-40B4-BE49-F238E27FC236}">
+                <a16:creationId xmlns:a16="http://schemas.microsoft.com/office/drawing/2014/main" id="{4D26CF2E-DF4D-39F4-5877-1984DBF7B2E2}"/>
+              </a:ext>
+            </a:extLst>
+          </p:cNvPr>
+          <p:cNvSpPr>
+            <a:spLocks noGrp="1" noRot="1" noChangeAspect="1"/>
+          </p:cNvSpPr>
+          <p:nvPr>
+            <p:ph type="sldImg"/>
+          </p:nvPr>
+        </p:nvSpPr>
+        <p:spPr/>
+      </p:sp>
+      <p:sp>
+        <p:nvSpPr>
+          <p:cNvPr id="3" name="備忘稿版面配置區 2">
+            <a:extLst>
+              <a:ext uri="{FF2B5EF4-FFF2-40B4-BE49-F238E27FC236}">
+                <a16:creationId xmlns:a16="http://schemas.microsoft.com/office/drawing/2014/main" id="{A467AE52-81AC-37F7-4E32-05805517CCE4}"/>
+              </a:ext>
+            </a:extLst>
+          </p:cNvPr>
+          <p:cNvSpPr>
+            <a:spLocks noGrp="1"/>
+          </p:cNvSpPr>
+          <p:nvPr>
+            <p:ph type="body" idx="1"/>
+          </p:nvPr>
+        </p:nvSpPr>
+        <p:spPr/>
+        <p:txBody>
+          <a:bodyPr/>
+          <a:lstStyle/>
+          <a:p>
+            <a:pPr rtl="0"/>
+            <a:r>
+              <a:rPr lang="en-US" altLang="zh-TW" sz="1800" b="0" i="0" u="none" strike="noStrike" dirty="0">
+                <a:solidFill>
+                  <a:srgbClr val="000000"/>
+                </a:solidFill>
+                <a:effectLst/>
+                <a:latin typeface="Arial" panose="020B0604020202020204" pitchFamily="34" charset="0"/>
+              </a:rPr>
+              <a:t>a Japanese anime-style girl with brown hair tied up as two top knot, happily smiling</a:t>
+            </a:r>
+            <a:endParaRPr lang="en-US" altLang="zh-TW" b="0" dirty="0">
+              <a:effectLst/>
+            </a:endParaRPr>
+          </a:p>
+          <a:p>
+            <a:br>
+              <a:rPr lang="en-US" altLang="zh-TW" dirty="0"/>
+            </a:br>
+            <a:endParaRPr lang="zh-TW" altLang="en-US" dirty="0"/>
+          </a:p>
+        </p:txBody>
+      </p:sp>
+      <p:sp>
+        <p:nvSpPr>
+          <p:cNvPr id="4" name="投影片編號版面配置區 3">
+            <a:extLst>
+              <a:ext uri="{FF2B5EF4-FFF2-40B4-BE49-F238E27FC236}">
+                <a16:creationId xmlns:a16="http://schemas.microsoft.com/office/drawing/2014/main" id="{1E916BC9-B3AC-535D-159C-2C992E2A0643}"/>
+              </a:ext>
+            </a:extLst>
+          </p:cNvPr>
+          <p:cNvSpPr>
+            <a:spLocks noGrp="1"/>
+          </p:cNvSpPr>
+          <p:nvPr>
+            <p:ph type="sldNum" sz="quarter" idx="5"/>
+          </p:nvPr>
+        </p:nvSpPr>
+        <p:spPr/>
+        <p:txBody>
+          <a:bodyPr/>
+          <a:lstStyle/>
+          <a:p>
+            <a:fld id="{F2F5F6C2-7A22-4DA5-93D3-7A86D76B8069}" type="slidenum">
+              <a:rPr lang="zh-TW" altLang="en-US" smtClean="0"/>
+              <a:t>3</a:t>
+            </a:fld>
+            <a:endParaRPr lang="zh-TW" altLang="en-US"/>
+          </a:p>
+        </p:txBody>
+      </p:sp>
+    </p:spTree>
+    <p:extLst>
+      <p:ext uri="{BB962C8B-B14F-4D97-AF65-F5344CB8AC3E}">
+        <p14:creationId xmlns:p14="http://schemas.microsoft.com/office/powerpoint/2010/main" val="2362045614"/>
+      </p:ext>
+    </p:extLst>
+  </p:cSld>
+  <p:clrMapOvr>
+    <a:masterClrMapping/>
+  </p:clrMapOvr>
+</p:notes>
+</file>
+
+<file path=ppt/notesSlides/notesSlide3.xml><?xml version="1.0" encoding="utf-8"?>
+<p:notes xmlns:a="http://schemas.openxmlformats.org/drawingml/2006/main" xmlns:r="http://schemas.openxmlformats.org/officeDocument/2006/relationships" xmlns:p="http://schemas.openxmlformats.org/presentationml/2006/main">
+  <p:cSld>
+    <p:spTree>
+      <p:nvGrpSpPr>
+        <p:cNvPr id="1" name="">
+          <a:extLst>
+            <a:ext uri="{FF2B5EF4-FFF2-40B4-BE49-F238E27FC236}">
+              <a16:creationId xmlns:a16="http://schemas.microsoft.com/office/drawing/2014/main" id="{E3154AA0-7EE5-29F0-D88E-1078DE008F86}"/>
+            </a:ext>
+          </a:extLst>
+        </p:cNvPr>
+        <p:cNvGrpSpPr/>
+        <p:nvPr/>
+      </p:nvGrpSpPr>
+      <p:grpSpPr>
+        <a:xfrm>
+          <a:off x="0" y="0"/>
+          <a:ext cx="0" cy="0"/>
+          <a:chOff x="0" y="0"/>
+          <a:chExt cx="0" cy="0"/>
+        </a:xfrm>
+      </p:grpSpPr>
+      <p:sp>
+        <p:nvSpPr>
+          <p:cNvPr id="2" name="投影片影像版面配置區 1">
+            <a:extLst>
+              <a:ext uri="{FF2B5EF4-FFF2-40B4-BE49-F238E27FC236}">
+                <a16:creationId xmlns:a16="http://schemas.microsoft.com/office/drawing/2014/main" id="{F677010E-0BCC-68D9-953C-806660C9CE2A}"/>
+              </a:ext>
+            </a:extLst>
+          </p:cNvPr>
+          <p:cNvSpPr>
+            <a:spLocks noGrp="1" noRot="1" noChangeAspect="1"/>
+          </p:cNvSpPr>
+          <p:nvPr>
+            <p:ph type="sldImg"/>
+          </p:nvPr>
+        </p:nvSpPr>
+        <p:spPr/>
+      </p:sp>
+      <p:sp>
+        <p:nvSpPr>
+          <p:cNvPr id="3" name="備忘稿版面配置區 2">
+            <a:extLst>
+              <a:ext uri="{FF2B5EF4-FFF2-40B4-BE49-F238E27FC236}">
+                <a16:creationId xmlns:a16="http://schemas.microsoft.com/office/drawing/2014/main" id="{8A2ECBFC-6EC1-771B-F9A3-A941245B651E}"/>
+              </a:ext>
+            </a:extLst>
+          </p:cNvPr>
+          <p:cNvSpPr>
+            <a:spLocks noGrp="1"/>
+          </p:cNvSpPr>
+          <p:nvPr>
+            <p:ph type="body" idx="1"/>
+          </p:nvPr>
+        </p:nvSpPr>
+        <p:spPr/>
+        <p:txBody>
+          <a:bodyPr/>
+          <a:lstStyle/>
+          <a:p>
+            <a:pPr rtl="0"/>
+            <a:r>
+              <a:rPr lang="en-US" altLang="zh-TW" sz="1800" b="0" i="0" u="none" strike="noStrike" dirty="0">
+                <a:solidFill>
+                  <a:srgbClr val="000000"/>
+                </a:solidFill>
+                <a:effectLst/>
+                <a:latin typeface="Arial" panose="020B0604020202020204" pitchFamily="34" charset="0"/>
+              </a:rPr>
+              <a:t>a Japanese anime-style girl with brown hair tied up as two top knot, happily smiling</a:t>
+            </a:r>
+            <a:endParaRPr lang="en-US" altLang="zh-TW" b="0" dirty="0">
+              <a:effectLst/>
+            </a:endParaRPr>
+          </a:p>
+          <a:p>
+            <a:br>
+              <a:rPr lang="en-US" altLang="zh-TW" dirty="0"/>
+            </a:br>
+            <a:endParaRPr lang="zh-TW" altLang="en-US" dirty="0"/>
+          </a:p>
+        </p:txBody>
+      </p:sp>
+      <p:sp>
+        <p:nvSpPr>
+          <p:cNvPr id="4" name="投影片編號版面配置區 3">
+            <a:extLst>
+              <a:ext uri="{FF2B5EF4-FFF2-40B4-BE49-F238E27FC236}">
+                <a16:creationId xmlns:a16="http://schemas.microsoft.com/office/drawing/2014/main" id="{D9D4DAE0-7600-8C8B-E893-7515B991DFAC}"/>
+              </a:ext>
+            </a:extLst>
+          </p:cNvPr>
+          <p:cNvSpPr>
+            <a:spLocks noGrp="1"/>
+          </p:cNvSpPr>
+          <p:nvPr>
+            <p:ph type="sldNum" sz="quarter" idx="5"/>
+          </p:nvPr>
+        </p:nvSpPr>
+        <p:spPr/>
+        <p:txBody>
+          <a:bodyPr/>
+          <a:lstStyle/>
+          <a:p>
+            <a:fld id="{F2F5F6C2-7A22-4DA5-93D3-7A86D76B8069}" type="slidenum">
+              <a:rPr lang="zh-TW" altLang="en-US" smtClean="0"/>
+              <a:t>4</a:t>
+            </a:fld>
+            <a:endParaRPr lang="zh-TW" altLang="en-US"/>
+          </a:p>
+        </p:txBody>
+      </p:sp>
+    </p:spTree>
+    <p:extLst>
+      <p:ext uri="{BB962C8B-B14F-4D97-AF65-F5344CB8AC3E}">
+        <p14:creationId xmlns:p14="http://schemas.microsoft.com/office/powerpoint/2010/main" val="887488147"/>
+      </p:ext>
+    </p:extLst>
+  </p:cSld>
+  <p:clrMapOvr>
+    <a:masterClrMapping/>
+  </p:clrMapOvr>
+</p:notes>
+</file>
+
+<file path=ppt/notesSlides/notesSlide4.xml><?xml version="1.0" encoding="utf-8"?>
+<p:notes xmlns:a="http://schemas.openxmlformats.org/drawingml/2006/main" xmlns:r="http://schemas.openxmlformats.org/officeDocument/2006/relationships" xmlns:p="http://schemas.openxmlformats.org/presentationml/2006/main">
+  <p:cSld>
+    <p:spTree>
+      <p:nvGrpSpPr>
+        <p:cNvPr id="1" name="">
+          <a:extLst>
+            <a:ext uri="{FF2B5EF4-FFF2-40B4-BE49-F238E27FC236}">
+              <a16:creationId xmlns:a16="http://schemas.microsoft.com/office/drawing/2014/main" id="{F24535AC-5D2B-864F-717C-DEB7397B4B15}"/>
+            </a:ext>
+          </a:extLst>
+        </p:cNvPr>
+        <p:cNvGrpSpPr/>
+        <p:nvPr/>
+      </p:nvGrpSpPr>
+      <p:grpSpPr>
+        <a:xfrm>
+          <a:off x="0" y="0"/>
+          <a:ext cx="0" cy="0"/>
+          <a:chOff x="0" y="0"/>
+          <a:chExt cx="0" cy="0"/>
+        </a:xfrm>
+      </p:grpSpPr>
+      <p:sp>
+        <p:nvSpPr>
+          <p:cNvPr id="2" name="投影片影像版面配置區 1">
+            <a:extLst>
+              <a:ext uri="{FF2B5EF4-FFF2-40B4-BE49-F238E27FC236}">
+                <a16:creationId xmlns:a16="http://schemas.microsoft.com/office/drawing/2014/main" id="{CDF22A8C-C82A-77FC-5343-DD3EEA8C6719}"/>
+              </a:ext>
+            </a:extLst>
+          </p:cNvPr>
+          <p:cNvSpPr>
+            <a:spLocks noGrp="1" noRot="1" noChangeAspect="1"/>
+          </p:cNvSpPr>
+          <p:nvPr>
+            <p:ph type="sldImg"/>
+          </p:nvPr>
+        </p:nvSpPr>
+        <p:spPr/>
+      </p:sp>
+      <p:sp>
+        <p:nvSpPr>
+          <p:cNvPr id="3" name="備忘稿版面配置區 2">
+            <a:extLst>
+              <a:ext uri="{FF2B5EF4-FFF2-40B4-BE49-F238E27FC236}">
+                <a16:creationId xmlns:a16="http://schemas.microsoft.com/office/drawing/2014/main" id="{CEDA80A6-E961-68B5-4ED8-E723AFF936D7}"/>
+              </a:ext>
+            </a:extLst>
+          </p:cNvPr>
+          <p:cNvSpPr>
+            <a:spLocks noGrp="1"/>
+          </p:cNvSpPr>
+          <p:nvPr>
+            <p:ph type="body" idx="1"/>
+          </p:nvPr>
+        </p:nvSpPr>
+        <p:spPr/>
+        <p:txBody>
+          <a:bodyPr/>
+          <a:lstStyle/>
+          <a:p>
+            <a:pPr rtl="0"/>
+            <a:r>
+              <a:rPr lang="en-US" altLang="zh-TW" sz="1800" b="0" i="0" u="none" strike="noStrike" dirty="0">
+                <a:solidFill>
+                  <a:srgbClr val="000000"/>
+                </a:solidFill>
+                <a:effectLst/>
+                <a:latin typeface="Arial" panose="020B0604020202020204" pitchFamily="34" charset="0"/>
+              </a:rPr>
+              <a:t>a Japanese anime-style girl with brown hair tied up as two top knot, happily smiling</a:t>
+            </a:r>
+            <a:endParaRPr lang="en-US" altLang="zh-TW" b="0" dirty="0">
+              <a:effectLst/>
+            </a:endParaRPr>
+          </a:p>
+          <a:p>
+            <a:br>
+              <a:rPr lang="en-US" altLang="zh-TW" dirty="0"/>
+            </a:br>
+            <a:endParaRPr lang="zh-TW" altLang="en-US" dirty="0"/>
+          </a:p>
+        </p:txBody>
+      </p:sp>
+      <p:sp>
+        <p:nvSpPr>
+          <p:cNvPr id="4" name="投影片編號版面配置區 3">
+            <a:extLst>
+              <a:ext uri="{FF2B5EF4-FFF2-40B4-BE49-F238E27FC236}">
+                <a16:creationId xmlns:a16="http://schemas.microsoft.com/office/drawing/2014/main" id="{2007D41B-AF1C-16D1-7072-D11E128F307B}"/>
+              </a:ext>
+            </a:extLst>
+          </p:cNvPr>
+          <p:cNvSpPr>
+            <a:spLocks noGrp="1"/>
+          </p:cNvSpPr>
+          <p:nvPr>
+            <p:ph type="sldNum" sz="quarter" idx="5"/>
+          </p:nvPr>
+        </p:nvSpPr>
+        <p:spPr/>
+        <p:txBody>
+          <a:bodyPr/>
+          <a:lstStyle/>
+          <a:p>
+            <a:fld id="{F2F5F6C2-7A22-4DA5-93D3-7A86D76B8069}" type="slidenum">
+              <a:rPr lang="zh-TW" altLang="en-US" smtClean="0"/>
+              <a:t>5</a:t>
+            </a:fld>
+            <a:endParaRPr lang="zh-TW" altLang="en-US"/>
+          </a:p>
+        </p:txBody>
+      </p:sp>
+    </p:spTree>
+    <p:extLst>
+      <p:ext uri="{BB962C8B-B14F-4D97-AF65-F5344CB8AC3E}">
+        <p14:creationId xmlns:p14="http://schemas.microsoft.com/office/powerpoint/2010/main" val="706922990"/>
+      </p:ext>
+    </p:extLst>
+  </p:cSld>
+  <p:clrMapOvr>
+    <a:masterClrMapping/>
+  </p:clrMapOvr>
+</p:notes>
+</file>
+
+<file path=ppt/notesSlides/notesSlide5.xml><?xml version="1.0" encoding="utf-8"?>
+<p:notes xmlns:a="http://schemas.openxmlformats.org/drawingml/2006/main" xmlns:r="http://schemas.openxmlformats.org/officeDocument/2006/relationships" xmlns:p="http://schemas.openxmlformats.org/presentationml/2006/main">
+  <p:cSld>
+    <p:spTree>
+      <p:nvGrpSpPr>
+        <p:cNvPr id="1" name=""/>
+        <p:cNvGrpSpPr/>
+        <p:nvPr/>
+      </p:nvGrpSpPr>
+      <p:grpSpPr>
+        <a:xfrm>
+          <a:off x="0" y="0"/>
+          <a:ext cx="0" cy="0"/>
+          <a:chOff x="0" y="0"/>
+          <a:chExt cx="0" cy="0"/>
+        </a:xfrm>
+      </p:grpSpPr>
+      <p:sp>
+        <p:nvSpPr>
+          <p:cNvPr id="2" name="投影片影像版面配置區 1"/>
+          <p:cNvSpPr>
+            <a:spLocks noGrp="1" noRot="1" noChangeAspect="1"/>
+          </p:cNvSpPr>
+          <p:nvPr>
+            <p:ph type="sldImg"/>
+          </p:nvPr>
+        </p:nvSpPr>
+        <p:spPr/>
+      </p:sp>
+      <p:sp>
+        <p:nvSpPr>
+          <p:cNvPr id="3" name="備忘稿版面配置區 2"/>
+          <p:cNvSpPr>
+            <a:spLocks noGrp="1"/>
+          </p:cNvSpPr>
+          <p:nvPr>
+            <p:ph type="body" idx="1"/>
+          </p:nvPr>
+        </p:nvSpPr>
+        <p:spPr/>
+        <p:txBody>
+          <a:bodyPr/>
+          <a:lstStyle/>
+          <a:p>
+            <a:r>
+              <a:rPr lang="en-US" altLang="zh-TW" sz="1800" b="0" i="0" u="none" strike="noStrike" dirty="0">
+                <a:solidFill>
+                  <a:srgbClr val="000000"/>
+                </a:solidFill>
+                <a:effectLst/>
+                <a:latin typeface="Arial" panose="020B0604020202020204" pitchFamily="34" charset="0"/>
+              </a:rPr>
+              <a:t>a Japanese anime-style girl with dark brown hair tied up as two top knot, holding tightly onto a painting, looks determined</a:t>
+            </a:r>
+            <a:endParaRPr lang="zh-TW" altLang="en-US" dirty="0"/>
+          </a:p>
+        </p:txBody>
+      </p:sp>
+      <p:sp>
+        <p:nvSpPr>
+          <p:cNvPr id="4" name="投影片編號版面配置區 3"/>
+          <p:cNvSpPr>
+            <a:spLocks noGrp="1"/>
+          </p:cNvSpPr>
+          <p:nvPr>
+            <p:ph type="sldNum" sz="quarter" idx="5"/>
+          </p:nvPr>
+        </p:nvSpPr>
+        <p:spPr/>
+        <p:txBody>
+          <a:bodyPr/>
+          <a:lstStyle/>
+          <a:p>
+            <a:fld id="{F2F5F6C2-7A22-4DA5-93D3-7A86D76B8069}" type="slidenum">
+              <a:rPr lang="zh-TW" altLang="en-US" smtClean="0"/>
+              <a:t>6</a:t>
+            </a:fld>
+            <a:endParaRPr lang="zh-TW" altLang="en-US"/>
+          </a:p>
+        </p:txBody>
+      </p:sp>
+    </p:spTree>
+    <p:extLst>
+      <p:ext uri="{BB962C8B-B14F-4D97-AF65-F5344CB8AC3E}">
+        <p14:creationId xmlns:p14="http://schemas.microsoft.com/office/powerpoint/2010/main" val="655869323"/>
+      </p:ext>
+    </p:extLst>
+  </p:cSld>
+  <p:clrMapOvr>
+    <a:masterClrMapping/>
+  </p:clrMapOvr>
+</p:notes>
+</file>
+
+<file path=ppt/notesSlides/notesSlide6.xml><?xml version="1.0" encoding="utf-8"?>
+<p:notes xmlns:a="http://schemas.openxmlformats.org/drawingml/2006/main" xmlns:r="http://schemas.openxmlformats.org/officeDocument/2006/relationships" xmlns:p="http://schemas.openxmlformats.org/presentationml/2006/main">
+  <p:cSld>
+    <p:spTree>
+      <p:nvGrpSpPr>
+        <p:cNvPr id="1" name=""/>
+        <p:cNvGrpSpPr/>
+        <p:nvPr/>
+      </p:nvGrpSpPr>
+      <p:grpSpPr>
+        <a:xfrm>
+          <a:off x="0" y="0"/>
+          <a:ext cx="0" cy="0"/>
+          <a:chOff x="0" y="0"/>
+          <a:chExt cx="0" cy="0"/>
+        </a:xfrm>
+      </p:grpSpPr>
+      <p:sp>
+        <p:nvSpPr>
+          <p:cNvPr id="2" name="投影片影像版面配置區 1"/>
+          <p:cNvSpPr>
+            <a:spLocks noGrp="1" noRot="1" noChangeAspect="1"/>
+          </p:cNvSpPr>
+          <p:nvPr>
+            <p:ph type="sldImg"/>
+          </p:nvPr>
+        </p:nvSpPr>
+        <p:spPr/>
+      </p:sp>
+      <p:sp>
+        <p:nvSpPr>
+          <p:cNvPr id="3" name="備忘稿版面配置區 2"/>
+          <p:cNvSpPr>
+            <a:spLocks noGrp="1"/>
+          </p:cNvSpPr>
+          <p:nvPr>
+            <p:ph type="body" idx="1"/>
+          </p:nvPr>
+        </p:nvSpPr>
+        <p:spPr/>
+        <p:txBody>
+          <a:bodyPr/>
+          <a:lstStyle/>
+          <a:p>
+            <a:r>
+              <a:rPr lang="en-US" altLang="zh-TW" sz="1800" b="0" i="0" u="none" strike="noStrike" dirty="0">
+                <a:solidFill>
+                  <a:srgbClr val="000000"/>
+                </a:solidFill>
+                <a:effectLst/>
+                <a:latin typeface="Arial" panose="020B0604020202020204" pitchFamily="34" charset="0"/>
+              </a:rPr>
+              <a:t>a Japanese anime-style girl with dark brown hair tied up as two top knot, sitting on floor and crying</a:t>
+            </a:r>
+            <a:endParaRPr lang="zh-TW" altLang="en-US" dirty="0"/>
+          </a:p>
+        </p:txBody>
+      </p:sp>
+      <p:sp>
+        <p:nvSpPr>
+          <p:cNvPr id="4" name="投影片編號版面配置區 3"/>
+          <p:cNvSpPr>
+            <a:spLocks noGrp="1"/>
+          </p:cNvSpPr>
+          <p:nvPr>
+            <p:ph type="sldNum" sz="quarter" idx="5"/>
+          </p:nvPr>
+        </p:nvSpPr>
+        <p:spPr/>
+        <p:txBody>
+          <a:bodyPr/>
+          <a:lstStyle/>
+          <a:p>
+            <a:fld id="{F2F5F6C2-7A22-4DA5-93D3-7A86D76B8069}" type="slidenum">
+              <a:rPr lang="zh-TW" altLang="en-US" smtClean="0"/>
+              <a:t>7</a:t>
+            </a:fld>
+            <a:endParaRPr lang="zh-TW" altLang="en-US"/>
+          </a:p>
+        </p:txBody>
+      </p:sp>
+    </p:spTree>
+    <p:extLst>
+      <p:ext uri="{BB962C8B-B14F-4D97-AF65-F5344CB8AC3E}">
+        <p14:creationId xmlns:p14="http://schemas.microsoft.com/office/powerpoint/2010/main" val="48309702"/>
+      </p:ext>
+    </p:extLst>
+  </p:cSld>
+  <p:clrMapOvr>
+    <a:masterClrMapping/>
+  </p:clrMapOvr>
+</p:notes>
+</file>
+
+<file path=ppt/notesSlides/notesSlide7.xml><?xml version="1.0" encoding="utf-8"?>
+<p:notes xmlns:a="http://schemas.openxmlformats.org/drawingml/2006/main" xmlns:r="http://schemas.openxmlformats.org/officeDocument/2006/relationships" xmlns:p="http://schemas.openxmlformats.org/presentationml/2006/main">
+  <p:cSld>
+    <p:spTree>
+      <p:nvGrpSpPr>
+        <p:cNvPr id="1" name="">
+          <a:extLst>
+            <a:ext uri="{FF2B5EF4-FFF2-40B4-BE49-F238E27FC236}">
+              <a16:creationId xmlns:a16="http://schemas.microsoft.com/office/drawing/2014/main" id="{8956BD75-70A2-1C14-B827-60F6B6974F93}"/>
+            </a:ext>
+          </a:extLst>
+        </p:cNvPr>
+        <p:cNvGrpSpPr/>
+        <p:nvPr/>
+      </p:nvGrpSpPr>
+      <p:grpSpPr>
+        <a:xfrm>
+          <a:off x="0" y="0"/>
+          <a:ext cx="0" cy="0"/>
+          <a:chOff x="0" y="0"/>
+          <a:chExt cx="0" cy="0"/>
+        </a:xfrm>
+      </p:grpSpPr>
+      <p:sp>
+        <p:nvSpPr>
+          <p:cNvPr id="2" name="投影片影像版面配置區 1">
+            <a:extLst>
+              <a:ext uri="{FF2B5EF4-FFF2-40B4-BE49-F238E27FC236}">
+                <a16:creationId xmlns:a16="http://schemas.microsoft.com/office/drawing/2014/main" id="{D6A6C8D6-D4F4-3435-834A-5FEF7927AA45}"/>
+              </a:ext>
+            </a:extLst>
+          </p:cNvPr>
+          <p:cNvSpPr>
+            <a:spLocks noGrp="1" noRot="1" noChangeAspect="1"/>
+          </p:cNvSpPr>
+          <p:nvPr>
+            <p:ph type="sldImg"/>
+          </p:nvPr>
+        </p:nvSpPr>
+        <p:spPr/>
+      </p:sp>
+      <p:sp>
+        <p:nvSpPr>
+          <p:cNvPr id="3" name="備忘稿版面配置區 2">
+            <a:extLst>
+              <a:ext uri="{FF2B5EF4-FFF2-40B4-BE49-F238E27FC236}">
+                <a16:creationId xmlns:a16="http://schemas.microsoft.com/office/drawing/2014/main" id="{3F89BF43-C194-E3F5-7D19-1B68D2C6872C}"/>
+              </a:ext>
+            </a:extLst>
+          </p:cNvPr>
+          <p:cNvSpPr>
+            <a:spLocks noGrp="1"/>
+          </p:cNvSpPr>
+          <p:nvPr>
+            <p:ph type="body" idx="1"/>
+          </p:nvPr>
+        </p:nvSpPr>
+        <p:spPr/>
+        <p:txBody>
+          <a:bodyPr/>
+          <a:lstStyle/>
+          <a:p>
+            <a:r>
+              <a:rPr lang="en-US" altLang="zh-TW" sz="1800" b="0" i="0" u="none" strike="noStrike" dirty="0">
+                <a:solidFill>
+                  <a:srgbClr val="000000"/>
+                </a:solidFill>
+                <a:effectLst/>
+                <a:latin typeface="Arial" panose="020B0604020202020204" pitchFamily="34" charset="0"/>
+              </a:rPr>
+              <a:t>a Japanese anime-style girl with dark brown hair tied up as two top knot, holding tightly onto a painting, looks determined</a:t>
+            </a:r>
+            <a:endParaRPr lang="zh-TW" altLang="en-US" dirty="0"/>
+          </a:p>
+        </p:txBody>
+      </p:sp>
+      <p:sp>
+        <p:nvSpPr>
+          <p:cNvPr id="4" name="投影片編號版面配置區 3">
+            <a:extLst>
+              <a:ext uri="{FF2B5EF4-FFF2-40B4-BE49-F238E27FC236}">
+                <a16:creationId xmlns:a16="http://schemas.microsoft.com/office/drawing/2014/main" id="{3243C5D9-502E-3B72-33F1-707915466F7A}"/>
+              </a:ext>
+            </a:extLst>
+          </p:cNvPr>
+          <p:cNvSpPr>
+            <a:spLocks noGrp="1"/>
+          </p:cNvSpPr>
+          <p:nvPr>
+            <p:ph type="sldNum" sz="quarter" idx="5"/>
+          </p:nvPr>
+        </p:nvSpPr>
+        <p:spPr/>
+        <p:txBody>
+          <a:bodyPr/>
+          <a:lstStyle/>
+          <a:p>
+            <a:fld id="{F2F5F6C2-7A22-4DA5-93D3-7A86D76B8069}" type="slidenum">
+              <a:rPr lang="zh-TW" altLang="en-US" smtClean="0"/>
+              <a:t>8</a:t>
+            </a:fld>
+            <a:endParaRPr lang="zh-TW" altLang="en-US"/>
+          </a:p>
+        </p:txBody>
+      </p:sp>
+    </p:spTree>
+    <p:extLst>
+      <p:ext uri="{BB962C8B-B14F-4D97-AF65-F5344CB8AC3E}">
+        <p14:creationId xmlns:p14="http://schemas.microsoft.com/office/powerpoint/2010/main" val="673122761"/>
+      </p:ext>
+    </p:extLst>
+  </p:cSld>
+  <p:clrMapOvr>
+    <a:masterClrMapping/>
+  </p:clrMapOvr>
+</p:notes>
+</file>
+
+<file path=ppt/notesSlides/notesSlide8.xml><?xml version="1.0" encoding="utf-8"?>
+<p:notes xmlns:a="http://schemas.openxmlformats.org/drawingml/2006/main" xmlns:r="http://schemas.openxmlformats.org/officeDocument/2006/relationships" xmlns:p="http://schemas.openxmlformats.org/presentationml/2006/main">
+  <p:cSld>
+    <p:spTree>
+      <p:nvGrpSpPr>
+        <p:cNvPr id="1" name=""/>
+        <p:cNvGrpSpPr/>
+        <p:nvPr/>
+      </p:nvGrpSpPr>
+      <p:grpSpPr>
+        <a:xfrm>
+          <a:off x="0" y="0"/>
+          <a:ext cx="0" cy="0"/>
+          <a:chOff x="0" y="0"/>
+          <a:chExt cx="0" cy="0"/>
+        </a:xfrm>
+      </p:grpSpPr>
+      <p:sp>
+        <p:nvSpPr>
+          <p:cNvPr id="2" name="投影片影像版面配置區 1"/>
+          <p:cNvSpPr>
+            <a:spLocks noGrp="1" noRot="1" noChangeAspect="1"/>
+          </p:cNvSpPr>
+          <p:nvPr>
+            <p:ph type="sldImg"/>
+          </p:nvPr>
+        </p:nvSpPr>
+        <p:spPr/>
+      </p:sp>
+      <p:sp>
+        <p:nvSpPr>
+          <p:cNvPr id="3" name="備忘稿版面配置區 2"/>
+          <p:cNvSpPr>
+            <a:spLocks noGrp="1"/>
+          </p:cNvSpPr>
+          <p:nvPr>
+            <p:ph type="body" idx="1"/>
+          </p:nvPr>
+        </p:nvSpPr>
+        <p:spPr/>
+        <p:txBody>
+          <a:bodyPr/>
+          <a:lstStyle/>
+          <a:p>
+            <a:pPr rtl="0"/>
+            <a:r>
+              <a:rPr lang="en-US" altLang="zh-TW" sz="1800" b="0" i="0" u="none" strike="noStrike" dirty="0">
+                <a:solidFill>
+                  <a:srgbClr val="000000"/>
+                </a:solidFill>
+                <a:effectLst/>
+                <a:latin typeface="Arial" panose="020B0604020202020204" pitchFamily="34" charset="0"/>
+              </a:rPr>
+              <a:t>a Japanese anime-style girl with two-toned hair (left side blue-green, right side white), sitting in a forest</a:t>
+            </a:r>
+            <a:endParaRPr lang="en-US" altLang="zh-TW" b="0" dirty="0">
+              <a:effectLst/>
+            </a:endParaRPr>
+          </a:p>
+          <a:p>
+            <a:br>
+              <a:rPr lang="en-US" altLang="zh-TW" dirty="0"/>
+            </a:br>
+            <a:endParaRPr lang="zh-TW" altLang="en-US" dirty="0"/>
+          </a:p>
+        </p:txBody>
+      </p:sp>
+      <p:sp>
+        <p:nvSpPr>
+          <p:cNvPr id="4" name="投影片編號版面配置區 3"/>
+          <p:cNvSpPr>
+            <a:spLocks noGrp="1"/>
+          </p:cNvSpPr>
+          <p:nvPr>
+            <p:ph type="sldNum" sz="quarter" idx="5"/>
+          </p:nvPr>
+        </p:nvSpPr>
+        <p:spPr/>
+        <p:txBody>
+          <a:bodyPr/>
+          <a:lstStyle/>
+          <a:p>
+            <a:fld id="{F2F5F6C2-7A22-4DA5-93D3-7A86D76B8069}" type="slidenum">
+              <a:rPr lang="zh-TW" altLang="en-US" smtClean="0"/>
+              <a:t>9</a:t>
+            </a:fld>
+            <a:endParaRPr lang="zh-TW" altLang="en-US"/>
+          </a:p>
+        </p:txBody>
+      </p:sp>
+    </p:spTree>
+    <p:extLst>
+      <p:ext uri="{BB962C8B-B14F-4D97-AF65-F5344CB8AC3E}">
+        <p14:creationId xmlns:p14="http://schemas.microsoft.com/office/powerpoint/2010/main" val="1420789647"/>
+      </p:ext>
+    </p:extLst>
+  </p:cSld>
+  <p:clrMapOvr>
+    <a:masterClrMapping/>
+  </p:clrMapOvr>
+</p:notes>
+</file>
+
+<file path=ppt/notesSlides/notesSlide9.xml><?xml version="1.0" encoding="utf-8"?>
+<p:notes xmlns:a="http://schemas.openxmlformats.org/drawingml/2006/main" xmlns:r="http://schemas.openxmlformats.org/officeDocument/2006/relationships" xmlns:p="http://schemas.openxmlformats.org/presentationml/2006/main">
+  <p:cSld>
+    <p:spTree>
+      <p:nvGrpSpPr>
+        <p:cNvPr id="1" name=""/>
+        <p:cNvGrpSpPr/>
+        <p:nvPr/>
+      </p:nvGrpSpPr>
+      <p:grpSpPr>
+        <a:xfrm>
+          <a:off x="0" y="0"/>
+          <a:ext cx="0" cy="0"/>
+          <a:chOff x="0" y="0"/>
+          <a:chExt cx="0" cy="0"/>
+        </a:xfrm>
+      </p:grpSpPr>
+      <p:sp>
+        <p:nvSpPr>
+          <p:cNvPr id="2" name="投影片影像版面配置區 1"/>
+          <p:cNvSpPr>
+            <a:spLocks noGrp="1" noRot="1" noChangeAspect="1"/>
+          </p:cNvSpPr>
+          <p:nvPr>
+            <p:ph type="sldImg"/>
+          </p:nvPr>
+        </p:nvSpPr>
+        <p:spPr/>
+      </p:sp>
+      <p:sp>
+        <p:nvSpPr>
+          <p:cNvPr id="3" name="備忘稿版面配置區 2"/>
+          <p:cNvSpPr>
+            <a:spLocks noGrp="1"/>
+          </p:cNvSpPr>
+          <p:nvPr>
+            <p:ph type="body" idx="1"/>
+          </p:nvPr>
+        </p:nvSpPr>
+        <p:spPr/>
+        <p:txBody>
+          <a:bodyPr/>
+          <a:lstStyle/>
+          <a:p>
+            <a:r>
+              <a:rPr lang="en-US" altLang="zh-TW" sz="1800" b="0" i="0" u="none" strike="noStrike" dirty="0">
+                <a:solidFill>
+                  <a:srgbClr val="000000"/>
+                </a:solidFill>
+                <a:effectLst/>
+                <a:latin typeface="Arial" panose="020B0604020202020204" pitchFamily="34" charset="0"/>
+              </a:rPr>
+              <a:t>a Japanese anime-style girl with cats ears, having two-toned hair (left side blue-green, right side white),and looking at a taller man who has lion's ears</a:t>
+            </a:r>
+            <a:endParaRPr lang="zh-TW" altLang="en-US" dirty="0"/>
+          </a:p>
+        </p:txBody>
+      </p:sp>
+      <p:sp>
+        <p:nvSpPr>
+          <p:cNvPr id="4" name="投影片編號版面配置區 3"/>
+          <p:cNvSpPr>
+            <a:spLocks noGrp="1"/>
+          </p:cNvSpPr>
+          <p:nvPr>
+            <p:ph type="sldNum" sz="quarter" idx="5"/>
+          </p:nvPr>
+        </p:nvSpPr>
+        <p:spPr/>
+        <p:txBody>
+          <a:bodyPr/>
+          <a:lstStyle/>
+          <a:p>
+            <a:fld id="{F2F5F6C2-7A22-4DA5-93D3-7A86D76B8069}" type="slidenum">
+              <a:rPr lang="zh-TW" altLang="en-US" smtClean="0"/>
+              <a:t>10</a:t>
+            </a:fld>
+            <a:endParaRPr lang="zh-TW" altLang="en-US"/>
+          </a:p>
+        </p:txBody>
+      </p:sp>
+    </p:spTree>
+    <p:extLst>
+      <p:ext uri="{BB962C8B-B14F-4D97-AF65-F5344CB8AC3E}">
+        <p14:creationId xmlns:p14="http://schemas.microsoft.com/office/powerpoint/2010/main" val="779315387"/>
+      </p:ext>
+    </p:extLst>
+  </p:cSld>
+  <p:clrMapOvr>
+    <a:masterClrMapping/>
+  </p:clrMapOvr>
+</p:notes>
 </file>
 
 <file path=ppt/slideLayouts/slideLayout1.xml><?xml version="1.0" encoding="utf-8"?>
@@ -129,7 +2053,7 @@
           <p:cNvPr id="2" name="標題 1">
             <a:extLst>
               <a:ext uri="{FF2B5EF4-FFF2-40B4-BE49-F238E27FC236}">
-                <a16:creationId xmlns:a16="http://schemas.microsoft.com/office/drawing/2014/main" id="{EB5CC918-B447-434E-B98E-5847BB49C259}"/>
+                <a16:creationId xmlns:a16="http://schemas.microsoft.com/office/drawing/2014/main" id="{84450F6F-1F64-3AFD-926D-49707404862E}"/>
               </a:ext>
             </a:extLst>
           </p:cNvPr>
@@ -166,7 +2090,7 @@
           <p:cNvPr id="3" name="副標題 2">
             <a:extLst>
               <a:ext uri="{FF2B5EF4-FFF2-40B4-BE49-F238E27FC236}">
-                <a16:creationId xmlns:a16="http://schemas.microsoft.com/office/drawing/2014/main" id="{817FCC70-CC4E-4CB6-B2CF-9FDA5AC4D346}"/>
+                <a16:creationId xmlns:a16="http://schemas.microsoft.com/office/drawing/2014/main" id="{9287AA11-7F2D-0F1F-9A6E-847763411C23}"/>
               </a:ext>
             </a:extLst>
           </p:cNvPr>
@@ -236,7 +2160,7 @@
           <p:cNvPr id="4" name="日期版面配置區 3">
             <a:extLst>
               <a:ext uri="{FF2B5EF4-FFF2-40B4-BE49-F238E27FC236}">
-                <a16:creationId xmlns:a16="http://schemas.microsoft.com/office/drawing/2014/main" id="{BD08F018-0004-4322-AD0F-E6E740964233}"/>
+                <a16:creationId xmlns:a16="http://schemas.microsoft.com/office/drawing/2014/main" id="{9283BA25-A23B-8039-5805-2F0A43AE7558}"/>
               </a:ext>
             </a:extLst>
           </p:cNvPr>
@@ -252,9 +2176,9 @@
           <a:bodyPr/>
           <a:lstStyle/>
           <a:p>
-            <a:fld id="{C3C90D7E-32D6-4894-AE08-7BBB3E610FC9}" type="datetimeFigureOut">
+            <a:fld id="{A57D238E-38C9-4C75-83E1-B7A73ED0BDBD}" type="datetimeFigureOut">
               <a:rPr lang="zh-TW" altLang="en-US" smtClean="0"/>
-              <a:t>2024/9/16</a:t>
+              <a:t>2024/12/30</a:t>
             </a:fld>
             <a:endParaRPr lang="zh-TW" altLang="en-US"/>
           </a:p>
@@ -265,7 +2189,7 @@
           <p:cNvPr id="5" name="頁尾版面配置區 4">
             <a:extLst>
               <a:ext uri="{FF2B5EF4-FFF2-40B4-BE49-F238E27FC236}">
-                <a16:creationId xmlns:a16="http://schemas.microsoft.com/office/drawing/2014/main" id="{30427B34-CB13-41C7-B2F2-CED9BDC5B595}"/>
+                <a16:creationId xmlns:a16="http://schemas.microsoft.com/office/drawing/2014/main" id="{796F4FD9-1475-8BAC-4301-950094D65B43}"/>
               </a:ext>
             </a:extLst>
           </p:cNvPr>
@@ -290,7 +2214,7 @@
           <p:cNvPr id="6" name="投影片編號版面配置區 5">
             <a:extLst>
               <a:ext uri="{FF2B5EF4-FFF2-40B4-BE49-F238E27FC236}">
-                <a16:creationId xmlns:a16="http://schemas.microsoft.com/office/drawing/2014/main" id="{76FA962E-5B03-439A-928C-87366876542D}"/>
+                <a16:creationId xmlns:a16="http://schemas.microsoft.com/office/drawing/2014/main" id="{0CFB9C3D-C4C8-640E-0035-95FF0A5CB364}"/>
               </a:ext>
             </a:extLst>
           </p:cNvPr>
@@ -306,7 +2230,7 @@
           <a:bodyPr/>
           <a:lstStyle/>
           <a:p>
-            <a:fld id="{E31EC408-072F-4346-BD0A-D6AA5788A305}" type="slidenum">
+            <a:fld id="{ED6B167E-4366-4512-83A0-0203B48FB65D}" type="slidenum">
               <a:rPr lang="zh-TW" altLang="en-US" smtClean="0"/>
               <a:t>‹#›</a:t>
             </a:fld>
@@ -317,7 +2241,7 @@
     </p:spTree>
     <p:extLst>
       <p:ext uri="{BB962C8B-B14F-4D97-AF65-F5344CB8AC3E}">
-        <p14:creationId xmlns:p14="http://schemas.microsoft.com/office/powerpoint/2010/main" val="2963035110"/>
+        <p14:creationId xmlns:p14="http://schemas.microsoft.com/office/powerpoint/2010/main" val="1803342055"/>
       </p:ext>
     </p:extLst>
   </p:cSld>
@@ -349,7 +2273,7 @@
           <p:cNvPr id="2" name="標題 1">
             <a:extLst>
               <a:ext uri="{FF2B5EF4-FFF2-40B4-BE49-F238E27FC236}">
-                <a16:creationId xmlns:a16="http://schemas.microsoft.com/office/drawing/2014/main" id="{A02F0018-7F8E-4206-A929-07CDC6B5F34A}"/>
+                <a16:creationId xmlns:a16="http://schemas.microsoft.com/office/drawing/2014/main" id="{8769A462-3DBA-8E0D-8139-6FFB0744ABA8}"/>
               </a:ext>
             </a:extLst>
           </p:cNvPr>
@@ -377,7 +2301,7 @@
           <p:cNvPr id="3" name="直排文字版面配置區 2">
             <a:extLst>
               <a:ext uri="{FF2B5EF4-FFF2-40B4-BE49-F238E27FC236}">
-                <a16:creationId xmlns:a16="http://schemas.microsoft.com/office/drawing/2014/main" id="{9B801E88-34C3-4545-A358-81F5614FED64}"/>
+                <a16:creationId xmlns:a16="http://schemas.microsoft.com/office/drawing/2014/main" id="{BD13C170-9416-E88B-6BEB-C1BF2088EEF9}"/>
               </a:ext>
             </a:extLst>
           </p:cNvPr>
@@ -434,7 +2358,7 @@
           <p:cNvPr id="4" name="日期版面配置區 3">
             <a:extLst>
               <a:ext uri="{FF2B5EF4-FFF2-40B4-BE49-F238E27FC236}">
-                <a16:creationId xmlns:a16="http://schemas.microsoft.com/office/drawing/2014/main" id="{60AFD716-8B99-4230-B55F-C8B88ECBB171}"/>
+                <a16:creationId xmlns:a16="http://schemas.microsoft.com/office/drawing/2014/main" id="{D956827D-8BCD-BE3D-46D8-9A93FAC4A678}"/>
               </a:ext>
             </a:extLst>
           </p:cNvPr>
@@ -450,9 +2374,9 @@
           <a:bodyPr/>
           <a:lstStyle/>
           <a:p>
-            <a:fld id="{C3C90D7E-32D6-4894-AE08-7BBB3E610FC9}" type="datetimeFigureOut">
+            <a:fld id="{A57D238E-38C9-4C75-83E1-B7A73ED0BDBD}" type="datetimeFigureOut">
               <a:rPr lang="zh-TW" altLang="en-US" smtClean="0"/>
-              <a:t>2024/9/16</a:t>
+              <a:t>2024/12/30</a:t>
             </a:fld>
             <a:endParaRPr lang="zh-TW" altLang="en-US"/>
           </a:p>
@@ -463,7 +2387,7 @@
           <p:cNvPr id="5" name="頁尾版面配置區 4">
             <a:extLst>
               <a:ext uri="{FF2B5EF4-FFF2-40B4-BE49-F238E27FC236}">
-                <a16:creationId xmlns:a16="http://schemas.microsoft.com/office/drawing/2014/main" id="{EA374743-76D9-4BF8-A60C-2F50B2636A8A}"/>
+                <a16:creationId xmlns:a16="http://schemas.microsoft.com/office/drawing/2014/main" id="{BCB9BB63-FBFE-5606-9365-98021D9F1F49}"/>
               </a:ext>
             </a:extLst>
           </p:cNvPr>
@@ -488,7 +2412,7 @@
           <p:cNvPr id="6" name="投影片編號版面配置區 5">
             <a:extLst>
               <a:ext uri="{FF2B5EF4-FFF2-40B4-BE49-F238E27FC236}">
-                <a16:creationId xmlns:a16="http://schemas.microsoft.com/office/drawing/2014/main" id="{00454594-6C11-4013-A666-A151E960EC9B}"/>
+                <a16:creationId xmlns:a16="http://schemas.microsoft.com/office/drawing/2014/main" id="{8AC19318-CF06-FE75-4C53-39590D185E07}"/>
               </a:ext>
             </a:extLst>
           </p:cNvPr>
@@ -504,7 +2428,7 @@
           <a:bodyPr/>
           <a:lstStyle/>
           <a:p>
-            <a:fld id="{E31EC408-072F-4346-BD0A-D6AA5788A305}" type="slidenum">
+            <a:fld id="{ED6B167E-4366-4512-83A0-0203B48FB65D}" type="slidenum">
               <a:rPr lang="zh-TW" altLang="en-US" smtClean="0"/>
               <a:t>‹#›</a:t>
             </a:fld>
@@ -515,7 +2439,7 @@
     </p:spTree>
     <p:extLst>
       <p:ext uri="{BB962C8B-B14F-4D97-AF65-F5344CB8AC3E}">
-        <p14:creationId xmlns:p14="http://schemas.microsoft.com/office/powerpoint/2010/main" val="188953001"/>
+        <p14:creationId xmlns:p14="http://schemas.microsoft.com/office/powerpoint/2010/main" val="1232192265"/>
       </p:ext>
     </p:extLst>
   </p:cSld>
@@ -547,7 +2471,7 @@
           <p:cNvPr id="2" name="直排標題 1">
             <a:extLst>
               <a:ext uri="{FF2B5EF4-FFF2-40B4-BE49-F238E27FC236}">
-                <a16:creationId xmlns:a16="http://schemas.microsoft.com/office/drawing/2014/main" id="{70F760AC-E708-4605-85E2-7D0F424B3E29}"/>
+                <a16:creationId xmlns:a16="http://schemas.microsoft.com/office/drawing/2014/main" id="{9DA63F43-F6A8-31E8-97B3-37469072098A}"/>
               </a:ext>
             </a:extLst>
           </p:cNvPr>
@@ -580,7 +2504,7 @@
           <p:cNvPr id="3" name="直排文字版面配置區 2">
             <a:extLst>
               <a:ext uri="{FF2B5EF4-FFF2-40B4-BE49-F238E27FC236}">
-                <a16:creationId xmlns:a16="http://schemas.microsoft.com/office/drawing/2014/main" id="{84BECF48-F3B6-4D47-82A8-C6AE92EDC2F0}"/>
+                <a16:creationId xmlns:a16="http://schemas.microsoft.com/office/drawing/2014/main" id="{5B69D08F-9FB3-7561-1545-E0C4950BBD8D}"/>
               </a:ext>
             </a:extLst>
           </p:cNvPr>
@@ -642,7 +2566,7 @@
           <p:cNvPr id="4" name="日期版面配置區 3">
             <a:extLst>
               <a:ext uri="{FF2B5EF4-FFF2-40B4-BE49-F238E27FC236}">
-                <a16:creationId xmlns:a16="http://schemas.microsoft.com/office/drawing/2014/main" id="{215DE52A-093E-4116-A2FE-F61BA999B89F}"/>
+                <a16:creationId xmlns:a16="http://schemas.microsoft.com/office/drawing/2014/main" id="{FB38998C-D28D-D411-1CEF-C9EA4A7AD8C9}"/>
               </a:ext>
             </a:extLst>
           </p:cNvPr>
@@ -658,9 +2582,9 @@
           <a:bodyPr/>
           <a:lstStyle/>
           <a:p>
-            <a:fld id="{C3C90D7E-32D6-4894-AE08-7BBB3E610FC9}" type="datetimeFigureOut">
+            <a:fld id="{A57D238E-38C9-4C75-83E1-B7A73ED0BDBD}" type="datetimeFigureOut">
               <a:rPr lang="zh-TW" altLang="en-US" smtClean="0"/>
-              <a:t>2024/9/16</a:t>
+              <a:t>2024/12/30</a:t>
             </a:fld>
             <a:endParaRPr lang="zh-TW" altLang="en-US"/>
           </a:p>
@@ -671,7 +2595,7 @@
           <p:cNvPr id="5" name="頁尾版面配置區 4">
             <a:extLst>
               <a:ext uri="{FF2B5EF4-FFF2-40B4-BE49-F238E27FC236}">
-                <a16:creationId xmlns:a16="http://schemas.microsoft.com/office/drawing/2014/main" id="{34553FE1-A5D9-4070-AA9C-378F491D4677}"/>
+                <a16:creationId xmlns:a16="http://schemas.microsoft.com/office/drawing/2014/main" id="{12101ABB-EE5E-35E2-433B-63B12CCAEC53}"/>
               </a:ext>
             </a:extLst>
           </p:cNvPr>
@@ -696,7 +2620,7 @@
           <p:cNvPr id="6" name="投影片編號版面配置區 5">
             <a:extLst>
               <a:ext uri="{FF2B5EF4-FFF2-40B4-BE49-F238E27FC236}">
-                <a16:creationId xmlns:a16="http://schemas.microsoft.com/office/drawing/2014/main" id="{928EFDDC-5B11-4543-8144-518625EDA57F}"/>
+                <a16:creationId xmlns:a16="http://schemas.microsoft.com/office/drawing/2014/main" id="{DB18E13C-1B10-98D3-14D2-541D33728C45}"/>
               </a:ext>
             </a:extLst>
           </p:cNvPr>
@@ -712,7 +2636,7 @@
           <a:bodyPr/>
           <a:lstStyle/>
           <a:p>
-            <a:fld id="{E31EC408-072F-4346-BD0A-D6AA5788A305}" type="slidenum">
+            <a:fld id="{ED6B167E-4366-4512-83A0-0203B48FB65D}" type="slidenum">
               <a:rPr lang="zh-TW" altLang="en-US" smtClean="0"/>
               <a:t>‹#›</a:t>
             </a:fld>
@@ -723,7 +2647,7 @@
     </p:spTree>
     <p:extLst>
       <p:ext uri="{BB962C8B-B14F-4D97-AF65-F5344CB8AC3E}">
-        <p14:creationId xmlns:p14="http://schemas.microsoft.com/office/powerpoint/2010/main" val="2483123943"/>
+        <p14:creationId xmlns:p14="http://schemas.microsoft.com/office/powerpoint/2010/main" val="2408747017"/>
       </p:ext>
     </p:extLst>
   </p:cSld>
@@ -755,7 +2679,7 @@
           <p:cNvPr id="2" name="標題 1">
             <a:extLst>
               <a:ext uri="{FF2B5EF4-FFF2-40B4-BE49-F238E27FC236}">
-                <a16:creationId xmlns:a16="http://schemas.microsoft.com/office/drawing/2014/main" id="{A1BFCF4C-FB58-444C-B754-A594851E4C7B}"/>
+                <a16:creationId xmlns:a16="http://schemas.microsoft.com/office/drawing/2014/main" id="{B2D5A950-763D-2C1F-370F-0AD5E7B351A0}"/>
               </a:ext>
             </a:extLst>
           </p:cNvPr>
@@ -783,7 +2707,7 @@
           <p:cNvPr id="3" name="內容版面配置區 2">
             <a:extLst>
               <a:ext uri="{FF2B5EF4-FFF2-40B4-BE49-F238E27FC236}">
-                <a16:creationId xmlns:a16="http://schemas.microsoft.com/office/drawing/2014/main" id="{987C475D-648F-4511-A6FE-04B04F755F93}"/>
+                <a16:creationId xmlns:a16="http://schemas.microsoft.com/office/drawing/2014/main" id="{03FF45C1-7DB7-682E-3BAE-5C4B6B578C68}"/>
               </a:ext>
             </a:extLst>
           </p:cNvPr>
@@ -840,7 +2764,7 @@
           <p:cNvPr id="4" name="日期版面配置區 3">
             <a:extLst>
               <a:ext uri="{FF2B5EF4-FFF2-40B4-BE49-F238E27FC236}">
-                <a16:creationId xmlns:a16="http://schemas.microsoft.com/office/drawing/2014/main" id="{F511FCF8-D8F7-4914-920F-D63F2D97F713}"/>
+                <a16:creationId xmlns:a16="http://schemas.microsoft.com/office/drawing/2014/main" id="{BEF04D69-C843-C11B-FB66-C10353BFDDE9}"/>
               </a:ext>
             </a:extLst>
           </p:cNvPr>
@@ -856,9 +2780,9 @@
           <a:bodyPr/>
           <a:lstStyle/>
           <a:p>
-            <a:fld id="{C3C90D7E-32D6-4894-AE08-7BBB3E610FC9}" type="datetimeFigureOut">
+            <a:fld id="{A57D238E-38C9-4C75-83E1-B7A73ED0BDBD}" type="datetimeFigureOut">
               <a:rPr lang="zh-TW" altLang="en-US" smtClean="0"/>
-              <a:t>2024/9/16</a:t>
+              <a:t>2024/12/30</a:t>
             </a:fld>
             <a:endParaRPr lang="zh-TW" altLang="en-US"/>
           </a:p>
@@ -869,7 +2793,7 @@
           <p:cNvPr id="5" name="頁尾版面配置區 4">
             <a:extLst>
               <a:ext uri="{FF2B5EF4-FFF2-40B4-BE49-F238E27FC236}">
-                <a16:creationId xmlns:a16="http://schemas.microsoft.com/office/drawing/2014/main" id="{7E1D3E8F-338D-4B4D-B411-5282866FF95D}"/>
+                <a16:creationId xmlns:a16="http://schemas.microsoft.com/office/drawing/2014/main" id="{551FF2AC-4D4F-CB6D-991D-C20A30362E1B}"/>
               </a:ext>
             </a:extLst>
           </p:cNvPr>
@@ -894,7 +2818,7 @@
           <p:cNvPr id="6" name="投影片編號版面配置區 5">
             <a:extLst>
               <a:ext uri="{FF2B5EF4-FFF2-40B4-BE49-F238E27FC236}">
-                <a16:creationId xmlns:a16="http://schemas.microsoft.com/office/drawing/2014/main" id="{F7DF3AD5-06B6-42D8-AEDF-66CCE6582524}"/>
+                <a16:creationId xmlns:a16="http://schemas.microsoft.com/office/drawing/2014/main" id="{39D9269B-5970-AD55-C558-3A542820559C}"/>
               </a:ext>
             </a:extLst>
           </p:cNvPr>
@@ -910,7 +2834,7 @@
           <a:bodyPr/>
           <a:lstStyle/>
           <a:p>
-            <a:fld id="{E31EC408-072F-4346-BD0A-D6AA5788A305}" type="slidenum">
+            <a:fld id="{ED6B167E-4366-4512-83A0-0203B48FB65D}" type="slidenum">
               <a:rPr lang="zh-TW" altLang="en-US" smtClean="0"/>
               <a:t>‹#›</a:t>
             </a:fld>
@@ -921,7 +2845,7 @@
     </p:spTree>
     <p:extLst>
       <p:ext uri="{BB962C8B-B14F-4D97-AF65-F5344CB8AC3E}">
-        <p14:creationId xmlns:p14="http://schemas.microsoft.com/office/powerpoint/2010/main" val="4198509733"/>
+        <p14:creationId xmlns:p14="http://schemas.microsoft.com/office/powerpoint/2010/main" val="1840875095"/>
       </p:ext>
     </p:extLst>
   </p:cSld>
@@ -953,7 +2877,7 @@
           <p:cNvPr id="2" name="標題 1">
             <a:extLst>
               <a:ext uri="{FF2B5EF4-FFF2-40B4-BE49-F238E27FC236}">
-                <a16:creationId xmlns:a16="http://schemas.microsoft.com/office/drawing/2014/main" id="{5986B870-2B24-4658-9AEB-3C92E8E40B41}"/>
+                <a16:creationId xmlns:a16="http://schemas.microsoft.com/office/drawing/2014/main" id="{717EF84C-F663-7B4E-2E24-9B124BA947B9}"/>
               </a:ext>
             </a:extLst>
           </p:cNvPr>
@@ -990,7 +2914,7 @@
           <p:cNvPr id="3" name="文字版面配置區 2">
             <a:extLst>
               <a:ext uri="{FF2B5EF4-FFF2-40B4-BE49-F238E27FC236}">
-                <a16:creationId xmlns:a16="http://schemas.microsoft.com/office/drawing/2014/main" id="{90235018-E757-4630-8511-F466B919268F}"/>
+                <a16:creationId xmlns:a16="http://schemas.microsoft.com/office/drawing/2014/main" id="{694CA026-57F6-3D2C-132B-50C5A3D82A02}"/>
               </a:ext>
             </a:extLst>
           </p:cNvPr>
@@ -1015,7 +2939,7 @@
               <a:defRPr sz="2400">
                 <a:solidFill>
                   <a:schemeClr val="tx1">
-                    <a:tint val="75000"/>
+                    <a:tint val="82000"/>
                   </a:schemeClr>
                 </a:solidFill>
               </a:defRPr>
@@ -1025,7 +2949,7 @@
               <a:defRPr sz="2000">
                 <a:solidFill>
                   <a:schemeClr val="tx1">
-                    <a:tint val="75000"/>
+                    <a:tint val="82000"/>
                   </a:schemeClr>
                 </a:solidFill>
               </a:defRPr>
@@ -1035,7 +2959,7 @@
               <a:defRPr sz="1800">
                 <a:solidFill>
                   <a:schemeClr val="tx1">
-                    <a:tint val="75000"/>
+                    <a:tint val="82000"/>
                   </a:schemeClr>
                 </a:solidFill>
               </a:defRPr>
@@ -1045,7 +2969,7 @@
               <a:defRPr sz="1600">
                 <a:solidFill>
                   <a:schemeClr val="tx1">
-                    <a:tint val="75000"/>
+                    <a:tint val="82000"/>
                   </a:schemeClr>
                 </a:solidFill>
               </a:defRPr>
@@ -1055,7 +2979,7 @@
               <a:defRPr sz="1600">
                 <a:solidFill>
                   <a:schemeClr val="tx1">
-                    <a:tint val="75000"/>
+                    <a:tint val="82000"/>
                   </a:schemeClr>
                 </a:solidFill>
               </a:defRPr>
@@ -1065,7 +2989,7 @@
               <a:defRPr sz="1600">
                 <a:solidFill>
                   <a:schemeClr val="tx1">
-                    <a:tint val="75000"/>
+                    <a:tint val="82000"/>
                   </a:schemeClr>
                 </a:solidFill>
               </a:defRPr>
@@ -1075,7 +2999,7 @@
               <a:defRPr sz="1600">
                 <a:solidFill>
                   <a:schemeClr val="tx1">
-                    <a:tint val="75000"/>
+                    <a:tint val="82000"/>
                   </a:schemeClr>
                 </a:solidFill>
               </a:defRPr>
@@ -1085,7 +3009,7 @@
               <a:defRPr sz="1600">
                 <a:solidFill>
                   <a:schemeClr val="tx1">
-                    <a:tint val="75000"/>
+                    <a:tint val="82000"/>
                   </a:schemeClr>
                 </a:solidFill>
               </a:defRPr>
@@ -1095,7 +3019,7 @@
               <a:defRPr sz="1600">
                 <a:solidFill>
                   <a:schemeClr val="tx1">
-                    <a:tint val="75000"/>
+                    <a:tint val="82000"/>
                   </a:schemeClr>
                 </a:solidFill>
               </a:defRPr>
@@ -1115,7 +3039,7 @@
           <p:cNvPr id="4" name="日期版面配置區 3">
             <a:extLst>
               <a:ext uri="{FF2B5EF4-FFF2-40B4-BE49-F238E27FC236}">
-                <a16:creationId xmlns:a16="http://schemas.microsoft.com/office/drawing/2014/main" id="{37546C76-CF19-433D-9070-0A54A149F1B2}"/>
+                <a16:creationId xmlns:a16="http://schemas.microsoft.com/office/drawing/2014/main" id="{313F597F-D9C4-28EB-01BF-C6622DDDF683}"/>
               </a:ext>
             </a:extLst>
           </p:cNvPr>
@@ -1131,9 +3055,9 @@
           <a:bodyPr/>
           <a:lstStyle/>
           <a:p>
-            <a:fld id="{C3C90D7E-32D6-4894-AE08-7BBB3E610FC9}" type="datetimeFigureOut">
+            <a:fld id="{A57D238E-38C9-4C75-83E1-B7A73ED0BDBD}" type="datetimeFigureOut">
               <a:rPr lang="zh-TW" altLang="en-US" smtClean="0"/>
-              <a:t>2024/9/16</a:t>
+              <a:t>2024/12/30</a:t>
             </a:fld>
             <a:endParaRPr lang="zh-TW" altLang="en-US"/>
           </a:p>
@@ -1144,7 +3068,7 @@
           <p:cNvPr id="5" name="頁尾版面配置區 4">
             <a:extLst>
               <a:ext uri="{FF2B5EF4-FFF2-40B4-BE49-F238E27FC236}">
-                <a16:creationId xmlns:a16="http://schemas.microsoft.com/office/drawing/2014/main" id="{9C9DC25F-827C-4564-AD0E-7FD815D53AF7}"/>
+                <a16:creationId xmlns:a16="http://schemas.microsoft.com/office/drawing/2014/main" id="{FF8123A5-F2AA-4701-FB41-CFC4FB3C345F}"/>
               </a:ext>
             </a:extLst>
           </p:cNvPr>
@@ -1169,7 +3093,7 @@
           <p:cNvPr id="6" name="投影片編號版面配置區 5">
             <a:extLst>
               <a:ext uri="{FF2B5EF4-FFF2-40B4-BE49-F238E27FC236}">
-                <a16:creationId xmlns:a16="http://schemas.microsoft.com/office/drawing/2014/main" id="{8C0653A6-68AA-4213-8D62-EAF9243D6998}"/>
+                <a16:creationId xmlns:a16="http://schemas.microsoft.com/office/drawing/2014/main" id="{5FD08403-3576-1177-6192-A103C8ED535E}"/>
               </a:ext>
             </a:extLst>
           </p:cNvPr>
@@ -1185,7 +3109,7 @@
           <a:bodyPr/>
           <a:lstStyle/>
           <a:p>
-            <a:fld id="{E31EC408-072F-4346-BD0A-D6AA5788A305}" type="slidenum">
+            <a:fld id="{ED6B167E-4366-4512-83A0-0203B48FB65D}" type="slidenum">
               <a:rPr lang="zh-TW" altLang="en-US" smtClean="0"/>
               <a:t>‹#›</a:t>
             </a:fld>
@@ -1196,7 +3120,7 @@
     </p:spTree>
     <p:extLst>
       <p:ext uri="{BB962C8B-B14F-4D97-AF65-F5344CB8AC3E}">
-        <p14:creationId xmlns:p14="http://schemas.microsoft.com/office/powerpoint/2010/main" val="3126775509"/>
+        <p14:creationId xmlns:p14="http://schemas.microsoft.com/office/powerpoint/2010/main" val="1497256404"/>
       </p:ext>
     </p:extLst>
   </p:cSld>
@@ -1228,7 +3152,7 @@
           <p:cNvPr id="2" name="標題 1">
             <a:extLst>
               <a:ext uri="{FF2B5EF4-FFF2-40B4-BE49-F238E27FC236}">
-                <a16:creationId xmlns:a16="http://schemas.microsoft.com/office/drawing/2014/main" id="{F8A74D77-9E6E-4FD1-97AD-0ADC1228B6AF}"/>
+                <a16:creationId xmlns:a16="http://schemas.microsoft.com/office/drawing/2014/main" id="{CD880336-BAB3-4F4D-99E2-D82A1C71E0E2}"/>
               </a:ext>
             </a:extLst>
           </p:cNvPr>
@@ -1256,7 +3180,7 @@
           <p:cNvPr id="3" name="內容版面配置區 2">
             <a:extLst>
               <a:ext uri="{FF2B5EF4-FFF2-40B4-BE49-F238E27FC236}">
-                <a16:creationId xmlns:a16="http://schemas.microsoft.com/office/drawing/2014/main" id="{9FDE4E9B-689C-4373-B281-9636BE211982}"/>
+                <a16:creationId xmlns:a16="http://schemas.microsoft.com/office/drawing/2014/main" id="{4AC55658-C746-92A7-286F-963086B8A143}"/>
               </a:ext>
             </a:extLst>
           </p:cNvPr>
@@ -1318,7 +3242,7 @@
           <p:cNvPr id="4" name="內容版面配置區 3">
             <a:extLst>
               <a:ext uri="{FF2B5EF4-FFF2-40B4-BE49-F238E27FC236}">
-                <a16:creationId xmlns:a16="http://schemas.microsoft.com/office/drawing/2014/main" id="{CD25EC10-0BDA-4ECA-AB8E-059AC3378E22}"/>
+                <a16:creationId xmlns:a16="http://schemas.microsoft.com/office/drawing/2014/main" id="{6793C9F2-89BC-F3BF-053F-16BCCC34C13A}"/>
               </a:ext>
             </a:extLst>
           </p:cNvPr>
@@ -1380,7 +3304,7 @@
           <p:cNvPr id="5" name="日期版面配置區 4">
             <a:extLst>
               <a:ext uri="{FF2B5EF4-FFF2-40B4-BE49-F238E27FC236}">
-                <a16:creationId xmlns:a16="http://schemas.microsoft.com/office/drawing/2014/main" id="{63DAF127-0983-4C38-869C-C0A513FA9147}"/>
+                <a16:creationId xmlns:a16="http://schemas.microsoft.com/office/drawing/2014/main" id="{BE865234-A617-610E-41D3-211E194A0630}"/>
               </a:ext>
             </a:extLst>
           </p:cNvPr>
@@ -1396,9 +3320,9 @@
           <a:bodyPr/>
           <a:lstStyle/>
           <a:p>
-            <a:fld id="{C3C90D7E-32D6-4894-AE08-7BBB3E610FC9}" type="datetimeFigureOut">
+            <a:fld id="{A57D238E-38C9-4C75-83E1-B7A73ED0BDBD}" type="datetimeFigureOut">
               <a:rPr lang="zh-TW" altLang="en-US" smtClean="0"/>
-              <a:t>2024/9/16</a:t>
+              <a:t>2024/12/30</a:t>
             </a:fld>
             <a:endParaRPr lang="zh-TW" altLang="en-US"/>
           </a:p>
@@ -1409,7 +3333,7 @@
           <p:cNvPr id="6" name="頁尾版面配置區 5">
             <a:extLst>
               <a:ext uri="{FF2B5EF4-FFF2-40B4-BE49-F238E27FC236}">
-                <a16:creationId xmlns:a16="http://schemas.microsoft.com/office/drawing/2014/main" id="{E014CBA6-CCE3-4CF4-8E13-D895EDBD8F25}"/>
+                <a16:creationId xmlns:a16="http://schemas.microsoft.com/office/drawing/2014/main" id="{72858ECB-B2D5-62E0-02C5-C7E9F4F67339}"/>
               </a:ext>
             </a:extLst>
           </p:cNvPr>
@@ -1434,7 +3358,7 @@
           <p:cNvPr id="7" name="投影片編號版面配置區 6">
             <a:extLst>
               <a:ext uri="{FF2B5EF4-FFF2-40B4-BE49-F238E27FC236}">
-                <a16:creationId xmlns:a16="http://schemas.microsoft.com/office/drawing/2014/main" id="{5CEAA8E5-79B3-445E-B8C3-29BD56CE6D7A}"/>
+                <a16:creationId xmlns:a16="http://schemas.microsoft.com/office/drawing/2014/main" id="{6D69E254-B797-C807-641E-4316BCA7638E}"/>
               </a:ext>
             </a:extLst>
           </p:cNvPr>
@@ -1450,7 +3374,7 @@
           <a:bodyPr/>
           <a:lstStyle/>
           <a:p>
-            <a:fld id="{E31EC408-072F-4346-BD0A-D6AA5788A305}" type="slidenum">
+            <a:fld id="{ED6B167E-4366-4512-83A0-0203B48FB65D}" type="slidenum">
               <a:rPr lang="zh-TW" altLang="en-US" smtClean="0"/>
               <a:t>‹#›</a:t>
             </a:fld>
@@ -1461,7 +3385,7 @@
     </p:spTree>
     <p:extLst>
       <p:ext uri="{BB962C8B-B14F-4D97-AF65-F5344CB8AC3E}">
-        <p14:creationId xmlns:p14="http://schemas.microsoft.com/office/powerpoint/2010/main" val="3858213488"/>
+        <p14:creationId xmlns:p14="http://schemas.microsoft.com/office/powerpoint/2010/main" val="2538612377"/>
       </p:ext>
     </p:extLst>
   </p:cSld>
@@ -1493,7 +3417,7 @@
           <p:cNvPr id="2" name="標題 1">
             <a:extLst>
               <a:ext uri="{FF2B5EF4-FFF2-40B4-BE49-F238E27FC236}">
-                <a16:creationId xmlns:a16="http://schemas.microsoft.com/office/drawing/2014/main" id="{A00F76B6-8DEC-4A74-A06A-BA0146321CD8}"/>
+                <a16:creationId xmlns:a16="http://schemas.microsoft.com/office/drawing/2014/main" id="{79A75275-ADE6-86CC-D680-B7E8F22BDF57}"/>
               </a:ext>
             </a:extLst>
           </p:cNvPr>
@@ -1526,7 +3450,7 @@
           <p:cNvPr id="3" name="文字版面配置區 2">
             <a:extLst>
               <a:ext uri="{FF2B5EF4-FFF2-40B4-BE49-F238E27FC236}">
-                <a16:creationId xmlns:a16="http://schemas.microsoft.com/office/drawing/2014/main" id="{EF00F5C5-99A7-4F16-855A-F170362659F7}"/>
+                <a16:creationId xmlns:a16="http://schemas.microsoft.com/office/drawing/2014/main" id="{1D70BA4E-344F-5F01-3AB9-6D9C1ED0FF0E}"/>
               </a:ext>
             </a:extLst>
           </p:cNvPr>
@@ -1597,7 +3521,7 @@
           <p:cNvPr id="4" name="內容版面配置區 3">
             <a:extLst>
               <a:ext uri="{FF2B5EF4-FFF2-40B4-BE49-F238E27FC236}">
-                <a16:creationId xmlns:a16="http://schemas.microsoft.com/office/drawing/2014/main" id="{6722BEB2-C9B4-4C14-8234-D17E84349984}"/>
+                <a16:creationId xmlns:a16="http://schemas.microsoft.com/office/drawing/2014/main" id="{8A255B50-A5B4-94EA-5AE3-0ADEA4178DAF}"/>
               </a:ext>
             </a:extLst>
           </p:cNvPr>
@@ -1659,7 +3583,7 @@
           <p:cNvPr id="5" name="文字版面配置區 4">
             <a:extLst>
               <a:ext uri="{FF2B5EF4-FFF2-40B4-BE49-F238E27FC236}">
-                <a16:creationId xmlns:a16="http://schemas.microsoft.com/office/drawing/2014/main" id="{E4A41162-A0AC-4211-940F-4B92208F9B0E}"/>
+                <a16:creationId xmlns:a16="http://schemas.microsoft.com/office/drawing/2014/main" id="{571E6C40-C2B8-D538-5278-6B81B74003B9}"/>
               </a:ext>
             </a:extLst>
           </p:cNvPr>
@@ -1730,7 +3654,7 @@
           <p:cNvPr id="6" name="內容版面配置區 5">
             <a:extLst>
               <a:ext uri="{FF2B5EF4-FFF2-40B4-BE49-F238E27FC236}">
-                <a16:creationId xmlns:a16="http://schemas.microsoft.com/office/drawing/2014/main" id="{E8EA159A-F9D7-4F58-A7C3-6E5B65E42266}"/>
+                <a16:creationId xmlns:a16="http://schemas.microsoft.com/office/drawing/2014/main" id="{0614AF1A-3173-5092-3DA6-7ED2B9F8DB65}"/>
               </a:ext>
             </a:extLst>
           </p:cNvPr>
@@ -1792,7 +3716,7 @@
           <p:cNvPr id="7" name="日期版面配置區 6">
             <a:extLst>
               <a:ext uri="{FF2B5EF4-FFF2-40B4-BE49-F238E27FC236}">
-                <a16:creationId xmlns:a16="http://schemas.microsoft.com/office/drawing/2014/main" id="{AE973E80-9141-48B7-A9D7-605A4541768F}"/>
+                <a16:creationId xmlns:a16="http://schemas.microsoft.com/office/drawing/2014/main" id="{5BE8C68E-E17A-CCDC-E79D-D948D8F74660}"/>
               </a:ext>
             </a:extLst>
           </p:cNvPr>
@@ -1808,9 +3732,9 @@
           <a:bodyPr/>
           <a:lstStyle/>
           <a:p>
-            <a:fld id="{C3C90D7E-32D6-4894-AE08-7BBB3E610FC9}" type="datetimeFigureOut">
+            <a:fld id="{A57D238E-38C9-4C75-83E1-B7A73ED0BDBD}" type="datetimeFigureOut">
               <a:rPr lang="zh-TW" altLang="en-US" smtClean="0"/>
-              <a:t>2024/9/16</a:t>
+              <a:t>2024/12/30</a:t>
             </a:fld>
             <a:endParaRPr lang="zh-TW" altLang="en-US"/>
           </a:p>
@@ -1821,7 +3745,7 @@
           <p:cNvPr id="8" name="頁尾版面配置區 7">
             <a:extLst>
               <a:ext uri="{FF2B5EF4-FFF2-40B4-BE49-F238E27FC236}">
-                <a16:creationId xmlns:a16="http://schemas.microsoft.com/office/drawing/2014/main" id="{6520B07A-79F8-43E7-8013-632DD2AED223}"/>
+                <a16:creationId xmlns:a16="http://schemas.microsoft.com/office/drawing/2014/main" id="{5EA8B5A4-E35C-49C4-0D88-0C40BE644A2B}"/>
               </a:ext>
             </a:extLst>
           </p:cNvPr>
@@ -1846,7 +3770,7 @@
           <p:cNvPr id="9" name="投影片編號版面配置區 8">
             <a:extLst>
               <a:ext uri="{FF2B5EF4-FFF2-40B4-BE49-F238E27FC236}">
-                <a16:creationId xmlns:a16="http://schemas.microsoft.com/office/drawing/2014/main" id="{3B997D8F-4F1C-4DE6-A82C-3E0C38ACAE96}"/>
+                <a16:creationId xmlns:a16="http://schemas.microsoft.com/office/drawing/2014/main" id="{E6C15B20-3C5A-6764-FACA-71E878A00AFE}"/>
               </a:ext>
             </a:extLst>
           </p:cNvPr>
@@ -1862,7 +3786,7 @@
           <a:bodyPr/>
           <a:lstStyle/>
           <a:p>
-            <a:fld id="{E31EC408-072F-4346-BD0A-D6AA5788A305}" type="slidenum">
+            <a:fld id="{ED6B167E-4366-4512-83A0-0203B48FB65D}" type="slidenum">
               <a:rPr lang="zh-TW" altLang="en-US" smtClean="0"/>
               <a:t>‹#›</a:t>
             </a:fld>
@@ -1873,7 +3797,7 @@
     </p:spTree>
     <p:extLst>
       <p:ext uri="{BB962C8B-B14F-4D97-AF65-F5344CB8AC3E}">
-        <p14:creationId xmlns:p14="http://schemas.microsoft.com/office/powerpoint/2010/main" val="3379995638"/>
+        <p14:creationId xmlns:p14="http://schemas.microsoft.com/office/powerpoint/2010/main" val="1345303242"/>
       </p:ext>
     </p:extLst>
   </p:cSld>
@@ -1905,7 +3829,7 @@
           <p:cNvPr id="2" name="標題 1">
             <a:extLst>
               <a:ext uri="{FF2B5EF4-FFF2-40B4-BE49-F238E27FC236}">
-                <a16:creationId xmlns:a16="http://schemas.microsoft.com/office/drawing/2014/main" id="{6CE04611-FD10-429D-89AA-73C259B64293}"/>
+                <a16:creationId xmlns:a16="http://schemas.microsoft.com/office/drawing/2014/main" id="{7C33E732-5A8F-9B63-18A7-F19EFD708D71}"/>
               </a:ext>
             </a:extLst>
           </p:cNvPr>
@@ -1933,7 +3857,7 @@
           <p:cNvPr id="3" name="日期版面配置區 2">
             <a:extLst>
               <a:ext uri="{FF2B5EF4-FFF2-40B4-BE49-F238E27FC236}">
-                <a16:creationId xmlns:a16="http://schemas.microsoft.com/office/drawing/2014/main" id="{2D9009F3-A280-4DA8-ACC4-187DE2172BCA}"/>
+                <a16:creationId xmlns:a16="http://schemas.microsoft.com/office/drawing/2014/main" id="{0106A5FE-A4F0-D93A-BC45-47B36A28538B}"/>
               </a:ext>
             </a:extLst>
           </p:cNvPr>
@@ -1949,9 +3873,9 @@
           <a:bodyPr/>
           <a:lstStyle/>
           <a:p>
-            <a:fld id="{C3C90D7E-32D6-4894-AE08-7BBB3E610FC9}" type="datetimeFigureOut">
+            <a:fld id="{A57D238E-38C9-4C75-83E1-B7A73ED0BDBD}" type="datetimeFigureOut">
               <a:rPr lang="zh-TW" altLang="en-US" smtClean="0"/>
-              <a:t>2024/9/16</a:t>
+              <a:t>2024/12/30</a:t>
             </a:fld>
             <a:endParaRPr lang="zh-TW" altLang="en-US"/>
           </a:p>
@@ -1962,7 +3886,7 @@
           <p:cNvPr id="4" name="頁尾版面配置區 3">
             <a:extLst>
               <a:ext uri="{FF2B5EF4-FFF2-40B4-BE49-F238E27FC236}">
-                <a16:creationId xmlns:a16="http://schemas.microsoft.com/office/drawing/2014/main" id="{F8FD791E-F627-4DDB-AD69-F7639FDD1767}"/>
+                <a16:creationId xmlns:a16="http://schemas.microsoft.com/office/drawing/2014/main" id="{5B55F942-2A8C-C25B-E939-6E1570BD056F}"/>
               </a:ext>
             </a:extLst>
           </p:cNvPr>
@@ -1987,7 +3911,7 @@
           <p:cNvPr id="5" name="投影片編號版面配置區 4">
             <a:extLst>
               <a:ext uri="{FF2B5EF4-FFF2-40B4-BE49-F238E27FC236}">
-                <a16:creationId xmlns:a16="http://schemas.microsoft.com/office/drawing/2014/main" id="{CE9C3C73-9A1B-4A20-B40C-BF8E0726E9AE}"/>
+                <a16:creationId xmlns:a16="http://schemas.microsoft.com/office/drawing/2014/main" id="{1B291A78-CD2A-139B-4BA1-A9A809375CCB}"/>
               </a:ext>
             </a:extLst>
           </p:cNvPr>
@@ -2003,7 +3927,7 @@
           <a:bodyPr/>
           <a:lstStyle/>
           <a:p>
-            <a:fld id="{E31EC408-072F-4346-BD0A-D6AA5788A305}" type="slidenum">
+            <a:fld id="{ED6B167E-4366-4512-83A0-0203B48FB65D}" type="slidenum">
               <a:rPr lang="zh-TW" altLang="en-US" smtClean="0"/>
               <a:t>‹#›</a:t>
             </a:fld>
@@ -2014,7 +3938,7 @@
     </p:spTree>
     <p:extLst>
       <p:ext uri="{BB962C8B-B14F-4D97-AF65-F5344CB8AC3E}">
-        <p14:creationId xmlns:p14="http://schemas.microsoft.com/office/powerpoint/2010/main" val="3116621787"/>
+        <p14:creationId xmlns:p14="http://schemas.microsoft.com/office/powerpoint/2010/main" val="1627173144"/>
       </p:ext>
     </p:extLst>
   </p:cSld>
@@ -2046,7 +3970,7 @@
           <p:cNvPr id="2" name="日期版面配置區 1">
             <a:extLst>
               <a:ext uri="{FF2B5EF4-FFF2-40B4-BE49-F238E27FC236}">
-                <a16:creationId xmlns:a16="http://schemas.microsoft.com/office/drawing/2014/main" id="{1E1D8EED-F2A7-4221-9887-0DBB62EB3F80}"/>
+                <a16:creationId xmlns:a16="http://schemas.microsoft.com/office/drawing/2014/main" id="{DDA656A4-35CC-2C66-6969-DBC94DE2BFAE}"/>
               </a:ext>
             </a:extLst>
           </p:cNvPr>
@@ -2062,9 +3986,9 @@
           <a:bodyPr/>
           <a:lstStyle/>
           <a:p>
-            <a:fld id="{C3C90D7E-32D6-4894-AE08-7BBB3E610FC9}" type="datetimeFigureOut">
+            <a:fld id="{A57D238E-38C9-4C75-83E1-B7A73ED0BDBD}" type="datetimeFigureOut">
               <a:rPr lang="zh-TW" altLang="en-US" smtClean="0"/>
-              <a:t>2024/9/16</a:t>
+              <a:t>2024/12/30</a:t>
             </a:fld>
             <a:endParaRPr lang="zh-TW" altLang="en-US"/>
           </a:p>
@@ -2075,7 +3999,7 @@
           <p:cNvPr id="3" name="頁尾版面配置區 2">
             <a:extLst>
               <a:ext uri="{FF2B5EF4-FFF2-40B4-BE49-F238E27FC236}">
-                <a16:creationId xmlns:a16="http://schemas.microsoft.com/office/drawing/2014/main" id="{10593B39-DC86-45A7-85EF-B4DB9C28DC80}"/>
+                <a16:creationId xmlns:a16="http://schemas.microsoft.com/office/drawing/2014/main" id="{F8CDFA00-99B9-20E5-AC1D-716DAC332082}"/>
               </a:ext>
             </a:extLst>
           </p:cNvPr>
@@ -2100,7 +4024,7 @@
           <p:cNvPr id="4" name="投影片編號版面配置區 3">
             <a:extLst>
               <a:ext uri="{FF2B5EF4-FFF2-40B4-BE49-F238E27FC236}">
-                <a16:creationId xmlns:a16="http://schemas.microsoft.com/office/drawing/2014/main" id="{3D9056B2-6966-4CAF-94D1-2295A737E168}"/>
+                <a16:creationId xmlns:a16="http://schemas.microsoft.com/office/drawing/2014/main" id="{F31274C5-9D61-4D9C-BB4C-61C5587EA9D8}"/>
               </a:ext>
             </a:extLst>
           </p:cNvPr>
@@ -2116,7 +4040,7 @@
           <a:bodyPr/>
           <a:lstStyle/>
           <a:p>
-            <a:fld id="{E31EC408-072F-4346-BD0A-D6AA5788A305}" type="slidenum">
+            <a:fld id="{ED6B167E-4366-4512-83A0-0203B48FB65D}" type="slidenum">
               <a:rPr lang="zh-TW" altLang="en-US" smtClean="0"/>
               <a:t>‹#›</a:t>
             </a:fld>
@@ -2127,7 +4051,7 @@
     </p:spTree>
     <p:extLst>
       <p:ext uri="{BB962C8B-B14F-4D97-AF65-F5344CB8AC3E}">
-        <p14:creationId xmlns:p14="http://schemas.microsoft.com/office/powerpoint/2010/main" val="3887241942"/>
+        <p14:creationId xmlns:p14="http://schemas.microsoft.com/office/powerpoint/2010/main" val="1432279949"/>
       </p:ext>
     </p:extLst>
   </p:cSld>
@@ -2159,7 +4083,7 @@
           <p:cNvPr id="2" name="標題 1">
             <a:extLst>
               <a:ext uri="{FF2B5EF4-FFF2-40B4-BE49-F238E27FC236}">
-                <a16:creationId xmlns:a16="http://schemas.microsoft.com/office/drawing/2014/main" id="{5C3076DF-D16B-4600-9550-96C6A8DD7F1A}"/>
+                <a16:creationId xmlns:a16="http://schemas.microsoft.com/office/drawing/2014/main" id="{8C71BBDE-BB2D-9E6C-38F5-EA0234FD907B}"/>
               </a:ext>
             </a:extLst>
           </p:cNvPr>
@@ -2196,7 +4120,7 @@
           <p:cNvPr id="3" name="內容版面配置區 2">
             <a:extLst>
               <a:ext uri="{FF2B5EF4-FFF2-40B4-BE49-F238E27FC236}">
-                <a16:creationId xmlns:a16="http://schemas.microsoft.com/office/drawing/2014/main" id="{9CD3D667-FDE5-4F5D-9495-588EC18912CE}"/>
+                <a16:creationId xmlns:a16="http://schemas.microsoft.com/office/drawing/2014/main" id="{2E9E6D35-F4FE-0CAC-6DD7-52BF7D8D0DC2}"/>
               </a:ext>
             </a:extLst>
           </p:cNvPr>
@@ -2286,7 +4210,7 @@
           <p:cNvPr id="4" name="文字版面配置區 3">
             <a:extLst>
               <a:ext uri="{FF2B5EF4-FFF2-40B4-BE49-F238E27FC236}">
-                <a16:creationId xmlns:a16="http://schemas.microsoft.com/office/drawing/2014/main" id="{22F511E7-BEEF-4F51-BA0E-52C1908D5608}"/>
+                <a16:creationId xmlns:a16="http://schemas.microsoft.com/office/drawing/2014/main" id="{9B3DE5C8-E0E3-C488-3078-FB612EE27F84}"/>
               </a:ext>
             </a:extLst>
           </p:cNvPr>
@@ -2357,7 +4281,7 @@
           <p:cNvPr id="5" name="日期版面配置區 4">
             <a:extLst>
               <a:ext uri="{FF2B5EF4-FFF2-40B4-BE49-F238E27FC236}">
-                <a16:creationId xmlns:a16="http://schemas.microsoft.com/office/drawing/2014/main" id="{88060697-A92E-4178-A790-FCBB90D70573}"/>
+                <a16:creationId xmlns:a16="http://schemas.microsoft.com/office/drawing/2014/main" id="{76B514B6-8A7D-7803-3003-3A768E6320BD}"/>
               </a:ext>
             </a:extLst>
           </p:cNvPr>
@@ -2373,9 +4297,9 @@
           <a:bodyPr/>
           <a:lstStyle/>
           <a:p>
-            <a:fld id="{C3C90D7E-32D6-4894-AE08-7BBB3E610FC9}" type="datetimeFigureOut">
+            <a:fld id="{A57D238E-38C9-4C75-83E1-B7A73ED0BDBD}" type="datetimeFigureOut">
               <a:rPr lang="zh-TW" altLang="en-US" smtClean="0"/>
-              <a:t>2024/9/16</a:t>
+              <a:t>2024/12/30</a:t>
             </a:fld>
             <a:endParaRPr lang="zh-TW" altLang="en-US"/>
           </a:p>
@@ -2386,7 +4310,7 @@
           <p:cNvPr id="6" name="頁尾版面配置區 5">
             <a:extLst>
               <a:ext uri="{FF2B5EF4-FFF2-40B4-BE49-F238E27FC236}">
-                <a16:creationId xmlns:a16="http://schemas.microsoft.com/office/drawing/2014/main" id="{2A8E3F57-A99A-4C4C-BF14-EE42AB99CE78}"/>
+                <a16:creationId xmlns:a16="http://schemas.microsoft.com/office/drawing/2014/main" id="{05B5CB29-E844-8800-63A1-7BE6DEF6936E}"/>
               </a:ext>
             </a:extLst>
           </p:cNvPr>
@@ -2411,7 +4335,7 @@
           <p:cNvPr id="7" name="投影片編號版面配置區 6">
             <a:extLst>
               <a:ext uri="{FF2B5EF4-FFF2-40B4-BE49-F238E27FC236}">
-                <a16:creationId xmlns:a16="http://schemas.microsoft.com/office/drawing/2014/main" id="{39234440-6924-48D7-AC1A-200D5946BCA9}"/>
+                <a16:creationId xmlns:a16="http://schemas.microsoft.com/office/drawing/2014/main" id="{554FD10C-573D-933A-FB99-4F2E0066E445}"/>
               </a:ext>
             </a:extLst>
           </p:cNvPr>
@@ -2427,7 +4351,7 @@
           <a:bodyPr/>
           <a:lstStyle/>
           <a:p>
-            <a:fld id="{E31EC408-072F-4346-BD0A-D6AA5788A305}" type="slidenum">
+            <a:fld id="{ED6B167E-4366-4512-83A0-0203B48FB65D}" type="slidenum">
               <a:rPr lang="zh-TW" altLang="en-US" smtClean="0"/>
               <a:t>‹#›</a:t>
             </a:fld>
@@ -2438,7 +4362,7 @@
     </p:spTree>
     <p:extLst>
       <p:ext uri="{BB962C8B-B14F-4D97-AF65-F5344CB8AC3E}">
-        <p14:creationId xmlns:p14="http://schemas.microsoft.com/office/powerpoint/2010/main" val="2036183199"/>
+        <p14:creationId xmlns:p14="http://schemas.microsoft.com/office/powerpoint/2010/main" val="1974017876"/>
       </p:ext>
     </p:extLst>
   </p:cSld>
@@ -2470,7 +4394,7 @@
           <p:cNvPr id="2" name="標題 1">
             <a:extLst>
               <a:ext uri="{FF2B5EF4-FFF2-40B4-BE49-F238E27FC236}">
-                <a16:creationId xmlns:a16="http://schemas.microsoft.com/office/drawing/2014/main" id="{B2E81694-0B93-4D65-9DA3-21597478A96C}"/>
+                <a16:creationId xmlns:a16="http://schemas.microsoft.com/office/drawing/2014/main" id="{E4C7C8F0-2673-A69A-1293-BEB692F72250}"/>
               </a:ext>
             </a:extLst>
           </p:cNvPr>
@@ -2507,7 +4431,7 @@
           <p:cNvPr id="3" name="圖片版面配置區 2">
             <a:extLst>
               <a:ext uri="{FF2B5EF4-FFF2-40B4-BE49-F238E27FC236}">
-                <a16:creationId xmlns:a16="http://schemas.microsoft.com/office/drawing/2014/main" id="{23E4D718-8CB0-4334-BB8A-FB8B57D7CDC6}"/>
+                <a16:creationId xmlns:a16="http://schemas.microsoft.com/office/drawing/2014/main" id="{73C32C9B-801A-A4D3-A82B-CE40D20FEA93}"/>
               </a:ext>
             </a:extLst>
           </p:cNvPr>
@@ -2565,7 +4489,10 @@
             </a:lvl9pPr>
           </a:lstStyle>
           <a:p>
-            <a:endParaRPr lang="zh-TW" altLang="en-US"/>
+            <a:r>
+              <a:rPr lang="zh-TW" altLang="en-US"/>
+              <a:t>按一下圖示以新增圖片</a:t>
+            </a:r>
           </a:p>
         </p:txBody>
       </p:sp>
@@ -2574,7 +4501,7 @@
           <p:cNvPr id="4" name="文字版面配置區 3">
             <a:extLst>
               <a:ext uri="{FF2B5EF4-FFF2-40B4-BE49-F238E27FC236}">
-                <a16:creationId xmlns:a16="http://schemas.microsoft.com/office/drawing/2014/main" id="{0DC47463-53E7-4FE3-B60B-1657D11127BD}"/>
+                <a16:creationId xmlns:a16="http://schemas.microsoft.com/office/drawing/2014/main" id="{562F8788-C62D-FCEF-CEBD-4A0F7B63F403}"/>
               </a:ext>
             </a:extLst>
           </p:cNvPr>
@@ -2645,7 +4572,7 @@
           <p:cNvPr id="5" name="日期版面配置區 4">
             <a:extLst>
               <a:ext uri="{FF2B5EF4-FFF2-40B4-BE49-F238E27FC236}">
-                <a16:creationId xmlns:a16="http://schemas.microsoft.com/office/drawing/2014/main" id="{28875DC5-6AFF-40C0-8C77-F81A0A3E1B0F}"/>
+                <a16:creationId xmlns:a16="http://schemas.microsoft.com/office/drawing/2014/main" id="{036DA058-3972-840E-B83B-849A296D6A28}"/>
               </a:ext>
             </a:extLst>
           </p:cNvPr>
@@ -2661,9 +4588,9 @@
           <a:bodyPr/>
           <a:lstStyle/>
           <a:p>
-            <a:fld id="{C3C90D7E-32D6-4894-AE08-7BBB3E610FC9}" type="datetimeFigureOut">
+            <a:fld id="{A57D238E-38C9-4C75-83E1-B7A73ED0BDBD}" type="datetimeFigureOut">
               <a:rPr lang="zh-TW" altLang="en-US" smtClean="0"/>
-              <a:t>2024/9/16</a:t>
+              <a:t>2024/12/30</a:t>
             </a:fld>
             <a:endParaRPr lang="zh-TW" altLang="en-US"/>
           </a:p>
@@ -2674,7 +4601,7 @@
           <p:cNvPr id="6" name="頁尾版面配置區 5">
             <a:extLst>
               <a:ext uri="{FF2B5EF4-FFF2-40B4-BE49-F238E27FC236}">
-                <a16:creationId xmlns:a16="http://schemas.microsoft.com/office/drawing/2014/main" id="{24F8A973-6D07-4F0C-97A0-280FEFC238E0}"/>
+                <a16:creationId xmlns:a16="http://schemas.microsoft.com/office/drawing/2014/main" id="{92BC7DF9-A910-FEFB-DD2D-2C780FC862B8}"/>
               </a:ext>
             </a:extLst>
           </p:cNvPr>
@@ -2699,7 +4626,7 @@
           <p:cNvPr id="7" name="投影片編號版面配置區 6">
             <a:extLst>
               <a:ext uri="{FF2B5EF4-FFF2-40B4-BE49-F238E27FC236}">
-                <a16:creationId xmlns:a16="http://schemas.microsoft.com/office/drawing/2014/main" id="{DB60BB1E-F41B-40F0-929B-5208374980BF}"/>
+                <a16:creationId xmlns:a16="http://schemas.microsoft.com/office/drawing/2014/main" id="{2330685C-1002-7A87-C40A-F482AA0D596A}"/>
               </a:ext>
             </a:extLst>
           </p:cNvPr>
@@ -2715,7 +4642,7 @@
           <a:bodyPr/>
           <a:lstStyle/>
           <a:p>
-            <a:fld id="{E31EC408-072F-4346-BD0A-D6AA5788A305}" type="slidenum">
+            <a:fld id="{ED6B167E-4366-4512-83A0-0203B48FB65D}" type="slidenum">
               <a:rPr lang="zh-TW" altLang="en-US" smtClean="0"/>
               <a:t>‹#›</a:t>
             </a:fld>
@@ -2726,7 +4653,7 @@
     </p:spTree>
     <p:extLst>
       <p:ext uri="{BB962C8B-B14F-4D97-AF65-F5344CB8AC3E}">
-        <p14:creationId xmlns:p14="http://schemas.microsoft.com/office/powerpoint/2010/main" val="3148270851"/>
+        <p14:creationId xmlns:p14="http://schemas.microsoft.com/office/powerpoint/2010/main" val="1800594327"/>
       </p:ext>
     </p:extLst>
   </p:cSld>
@@ -2763,7 +4690,7 @@
           <p:cNvPr id="2" name="標題版面配置區 1">
             <a:extLst>
               <a:ext uri="{FF2B5EF4-FFF2-40B4-BE49-F238E27FC236}">
-                <a16:creationId xmlns:a16="http://schemas.microsoft.com/office/drawing/2014/main" id="{B8575AAC-624C-4B52-ABD4-699B1E35D2CF}"/>
+                <a16:creationId xmlns:a16="http://schemas.microsoft.com/office/drawing/2014/main" id="{BC1832E4-645E-D94B-3FD7-8B4DA699BA7A}"/>
               </a:ext>
             </a:extLst>
           </p:cNvPr>
@@ -2801,7 +4728,7 @@
           <p:cNvPr id="3" name="文字版面配置區 2">
             <a:extLst>
               <a:ext uri="{FF2B5EF4-FFF2-40B4-BE49-F238E27FC236}">
-                <a16:creationId xmlns:a16="http://schemas.microsoft.com/office/drawing/2014/main" id="{76722991-C57D-471F-8271-C419A1CFB074}"/>
+                <a16:creationId xmlns:a16="http://schemas.microsoft.com/office/drawing/2014/main" id="{9A989C3A-63B7-9CF9-1FB0-D13CC8079517}"/>
               </a:ext>
             </a:extLst>
           </p:cNvPr>
@@ -2868,7 +4795,7 @@
           <p:cNvPr id="4" name="日期版面配置區 3">
             <a:extLst>
               <a:ext uri="{FF2B5EF4-FFF2-40B4-BE49-F238E27FC236}">
-                <a16:creationId xmlns:a16="http://schemas.microsoft.com/office/drawing/2014/main" id="{85C839DD-8CBF-4E23-A0C7-7C039E950BB8}"/>
+                <a16:creationId xmlns:a16="http://schemas.microsoft.com/office/drawing/2014/main" id="{73EAD496-EA57-3516-F272-3B7F52E36DA6}"/>
               </a:ext>
             </a:extLst>
           </p:cNvPr>
@@ -2895,16 +4822,16 @@
               <a:defRPr sz="1200">
                 <a:solidFill>
                   <a:schemeClr val="tx1">
-                    <a:tint val="75000"/>
+                    <a:tint val="82000"/>
                   </a:schemeClr>
                 </a:solidFill>
               </a:defRPr>
             </a:lvl1pPr>
           </a:lstStyle>
           <a:p>
-            <a:fld id="{C3C90D7E-32D6-4894-AE08-7BBB3E610FC9}" type="datetimeFigureOut">
+            <a:fld id="{A57D238E-38C9-4C75-83E1-B7A73ED0BDBD}" type="datetimeFigureOut">
               <a:rPr lang="zh-TW" altLang="en-US" smtClean="0"/>
-              <a:t>2024/9/16</a:t>
+              <a:t>2024/12/30</a:t>
             </a:fld>
             <a:endParaRPr lang="zh-TW" altLang="en-US"/>
           </a:p>
@@ -2915,7 +4842,7 @@
           <p:cNvPr id="5" name="頁尾版面配置區 4">
             <a:extLst>
               <a:ext uri="{FF2B5EF4-FFF2-40B4-BE49-F238E27FC236}">
-                <a16:creationId xmlns:a16="http://schemas.microsoft.com/office/drawing/2014/main" id="{12802D8A-77D4-418C-8190-43B6ADED2131}"/>
+                <a16:creationId xmlns:a16="http://schemas.microsoft.com/office/drawing/2014/main" id="{51D3D96B-06AB-1430-445D-D112DFB578D2}"/>
               </a:ext>
             </a:extLst>
           </p:cNvPr>
@@ -2942,7 +4869,7 @@
               <a:defRPr sz="1200">
                 <a:solidFill>
                   <a:schemeClr val="tx1">
-                    <a:tint val="75000"/>
+                    <a:tint val="82000"/>
                   </a:schemeClr>
                 </a:solidFill>
               </a:defRPr>
@@ -2958,7 +4885,7 @@
           <p:cNvPr id="6" name="投影片編號版面配置區 5">
             <a:extLst>
               <a:ext uri="{FF2B5EF4-FFF2-40B4-BE49-F238E27FC236}">
-                <a16:creationId xmlns:a16="http://schemas.microsoft.com/office/drawing/2014/main" id="{7072B55E-2BE2-4AF4-AFF8-2A716F492F1C}"/>
+                <a16:creationId xmlns:a16="http://schemas.microsoft.com/office/drawing/2014/main" id="{C0BE8A05-0710-DA8F-C46E-D069F841DE42}"/>
               </a:ext>
             </a:extLst>
           </p:cNvPr>
@@ -2985,14 +4912,14 @@
               <a:defRPr sz="1200">
                 <a:solidFill>
                   <a:schemeClr val="tx1">
-                    <a:tint val="75000"/>
+                    <a:tint val="82000"/>
                   </a:schemeClr>
                 </a:solidFill>
               </a:defRPr>
             </a:lvl1pPr>
           </a:lstStyle>
           <a:p>
-            <a:fld id="{E31EC408-072F-4346-BD0A-D6AA5788A305}" type="slidenum">
+            <a:fld id="{ED6B167E-4366-4512-83A0-0203B48FB65D}" type="slidenum">
               <a:rPr lang="zh-TW" altLang="en-US" smtClean="0"/>
               <a:t>‹#›</a:t>
             </a:fld>
@@ -3003,7 +4930,7 @@
     </p:spTree>
     <p:extLst>
       <p:ext uri="{BB962C8B-B14F-4D97-AF65-F5344CB8AC3E}">
-        <p14:creationId xmlns:p14="http://schemas.microsoft.com/office/powerpoint/2010/main" val="2016052060"/>
+        <p14:creationId xmlns:p14="http://schemas.microsoft.com/office/powerpoint/2010/main" val="2687385246"/>
       </p:ext>
     </p:extLst>
   </p:cSld>
@@ -3309,7 +5236,13 @@
   <p:cSld>
     <p:spTree>
       <p:nvGrpSpPr>
-        <p:cNvPr id="1" name=""/>
+        <p:cNvPr id="1" name="">
+          <a:extLst>
+            <a:ext uri="{FF2B5EF4-FFF2-40B4-BE49-F238E27FC236}">
+              <a16:creationId xmlns:a16="http://schemas.microsoft.com/office/drawing/2014/main" id="{7BBA34E6-19B7-9561-631E-3BBE65520089}"/>
+            </a:ext>
+          </a:extLst>
+        </p:cNvPr>
         <p:cNvGrpSpPr/>
         <p:nvPr/>
       </p:nvGrpSpPr>
@@ -3326,7 +5259,7 @@
           <p:cNvPr id="2" name="標題 1">
             <a:extLst>
               <a:ext uri="{FF2B5EF4-FFF2-40B4-BE49-F238E27FC236}">
-                <a16:creationId xmlns:a16="http://schemas.microsoft.com/office/drawing/2014/main" id="{32532283-9F93-4E44-8138-32796965361F}"/>
+                <a16:creationId xmlns:a16="http://schemas.microsoft.com/office/drawing/2014/main" id="{5F027DB9-047C-FA61-8137-098B621DAF7F}"/>
               </a:ext>
             </a:extLst>
           </p:cNvPr>
@@ -3342,7 +5275,7 @@
           <a:bodyPr/>
           <a:lstStyle/>
           <a:p>
-            <a:endParaRPr lang="zh-TW" altLang="en-US"/>
+            <a:endParaRPr lang="zh-TW" altLang="en-US" dirty="0"/>
           </a:p>
         </p:txBody>
       </p:sp>
@@ -3351,7 +5284,7 @@
           <p:cNvPr id="3" name="副標題 2">
             <a:extLst>
               <a:ext uri="{FF2B5EF4-FFF2-40B4-BE49-F238E27FC236}">
-                <a16:creationId xmlns:a16="http://schemas.microsoft.com/office/drawing/2014/main" id="{8C946F38-524D-4B98-B9CB-80AEE57E455A}"/>
+                <a16:creationId xmlns:a16="http://schemas.microsoft.com/office/drawing/2014/main" id="{8C825B54-396B-34A6-FED0-BFE30124D219}"/>
               </a:ext>
             </a:extLst>
           </p:cNvPr>
@@ -3367,14 +5300,3678 @@
           <a:bodyPr/>
           <a:lstStyle/>
           <a:p>
-            <a:endParaRPr lang="zh-TW" altLang="en-US"/>
-          </a:p>
-        </p:txBody>
-      </p:sp>
+            <a:endParaRPr lang="zh-TW" altLang="en-US" dirty="0"/>
+          </a:p>
+        </p:txBody>
+      </p:sp>
+      <p:pic>
+        <p:nvPicPr>
+          <p:cNvPr id="5" name="圖片 4" descr="一張含有 室內, 室內設計, 牆, 枕頭 的圖片&#10;&#10;自動產生的描述">
+            <a:extLst>
+              <a:ext uri="{FF2B5EF4-FFF2-40B4-BE49-F238E27FC236}">
+                <a16:creationId xmlns:a16="http://schemas.microsoft.com/office/drawing/2014/main" id="{AC69BA3E-133E-9A90-CBC6-1CAC406A44C8}"/>
+              </a:ext>
+            </a:extLst>
+          </p:cNvPr>
+          <p:cNvPicPr>
+            <a:picLocks noChangeAspect="1"/>
+          </p:cNvPicPr>
+          <p:nvPr/>
+        </p:nvPicPr>
+        <p:blipFill>
+          <a:blip r:embed="rId3">
+            <a:extLst>
+              <a:ext uri="{28A0092B-C50C-407E-A947-70E740481C1C}">
+                <a14:useLocalDpi xmlns:a14="http://schemas.microsoft.com/office/drawing/2010/main" val="0"/>
+              </a:ext>
+            </a:extLst>
+          </a:blip>
+          <a:stretch>
+            <a:fillRect/>
+          </a:stretch>
+        </p:blipFill>
+        <p:spPr>
+          <a:xfrm>
+            <a:off x="0" y="0"/>
+            <a:ext cx="12192000" cy="6858000"/>
+          </a:xfrm>
+          <a:prstGeom prst="rect">
+            <a:avLst/>
+          </a:prstGeom>
+        </p:spPr>
+      </p:pic>
     </p:spTree>
     <p:extLst>
       <p:ext uri="{BB962C8B-B14F-4D97-AF65-F5344CB8AC3E}">
-        <p14:creationId xmlns:p14="http://schemas.microsoft.com/office/powerpoint/2010/main" val="1328321055"/>
+        <p14:creationId xmlns:p14="http://schemas.microsoft.com/office/powerpoint/2010/main" val="1146829924"/>
+      </p:ext>
+    </p:extLst>
+  </p:cSld>
+  <p:clrMapOvr>
+    <a:masterClrMapping/>
+  </p:clrMapOvr>
+  <mc:AlternateContent xmlns:mc="http://schemas.openxmlformats.org/markup-compatibility/2006" xmlns:p14="http://schemas.microsoft.com/office/powerpoint/2010/main">
+    <mc:Choice Requires="p14">
+      <p:transition spd="slow" p14:dur="2000">
+        <p14:flash/>
+        <p:sndAc>
+          <p:stSnd>
+            <p:snd r:embed="rId2" name="arrow.wav"/>
+          </p:stSnd>
+        </p:sndAc>
+      </p:transition>
+    </mc:Choice>
+    <mc:Fallback xmlns="">
+      <p:transition spd="slow">
+        <p:fade/>
+        <p:sndAc>
+          <p:stSnd>
+            <p:snd r:embed="rId4" name="arrow.wav"/>
+          </p:stSnd>
+        </p:sndAc>
+      </p:transition>
+    </mc:Fallback>
+  </mc:AlternateContent>
+</p:sld>
+</file>
+
+<file path=ppt/slides/slide10.xml><?xml version="1.0" encoding="utf-8"?>
+<p:sld xmlns:a="http://schemas.openxmlformats.org/drawingml/2006/main" xmlns:r="http://schemas.openxmlformats.org/officeDocument/2006/relationships" xmlns:p="http://schemas.openxmlformats.org/presentationml/2006/main">
+  <p:cSld>
+    <p:spTree>
+      <p:nvGrpSpPr>
+        <p:cNvPr id="1" name="">
+          <a:extLst>
+            <a:ext uri="{FF2B5EF4-FFF2-40B4-BE49-F238E27FC236}">
+              <a16:creationId xmlns:a16="http://schemas.microsoft.com/office/drawing/2014/main" id="{F4402B64-C907-62D0-EC6C-73F60D4F2E01}"/>
+            </a:ext>
+          </a:extLst>
+        </p:cNvPr>
+        <p:cNvGrpSpPr/>
+        <p:nvPr/>
+      </p:nvGrpSpPr>
+      <p:grpSpPr>
+        <a:xfrm>
+          <a:off x="0" y="0"/>
+          <a:ext cx="0" cy="0"/>
+          <a:chOff x="0" y="0"/>
+          <a:chExt cx="0" cy="0"/>
+        </a:xfrm>
+      </p:grpSpPr>
+      <p:pic>
+        <p:nvPicPr>
+          <p:cNvPr id="5" name="圖片 4" descr="一張含有 室內, 室內設計, 牆, 枕頭 的圖片&#10;&#10;自動產生的描述">
+            <a:extLst>
+              <a:ext uri="{FF2B5EF4-FFF2-40B4-BE49-F238E27FC236}">
+                <a16:creationId xmlns:a16="http://schemas.microsoft.com/office/drawing/2014/main" id="{6EB879FE-E472-51B2-6091-9672DE2A5693}"/>
+              </a:ext>
+            </a:extLst>
+          </p:cNvPr>
+          <p:cNvPicPr>
+            <a:picLocks noChangeAspect="1"/>
+          </p:cNvPicPr>
+          <p:nvPr/>
+        </p:nvPicPr>
+        <p:blipFill>
+          <a:blip r:embed="rId3">
+            <a:extLst>
+              <a:ext uri="{28A0092B-C50C-407E-A947-70E740481C1C}">
+                <a14:useLocalDpi xmlns:a14="http://schemas.microsoft.com/office/drawing/2010/main" val="0"/>
+              </a:ext>
+            </a:extLst>
+          </a:blip>
+          <a:stretch>
+            <a:fillRect/>
+          </a:stretch>
+        </p:blipFill>
+        <p:spPr>
+          <a:xfrm>
+            <a:off x="0" y="0"/>
+            <a:ext cx="12192000" cy="6858000"/>
+          </a:xfrm>
+          <a:prstGeom prst="rect">
+            <a:avLst/>
+          </a:prstGeom>
+        </p:spPr>
+      </p:pic>
+      <p:pic>
+        <p:nvPicPr>
+          <p:cNvPr id="6" name="圖片 5" descr="一張含有 螢幕擷取畫面, 設計 的圖片&#10;&#10;自動產生的描述">
+            <a:extLst>
+              <a:ext uri="{FF2B5EF4-FFF2-40B4-BE49-F238E27FC236}">
+                <a16:creationId xmlns:a16="http://schemas.microsoft.com/office/drawing/2014/main" id="{2643ADCA-F48D-9C09-41BF-645D169B5776}"/>
+              </a:ext>
+            </a:extLst>
+          </p:cNvPr>
+          <p:cNvPicPr>
+            <a:picLocks noChangeAspect="1"/>
+          </p:cNvPicPr>
+          <p:nvPr/>
+        </p:nvPicPr>
+        <p:blipFill>
+          <a:blip r:embed="rId4">
+            <a:extLst>
+              <a:ext uri="{28A0092B-C50C-407E-A947-70E740481C1C}">
+                <a14:useLocalDpi xmlns:a14="http://schemas.microsoft.com/office/drawing/2010/main" val="0"/>
+              </a:ext>
+            </a:extLst>
+          </a:blip>
+          <a:srcRect l="65500"/>
+          <a:stretch/>
+        </p:blipFill>
+        <p:spPr>
+          <a:xfrm flipH="1">
+            <a:off x="283464" y="-265150"/>
+            <a:ext cx="2862072" cy="7917784"/>
+          </a:xfrm>
+          <a:prstGeom prst="rect">
+            <a:avLst/>
+          </a:prstGeom>
+        </p:spPr>
+      </p:pic>
+      <p:sp>
+        <p:nvSpPr>
+          <p:cNvPr id="2" name="標題 1">
+            <a:extLst>
+              <a:ext uri="{FF2B5EF4-FFF2-40B4-BE49-F238E27FC236}">
+                <a16:creationId xmlns:a16="http://schemas.microsoft.com/office/drawing/2014/main" id="{DD7222F3-929A-278E-9A4F-8E7383972F6B}"/>
+              </a:ext>
+            </a:extLst>
+          </p:cNvPr>
+          <p:cNvSpPr>
+            <a:spLocks noGrp="1"/>
+          </p:cNvSpPr>
+          <p:nvPr>
+            <p:ph type="ctrTitle"/>
+          </p:nvPr>
+        </p:nvSpPr>
+        <p:spPr>
+          <a:xfrm>
+            <a:off x="404782" y="-986523"/>
+            <a:ext cx="2467035" cy="2469896"/>
+          </a:xfrm>
+        </p:spPr>
+        <p:txBody>
+          <a:bodyPr>
+            <a:normAutofit/>
+          </a:bodyPr>
+          <a:lstStyle/>
+          <a:p>
+            <a:r>
+              <a:rPr lang="en-US" altLang="zh-TW" sz="9100" b="1" dirty="0">
+                <a:solidFill>
+                  <a:schemeClr val="accent2">
+                    <a:lumMod val="50000"/>
+                  </a:schemeClr>
+                </a:solidFill>
+                <a:latin typeface="Rastanty Cortez" panose="02000506000000020003" pitchFamily="2" charset="0"/>
+                <a:ea typeface="微軟正黑體 Light" panose="020B0304030504040204" pitchFamily="34" charset="-120"/>
+                <a:cs typeface="Nirmala UI" panose="020B0502040204020203" pitchFamily="34" charset="0"/>
+              </a:rPr>
+              <a:t>Twist</a:t>
+            </a:r>
+            <a:endParaRPr lang="zh-TW" altLang="en-US" sz="9100" b="1" dirty="0">
+              <a:solidFill>
+                <a:schemeClr val="accent2">
+                  <a:lumMod val="50000"/>
+                </a:schemeClr>
+              </a:solidFill>
+              <a:latin typeface="Rastanty Cortez" panose="02000506000000020003" pitchFamily="2" charset="0"/>
+              <a:ea typeface="微軟正黑體 Light" panose="020B0304030504040204" pitchFamily="34" charset="-120"/>
+              <a:cs typeface="Nirmala UI" panose="020B0502040204020203" pitchFamily="34" charset="0"/>
+            </a:endParaRPr>
+          </a:p>
+        </p:txBody>
+      </p:sp>
+      <p:sp>
+        <p:nvSpPr>
+          <p:cNvPr id="3" name="副標題 2">
+            <a:extLst>
+              <a:ext uri="{FF2B5EF4-FFF2-40B4-BE49-F238E27FC236}">
+                <a16:creationId xmlns:a16="http://schemas.microsoft.com/office/drawing/2014/main" id="{7D7BACFB-01D3-1A4B-D05F-0D65113170D4}"/>
+              </a:ext>
+            </a:extLst>
+          </p:cNvPr>
+          <p:cNvSpPr>
+            <a:spLocks noGrp="1"/>
+          </p:cNvSpPr>
+          <p:nvPr>
+            <p:ph type="subTitle" idx="1"/>
+          </p:nvPr>
+        </p:nvSpPr>
+        <p:spPr/>
+        <p:txBody>
+          <a:bodyPr/>
+          <a:lstStyle/>
+          <a:p>
+            <a:endParaRPr lang="zh-TW" altLang="en-US" dirty="0"/>
+          </a:p>
+        </p:txBody>
+      </p:sp>
+      <p:pic>
+        <p:nvPicPr>
+          <p:cNvPr id="9" name="圖片 8" descr="一張含有 螢幕擷取畫面, 文字, 行動電話, 智慧型手機 的圖片&#10;&#10;自動產生的描述">
+            <a:extLst>
+              <a:ext uri="{FF2B5EF4-FFF2-40B4-BE49-F238E27FC236}">
+                <a16:creationId xmlns:a16="http://schemas.microsoft.com/office/drawing/2014/main" id="{C1504509-4133-4451-B873-250E1237B079}"/>
+              </a:ext>
+            </a:extLst>
+          </p:cNvPr>
+          <p:cNvPicPr>
+            <a:picLocks noChangeAspect="1"/>
+          </p:cNvPicPr>
+          <p:nvPr/>
+        </p:nvPicPr>
+        <p:blipFill>
+          <a:blip r:embed="rId5">
+            <a:extLst>
+              <a:ext uri="{28A0092B-C50C-407E-A947-70E740481C1C}">
+                <a14:useLocalDpi xmlns:a14="http://schemas.microsoft.com/office/drawing/2010/main" val="0"/>
+              </a:ext>
+            </a:extLst>
+          </a:blip>
+          <a:stretch>
+            <a:fillRect/>
+          </a:stretch>
+        </p:blipFill>
+        <p:spPr>
+          <a:xfrm>
+            <a:off x="-1357076" y="463400"/>
+            <a:ext cx="11485659" cy="6460683"/>
+          </a:xfrm>
+          <a:prstGeom prst="rect">
+            <a:avLst/>
+          </a:prstGeom>
+        </p:spPr>
+      </p:pic>
+      <p:pic>
+        <p:nvPicPr>
+          <p:cNvPr id="4" name="圖片 3">
+            <a:extLst>
+              <a:ext uri="{FF2B5EF4-FFF2-40B4-BE49-F238E27FC236}">
+                <a16:creationId xmlns:a16="http://schemas.microsoft.com/office/drawing/2014/main" id="{CCE43084-4409-06D2-4298-EE7DF368DF27}"/>
+              </a:ext>
+            </a:extLst>
+          </p:cNvPr>
+          <p:cNvPicPr>
+            <a:picLocks noChangeAspect="1"/>
+          </p:cNvPicPr>
+          <p:nvPr/>
+        </p:nvPicPr>
+        <p:blipFill>
+          <a:blip r:embed="rId6">
+            <a:extLst>
+              <a:ext uri="{28A0092B-C50C-407E-A947-70E740481C1C}">
+                <a14:useLocalDpi xmlns:a14="http://schemas.microsoft.com/office/drawing/2010/main" val="0"/>
+              </a:ext>
+            </a:extLst>
+          </a:blip>
+          <a:srcRect/>
+          <a:stretch/>
+        </p:blipFill>
+        <p:spPr>
+          <a:xfrm>
+            <a:off x="1880794" y="2204747"/>
+            <a:ext cx="4917715" cy="3278477"/>
+          </a:xfrm>
+          <a:prstGeom prst="rect">
+            <a:avLst/>
+          </a:prstGeom>
+        </p:spPr>
+      </p:pic>
+    </p:spTree>
+    <p:extLst>
+      <p:ext uri="{BB962C8B-B14F-4D97-AF65-F5344CB8AC3E}">
+        <p14:creationId xmlns:p14="http://schemas.microsoft.com/office/powerpoint/2010/main" val="135105856"/>
+      </p:ext>
+    </p:extLst>
+  </p:cSld>
+  <p:clrMapOvr>
+    <a:masterClrMapping/>
+  </p:clrMapOvr>
+</p:sld>
+</file>
+
+<file path=ppt/slides/slide11.xml><?xml version="1.0" encoding="utf-8"?>
+<p:sld xmlns:a="http://schemas.openxmlformats.org/drawingml/2006/main" xmlns:r="http://schemas.openxmlformats.org/officeDocument/2006/relationships" xmlns:p="http://schemas.openxmlformats.org/presentationml/2006/main">
+  <p:cSld>
+    <p:spTree>
+      <p:nvGrpSpPr>
+        <p:cNvPr id="1" name="">
+          <a:extLst>
+            <a:ext uri="{FF2B5EF4-FFF2-40B4-BE49-F238E27FC236}">
+              <a16:creationId xmlns:a16="http://schemas.microsoft.com/office/drawing/2014/main" id="{F8509B63-94F2-941D-07B7-E817C35A9E53}"/>
+            </a:ext>
+          </a:extLst>
+        </p:cNvPr>
+        <p:cNvGrpSpPr/>
+        <p:nvPr/>
+      </p:nvGrpSpPr>
+      <p:grpSpPr>
+        <a:xfrm>
+          <a:off x="0" y="0"/>
+          <a:ext cx="0" cy="0"/>
+          <a:chOff x="0" y="0"/>
+          <a:chExt cx="0" cy="0"/>
+        </a:xfrm>
+      </p:grpSpPr>
+      <p:pic>
+        <p:nvPicPr>
+          <p:cNvPr id="5" name="圖片 4" descr="一張含有 室內, 室內設計, 牆, 枕頭 的圖片&#10;&#10;自動產生的描述">
+            <a:extLst>
+              <a:ext uri="{FF2B5EF4-FFF2-40B4-BE49-F238E27FC236}">
+                <a16:creationId xmlns:a16="http://schemas.microsoft.com/office/drawing/2014/main" id="{230589E2-84CC-CB9A-ECFD-620DEA796A9B}"/>
+              </a:ext>
+            </a:extLst>
+          </p:cNvPr>
+          <p:cNvPicPr>
+            <a:picLocks noChangeAspect="1"/>
+          </p:cNvPicPr>
+          <p:nvPr/>
+        </p:nvPicPr>
+        <p:blipFill>
+          <a:blip r:embed="rId3">
+            <a:extLst>
+              <a:ext uri="{28A0092B-C50C-407E-A947-70E740481C1C}">
+                <a14:useLocalDpi xmlns:a14="http://schemas.microsoft.com/office/drawing/2010/main" val="0"/>
+              </a:ext>
+            </a:extLst>
+          </a:blip>
+          <a:stretch>
+            <a:fillRect/>
+          </a:stretch>
+        </p:blipFill>
+        <p:spPr>
+          <a:xfrm>
+            <a:off x="0" y="0"/>
+            <a:ext cx="12192000" cy="6858000"/>
+          </a:xfrm>
+          <a:prstGeom prst="rect">
+            <a:avLst/>
+          </a:prstGeom>
+        </p:spPr>
+      </p:pic>
+      <p:pic>
+        <p:nvPicPr>
+          <p:cNvPr id="6" name="圖片 5" descr="一張含有 螢幕擷取畫面, 設計 的圖片&#10;&#10;自動產生的描述">
+            <a:extLst>
+              <a:ext uri="{FF2B5EF4-FFF2-40B4-BE49-F238E27FC236}">
+                <a16:creationId xmlns:a16="http://schemas.microsoft.com/office/drawing/2014/main" id="{4FD38ADC-4B9D-9EEE-9974-CF59EEFF4AA7}"/>
+              </a:ext>
+            </a:extLst>
+          </p:cNvPr>
+          <p:cNvPicPr>
+            <a:picLocks noChangeAspect="1"/>
+          </p:cNvPicPr>
+          <p:nvPr/>
+        </p:nvPicPr>
+        <p:blipFill>
+          <a:blip r:embed="rId4">
+            <a:extLst>
+              <a:ext uri="{28A0092B-C50C-407E-A947-70E740481C1C}">
+                <a14:useLocalDpi xmlns:a14="http://schemas.microsoft.com/office/drawing/2010/main" val="0"/>
+              </a:ext>
+            </a:extLst>
+          </a:blip>
+          <a:srcRect l="65500"/>
+          <a:stretch/>
+        </p:blipFill>
+        <p:spPr>
+          <a:xfrm flipH="1">
+            <a:off x="283464" y="-265150"/>
+            <a:ext cx="2862072" cy="7917784"/>
+          </a:xfrm>
+          <a:prstGeom prst="rect">
+            <a:avLst/>
+          </a:prstGeom>
+        </p:spPr>
+      </p:pic>
+      <p:sp>
+        <p:nvSpPr>
+          <p:cNvPr id="2" name="標題 1">
+            <a:extLst>
+              <a:ext uri="{FF2B5EF4-FFF2-40B4-BE49-F238E27FC236}">
+                <a16:creationId xmlns:a16="http://schemas.microsoft.com/office/drawing/2014/main" id="{E5BD2F9A-9954-6EAF-C01A-3C7869B18460}"/>
+              </a:ext>
+            </a:extLst>
+          </p:cNvPr>
+          <p:cNvSpPr>
+            <a:spLocks noGrp="1"/>
+          </p:cNvSpPr>
+          <p:nvPr>
+            <p:ph type="ctrTitle"/>
+          </p:nvPr>
+        </p:nvSpPr>
+        <p:spPr>
+          <a:xfrm>
+            <a:off x="404782" y="-986523"/>
+            <a:ext cx="2467035" cy="2469896"/>
+          </a:xfrm>
+        </p:spPr>
+        <p:txBody>
+          <a:bodyPr>
+            <a:normAutofit/>
+          </a:bodyPr>
+          <a:lstStyle/>
+          <a:p>
+            <a:r>
+              <a:rPr lang="en-US" altLang="zh-TW" sz="9100" b="1" dirty="0">
+                <a:solidFill>
+                  <a:schemeClr val="accent2">
+                    <a:lumMod val="50000"/>
+                  </a:schemeClr>
+                </a:solidFill>
+                <a:latin typeface="Rastanty Cortez" panose="02000506000000020003" pitchFamily="2" charset="0"/>
+                <a:ea typeface="微軟正黑體 Light" panose="020B0304030504040204" pitchFamily="34" charset="-120"/>
+                <a:cs typeface="Nirmala UI" panose="020B0502040204020203" pitchFamily="34" charset="0"/>
+              </a:rPr>
+              <a:t>Twist</a:t>
+            </a:r>
+            <a:endParaRPr lang="zh-TW" altLang="en-US" sz="9100" b="1" dirty="0">
+              <a:solidFill>
+                <a:schemeClr val="accent2">
+                  <a:lumMod val="50000"/>
+                </a:schemeClr>
+              </a:solidFill>
+              <a:latin typeface="Rastanty Cortez" panose="02000506000000020003" pitchFamily="2" charset="0"/>
+              <a:ea typeface="微軟正黑體 Light" panose="020B0304030504040204" pitchFamily="34" charset="-120"/>
+              <a:cs typeface="Nirmala UI" panose="020B0502040204020203" pitchFamily="34" charset="0"/>
+            </a:endParaRPr>
+          </a:p>
+        </p:txBody>
+      </p:sp>
+      <p:sp>
+        <p:nvSpPr>
+          <p:cNvPr id="3" name="副標題 2">
+            <a:extLst>
+              <a:ext uri="{FF2B5EF4-FFF2-40B4-BE49-F238E27FC236}">
+                <a16:creationId xmlns:a16="http://schemas.microsoft.com/office/drawing/2014/main" id="{90ED1234-93CC-5337-86DC-44FB79A9021D}"/>
+              </a:ext>
+            </a:extLst>
+          </p:cNvPr>
+          <p:cNvSpPr>
+            <a:spLocks noGrp="1"/>
+          </p:cNvSpPr>
+          <p:nvPr>
+            <p:ph type="subTitle" idx="1"/>
+          </p:nvPr>
+        </p:nvSpPr>
+        <p:spPr/>
+        <p:txBody>
+          <a:bodyPr/>
+          <a:lstStyle/>
+          <a:p>
+            <a:endParaRPr lang="zh-TW" altLang="en-US" dirty="0"/>
+          </a:p>
+        </p:txBody>
+      </p:sp>
+      <p:pic>
+        <p:nvPicPr>
+          <p:cNvPr id="9" name="圖片 8" descr="一張含有 螢幕擷取畫面, 文字, 行動電話, 智慧型手機 的圖片&#10;&#10;自動產生的描述">
+            <a:extLst>
+              <a:ext uri="{FF2B5EF4-FFF2-40B4-BE49-F238E27FC236}">
+                <a16:creationId xmlns:a16="http://schemas.microsoft.com/office/drawing/2014/main" id="{45C1E1F6-1A25-DB57-E8EF-F974D1124AB3}"/>
+              </a:ext>
+            </a:extLst>
+          </p:cNvPr>
+          <p:cNvPicPr>
+            <a:picLocks noChangeAspect="1"/>
+          </p:cNvPicPr>
+          <p:nvPr/>
+        </p:nvPicPr>
+        <p:blipFill>
+          <a:blip r:embed="rId5">
+            <a:extLst>
+              <a:ext uri="{28A0092B-C50C-407E-A947-70E740481C1C}">
+                <a14:useLocalDpi xmlns:a14="http://schemas.microsoft.com/office/drawing/2010/main" val="0"/>
+              </a:ext>
+            </a:extLst>
+          </a:blip>
+          <a:stretch>
+            <a:fillRect/>
+          </a:stretch>
+        </p:blipFill>
+        <p:spPr>
+          <a:xfrm>
+            <a:off x="-1357076" y="463400"/>
+            <a:ext cx="11485659" cy="6460683"/>
+          </a:xfrm>
+          <a:prstGeom prst="rect">
+            <a:avLst/>
+          </a:prstGeom>
+        </p:spPr>
+      </p:pic>
+      <p:pic>
+        <p:nvPicPr>
+          <p:cNvPr id="4" name="圖片 3">
+            <a:extLst>
+              <a:ext uri="{FF2B5EF4-FFF2-40B4-BE49-F238E27FC236}">
+                <a16:creationId xmlns:a16="http://schemas.microsoft.com/office/drawing/2014/main" id="{5730192A-23A6-9F50-311E-719F575FE30E}"/>
+              </a:ext>
+            </a:extLst>
+          </p:cNvPr>
+          <p:cNvPicPr>
+            <a:picLocks noChangeAspect="1"/>
+          </p:cNvPicPr>
+          <p:nvPr/>
+        </p:nvPicPr>
+        <p:blipFill>
+          <a:blip r:embed="rId6">
+            <a:extLst>
+              <a:ext uri="{28A0092B-C50C-407E-A947-70E740481C1C}">
+                <a14:useLocalDpi xmlns:a14="http://schemas.microsoft.com/office/drawing/2010/main" val="0"/>
+              </a:ext>
+            </a:extLst>
+          </a:blip>
+          <a:srcRect/>
+          <a:stretch/>
+        </p:blipFill>
+        <p:spPr>
+          <a:xfrm>
+            <a:off x="1880794" y="2293137"/>
+            <a:ext cx="4917715" cy="3101696"/>
+          </a:xfrm>
+          <a:prstGeom prst="rect">
+            <a:avLst/>
+          </a:prstGeom>
+        </p:spPr>
+      </p:pic>
+    </p:spTree>
+    <p:extLst>
+      <p:ext uri="{BB962C8B-B14F-4D97-AF65-F5344CB8AC3E}">
+        <p14:creationId xmlns:p14="http://schemas.microsoft.com/office/powerpoint/2010/main" val="3560373605"/>
+      </p:ext>
+    </p:extLst>
+  </p:cSld>
+  <p:clrMapOvr>
+    <a:masterClrMapping/>
+  </p:clrMapOvr>
+</p:sld>
+</file>
+
+<file path=ppt/slides/slide12.xml><?xml version="1.0" encoding="utf-8"?>
+<p:sld xmlns:a="http://schemas.openxmlformats.org/drawingml/2006/main" xmlns:r="http://schemas.openxmlformats.org/officeDocument/2006/relationships" xmlns:p="http://schemas.openxmlformats.org/presentationml/2006/main">
+  <p:cSld>
+    <p:spTree>
+      <p:nvGrpSpPr>
+        <p:cNvPr id="1" name="">
+          <a:extLst>
+            <a:ext uri="{FF2B5EF4-FFF2-40B4-BE49-F238E27FC236}">
+              <a16:creationId xmlns:a16="http://schemas.microsoft.com/office/drawing/2014/main" id="{7519ECE2-3DDE-0E01-CA71-44CAF5F91477}"/>
+            </a:ext>
+          </a:extLst>
+        </p:cNvPr>
+        <p:cNvGrpSpPr/>
+        <p:nvPr/>
+      </p:nvGrpSpPr>
+      <p:grpSpPr>
+        <a:xfrm>
+          <a:off x="0" y="0"/>
+          <a:ext cx="0" cy="0"/>
+          <a:chOff x="0" y="0"/>
+          <a:chExt cx="0" cy="0"/>
+        </a:xfrm>
+      </p:grpSpPr>
+      <p:pic>
+        <p:nvPicPr>
+          <p:cNvPr id="5" name="圖片 4" descr="一張含有 室內, 室內設計, 牆, 枕頭 的圖片&#10;&#10;自動產生的描述">
+            <a:extLst>
+              <a:ext uri="{FF2B5EF4-FFF2-40B4-BE49-F238E27FC236}">
+                <a16:creationId xmlns:a16="http://schemas.microsoft.com/office/drawing/2014/main" id="{7AF68E98-F35E-BA82-7ED8-024180EF48E0}"/>
+              </a:ext>
+            </a:extLst>
+          </p:cNvPr>
+          <p:cNvPicPr>
+            <a:picLocks noChangeAspect="1"/>
+          </p:cNvPicPr>
+          <p:nvPr/>
+        </p:nvPicPr>
+        <p:blipFill>
+          <a:blip r:embed="rId3">
+            <a:extLst>
+              <a:ext uri="{28A0092B-C50C-407E-A947-70E740481C1C}">
+                <a14:useLocalDpi xmlns:a14="http://schemas.microsoft.com/office/drawing/2010/main" val="0"/>
+              </a:ext>
+            </a:extLst>
+          </a:blip>
+          <a:stretch>
+            <a:fillRect/>
+          </a:stretch>
+        </p:blipFill>
+        <p:spPr>
+          <a:xfrm>
+            <a:off x="0" y="0"/>
+            <a:ext cx="12192000" cy="6858000"/>
+          </a:xfrm>
+          <a:prstGeom prst="rect">
+            <a:avLst/>
+          </a:prstGeom>
+        </p:spPr>
+      </p:pic>
+      <p:pic>
+        <p:nvPicPr>
+          <p:cNvPr id="6" name="圖片 5" descr="一張含有 螢幕擷取畫面, 設計 的圖片&#10;&#10;自動產生的描述">
+            <a:extLst>
+              <a:ext uri="{FF2B5EF4-FFF2-40B4-BE49-F238E27FC236}">
+                <a16:creationId xmlns:a16="http://schemas.microsoft.com/office/drawing/2014/main" id="{9FF3F62C-8D07-51CC-7ECC-C8CEE6F9CE38}"/>
+              </a:ext>
+            </a:extLst>
+          </p:cNvPr>
+          <p:cNvPicPr>
+            <a:picLocks noChangeAspect="1"/>
+          </p:cNvPicPr>
+          <p:nvPr/>
+        </p:nvPicPr>
+        <p:blipFill>
+          <a:blip r:embed="rId4">
+            <a:extLst>
+              <a:ext uri="{28A0092B-C50C-407E-A947-70E740481C1C}">
+                <a14:useLocalDpi xmlns:a14="http://schemas.microsoft.com/office/drawing/2010/main" val="0"/>
+              </a:ext>
+            </a:extLst>
+          </a:blip>
+          <a:srcRect l="65500"/>
+          <a:stretch/>
+        </p:blipFill>
+        <p:spPr>
+          <a:xfrm flipH="1">
+            <a:off x="283464" y="-265150"/>
+            <a:ext cx="2862072" cy="7917784"/>
+          </a:xfrm>
+          <a:prstGeom prst="rect">
+            <a:avLst/>
+          </a:prstGeom>
+        </p:spPr>
+      </p:pic>
+      <p:sp>
+        <p:nvSpPr>
+          <p:cNvPr id="2" name="標題 1">
+            <a:extLst>
+              <a:ext uri="{FF2B5EF4-FFF2-40B4-BE49-F238E27FC236}">
+                <a16:creationId xmlns:a16="http://schemas.microsoft.com/office/drawing/2014/main" id="{D89A9C25-6CCD-8FC4-3054-3D7776F22F79}"/>
+              </a:ext>
+            </a:extLst>
+          </p:cNvPr>
+          <p:cNvSpPr>
+            <a:spLocks noGrp="1"/>
+          </p:cNvSpPr>
+          <p:nvPr>
+            <p:ph type="ctrTitle"/>
+          </p:nvPr>
+        </p:nvSpPr>
+        <p:spPr>
+          <a:xfrm>
+            <a:off x="455582" y="-986523"/>
+            <a:ext cx="2467035" cy="2469896"/>
+          </a:xfrm>
+        </p:spPr>
+        <p:txBody>
+          <a:bodyPr>
+            <a:normAutofit/>
+          </a:bodyPr>
+          <a:lstStyle/>
+          <a:p>
+            <a:r>
+              <a:rPr lang="en-US" altLang="zh-TW" sz="9100" b="1" dirty="0">
+                <a:solidFill>
+                  <a:schemeClr val="accent2">
+                    <a:lumMod val="50000"/>
+                  </a:schemeClr>
+                </a:solidFill>
+                <a:latin typeface="Rastanty Cortez" panose="02000506000000020003" pitchFamily="2" charset="0"/>
+                <a:ea typeface="微軟正黑體 Light" panose="020B0304030504040204" pitchFamily="34" charset="-120"/>
+                <a:cs typeface="Nirmala UI" panose="020B0502040204020203" pitchFamily="34" charset="0"/>
+              </a:rPr>
+              <a:t>Ending</a:t>
+            </a:r>
+            <a:endParaRPr lang="zh-TW" altLang="en-US" sz="9100" b="1" dirty="0">
+              <a:solidFill>
+                <a:schemeClr val="accent2">
+                  <a:lumMod val="50000"/>
+                </a:schemeClr>
+              </a:solidFill>
+              <a:latin typeface="Rastanty Cortez" panose="02000506000000020003" pitchFamily="2" charset="0"/>
+              <a:ea typeface="微軟正黑體 Light" panose="020B0304030504040204" pitchFamily="34" charset="-120"/>
+              <a:cs typeface="Nirmala UI" panose="020B0502040204020203" pitchFamily="34" charset="0"/>
+            </a:endParaRPr>
+          </a:p>
+        </p:txBody>
+      </p:sp>
+      <p:sp>
+        <p:nvSpPr>
+          <p:cNvPr id="3" name="副標題 2">
+            <a:extLst>
+              <a:ext uri="{FF2B5EF4-FFF2-40B4-BE49-F238E27FC236}">
+                <a16:creationId xmlns:a16="http://schemas.microsoft.com/office/drawing/2014/main" id="{FA2A5CC5-0A9A-AD3C-5966-61378D184289}"/>
+              </a:ext>
+            </a:extLst>
+          </p:cNvPr>
+          <p:cNvSpPr>
+            <a:spLocks noGrp="1"/>
+          </p:cNvSpPr>
+          <p:nvPr>
+            <p:ph type="subTitle" idx="1"/>
+          </p:nvPr>
+        </p:nvSpPr>
+        <p:spPr/>
+        <p:txBody>
+          <a:bodyPr/>
+          <a:lstStyle/>
+          <a:p>
+            <a:endParaRPr lang="zh-TW" altLang="en-US" dirty="0"/>
+          </a:p>
+        </p:txBody>
+      </p:sp>
+      <p:pic>
+        <p:nvPicPr>
+          <p:cNvPr id="9" name="圖片 8" descr="一張含有 螢幕擷取畫面, 文字, 行動電話, 智慧型手機 的圖片&#10;&#10;自動產生的描述">
+            <a:extLst>
+              <a:ext uri="{FF2B5EF4-FFF2-40B4-BE49-F238E27FC236}">
+                <a16:creationId xmlns:a16="http://schemas.microsoft.com/office/drawing/2014/main" id="{1D23B51E-4C32-8870-6D03-464B9B3EE55B}"/>
+              </a:ext>
+            </a:extLst>
+          </p:cNvPr>
+          <p:cNvPicPr>
+            <a:picLocks noChangeAspect="1"/>
+          </p:cNvPicPr>
+          <p:nvPr/>
+        </p:nvPicPr>
+        <p:blipFill>
+          <a:blip r:embed="rId5">
+            <a:extLst>
+              <a:ext uri="{28A0092B-C50C-407E-A947-70E740481C1C}">
+                <a14:useLocalDpi xmlns:a14="http://schemas.microsoft.com/office/drawing/2010/main" val="0"/>
+              </a:ext>
+            </a:extLst>
+          </a:blip>
+          <a:stretch>
+            <a:fillRect/>
+          </a:stretch>
+        </p:blipFill>
+        <p:spPr>
+          <a:xfrm>
+            <a:off x="-1357076" y="463400"/>
+            <a:ext cx="11485659" cy="6460683"/>
+          </a:xfrm>
+          <a:prstGeom prst="rect">
+            <a:avLst/>
+          </a:prstGeom>
+        </p:spPr>
+      </p:pic>
+      <p:pic>
+        <p:nvPicPr>
+          <p:cNvPr id="4" name="圖片 3">
+            <a:extLst>
+              <a:ext uri="{FF2B5EF4-FFF2-40B4-BE49-F238E27FC236}">
+                <a16:creationId xmlns:a16="http://schemas.microsoft.com/office/drawing/2014/main" id="{C357BC65-0949-2A62-A771-2C672D8C4C65}"/>
+              </a:ext>
+            </a:extLst>
+          </p:cNvPr>
+          <p:cNvPicPr>
+            <a:picLocks noChangeAspect="1"/>
+          </p:cNvPicPr>
+          <p:nvPr/>
+        </p:nvPicPr>
+        <p:blipFill>
+          <a:blip r:embed="rId6">
+            <a:extLst>
+              <a:ext uri="{28A0092B-C50C-407E-A947-70E740481C1C}">
+                <a14:useLocalDpi xmlns:a14="http://schemas.microsoft.com/office/drawing/2010/main" val="0"/>
+              </a:ext>
+            </a:extLst>
+          </a:blip>
+          <a:srcRect/>
+          <a:stretch/>
+        </p:blipFill>
+        <p:spPr>
+          <a:xfrm>
+            <a:off x="1880794" y="2204747"/>
+            <a:ext cx="4917715" cy="3278477"/>
+          </a:xfrm>
+          <a:prstGeom prst="rect">
+            <a:avLst/>
+          </a:prstGeom>
+        </p:spPr>
+      </p:pic>
+    </p:spTree>
+    <p:extLst>
+      <p:ext uri="{BB962C8B-B14F-4D97-AF65-F5344CB8AC3E}">
+        <p14:creationId xmlns:p14="http://schemas.microsoft.com/office/powerpoint/2010/main" val="2277853515"/>
+      </p:ext>
+    </p:extLst>
+  </p:cSld>
+  <p:clrMapOvr>
+    <a:masterClrMapping/>
+  </p:clrMapOvr>
+</p:sld>
+</file>
+
+<file path=ppt/slides/slide13.xml><?xml version="1.0" encoding="utf-8"?>
+<p:sld xmlns:a="http://schemas.openxmlformats.org/drawingml/2006/main" xmlns:r="http://schemas.openxmlformats.org/officeDocument/2006/relationships" xmlns:p="http://schemas.openxmlformats.org/presentationml/2006/main">
+  <p:cSld>
+    <p:spTree>
+      <p:nvGrpSpPr>
+        <p:cNvPr id="1" name="">
+          <a:extLst>
+            <a:ext uri="{FF2B5EF4-FFF2-40B4-BE49-F238E27FC236}">
+              <a16:creationId xmlns:a16="http://schemas.microsoft.com/office/drawing/2014/main" id="{660AF7A2-A57E-EB74-890F-CFDF4D2C8F3B}"/>
+            </a:ext>
+          </a:extLst>
+        </p:cNvPr>
+        <p:cNvGrpSpPr/>
+        <p:nvPr/>
+      </p:nvGrpSpPr>
+      <p:grpSpPr>
+        <a:xfrm>
+          <a:off x="0" y="0"/>
+          <a:ext cx="0" cy="0"/>
+          <a:chOff x="0" y="0"/>
+          <a:chExt cx="0" cy="0"/>
+        </a:xfrm>
+      </p:grpSpPr>
+      <p:pic>
+        <p:nvPicPr>
+          <p:cNvPr id="5" name="圖片 4" descr="一張含有 室內, 室內設計, 牆, 枕頭 的圖片&#10;&#10;自動產生的描述">
+            <a:extLst>
+              <a:ext uri="{FF2B5EF4-FFF2-40B4-BE49-F238E27FC236}">
+                <a16:creationId xmlns:a16="http://schemas.microsoft.com/office/drawing/2014/main" id="{328792C6-CE32-F7AB-DD56-6963D135DBA1}"/>
+              </a:ext>
+            </a:extLst>
+          </p:cNvPr>
+          <p:cNvPicPr>
+            <a:picLocks noChangeAspect="1"/>
+          </p:cNvPicPr>
+          <p:nvPr/>
+        </p:nvPicPr>
+        <p:blipFill>
+          <a:blip r:embed="rId3">
+            <a:extLst>
+              <a:ext uri="{28A0092B-C50C-407E-A947-70E740481C1C}">
+                <a14:useLocalDpi xmlns:a14="http://schemas.microsoft.com/office/drawing/2010/main" val="0"/>
+              </a:ext>
+            </a:extLst>
+          </a:blip>
+          <a:stretch>
+            <a:fillRect/>
+          </a:stretch>
+        </p:blipFill>
+        <p:spPr>
+          <a:xfrm>
+            <a:off x="0" y="0"/>
+            <a:ext cx="12192000" cy="6858000"/>
+          </a:xfrm>
+          <a:prstGeom prst="rect">
+            <a:avLst/>
+          </a:prstGeom>
+        </p:spPr>
+      </p:pic>
+      <p:pic>
+        <p:nvPicPr>
+          <p:cNvPr id="6" name="圖片 5" descr="一張含有 螢幕擷取畫面, 設計 的圖片&#10;&#10;自動產生的描述">
+            <a:extLst>
+              <a:ext uri="{FF2B5EF4-FFF2-40B4-BE49-F238E27FC236}">
+                <a16:creationId xmlns:a16="http://schemas.microsoft.com/office/drawing/2014/main" id="{713C75DA-5519-8E19-33D3-83D5C056CC8E}"/>
+              </a:ext>
+            </a:extLst>
+          </p:cNvPr>
+          <p:cNvPicPr>
+            <a:picLocks noChangeAspect="1"/>
+          </p:cNvPicPr>
+          <p:nvPr/>
+        </p:nvPicPr>
+        <p:blipFill>
+          <a:blip r:embed="rId4">
+            <a:extLst>
+              <a:ext uri="{28A0092B-C50C-407E-A947-70E740481C1C}">
+                <a14:useLocalDpi xmlns:a14="http://schemas.microsoft.com/office/drawing/2010/main" val="0"/>
+              </a:ext>
+            </a:extLst>
+          </a:blip>
+          <a:srcRect l="65500"/>
+          <a:stretch/>
+        </p:blipFill>
+        <p:spPr>
+          <a:xfrm flipH="1">
+            <a:off x="283464" y="-265150"/>
+            <a:ext cx="2862072" cy="7917784"/>
+          </a:xfrm>
+          <a:prstGeom prst="rect">
+            <a:avLst/>
+          </a:prstGeom>
+        </p:spPr>
+      </p:pic>
+      <p:sp>
+        <p:nvSpPr>
+          <p:cNvPr id="2" name="標題 1">
+            <a:extLst>
+              <a:ext uri="{FF2B5EF4-FFF2-40B4-BE49-F238E27FC236}">
+                <a16:creationId xmlns:a16="http://schemas.microsoft.com/office/drawing/2014/main" id="{D2893AD1-19B0-EAB9-231F-0030F84EAEF6}"/>
+              </a:ext>
+            </a:extLst>
+          </p:cNvPr>
+          <p:cNvSpPr>
+            <a:spLocks noGrp="1"/>
+          </p:cNvSpPr>
+          <p:nvPr>
+            <p:ph type="ctrTitle"/>
+          </p:nvPr>
+        </p:nvSpPr>
+        <p:spPr>
+          <a:xfrm>
+            <a:off x="455582" y="-986523"/>
+            <a:ext cx="2467035" cy="2469896"/>
+          </a:xfrm>
+        </p:spPr>
+        <p:txBody>
+          <a:bodyPr>
+            <a:normAutofit/>
+          </a:bodyPr>
+          <a:lstStyle/>
+          <a:p>
+            <a:r>
+              <a:rPr lang="en-US" altLang="zh-TW" sz="9100" b="1" dirty="0">
+                <a:solidFill>
+                  <a:schemeClr val="accent2">
+                    <a:lumMod val="50000"/>
+                  </a:schemeClr>
+                </a:solidFill>
+                <a:latin typeface="Rastanty Cortez" panose="02000506000000020003" pitchFamily="2" charset="0"/>
+                <a:ea typeface="微軟正黑體 Light" panose="020B0304030504040204" pitchFamily="34" charset="-120"/>
+                <a:cs typeface="Nirmala UI" panose="020B0502040204020203" pitchFamily="34" charset="0"/>
+              </a:rPr>
+              <a:t>Ending</a:t>
+            </a:r>
+            <a:endParaRPr lang="zh-TW" altLang="en-US" sz="9100" b="1" dirty="0">
+              <a:solidFill>
+                <a:schemeClr val="accent2">
+                  <a:lumMod val="50000"/>
+                </a:schemeClr>
+              </a:solidFill>
+              <a:latin typeface="Rastanty Cortez" panose="02000506000000020003" pitchFamily="2" charset="0"/>
+              <a:ea typeface="微軟正黑體 Light" panose="020B0304030504040204" pitchFamily="34" charset="-120"/>
+              <a:cs typeface="Nirmala UI" panose="020B0502040204020203" pitchFamily="34" charset="0"/>
+            </a:endParaRPr>
+          </a:p>
+        </p:txBody>
+      </p:sp>
+      <p:sp>
+        <p:nvSpPr>
+          <p:cNvPr id="3" name="副標題 2">
+            <a:extLst>
+              <a:ext uri="{FF2B5EF4-FFF2-40B4-BE49-F238E27FC236}">
+                <a16:creationId xmlns:a16="http://schemas.microsoft.com/office/drawing/2014/main" id="{9C9BC214-A9CB-F9CA-E87F-B2A682E562D6}"/>
+              </a:ext>
+            </a:extLst>
+          </p:cNvPr>
+          <p:cNvSpPr>
+            <a:spLocks noGrp="1"/>
+          </p:cNvSpPr>
+          <p:nvPr>
+            <p:ph type="subTitle" idx="1"/>
+          </p:nvPr>
+        </p:nvSpPr>
+        <p:spPr/>
+        <p:txBody>
+          <a:bodyPr/>
+          <a:lstStyle/>
+          <a:p>
+            <a:endParaRPr lang="zh-TW" altLang="en-US" dirty="0"/>
+          </a:p>
+        </p:txBody>
+      </p:sp>
+      <p:pic>
+        <p:nvPicPr>
+          <p:cNvPr id="9" name="圖片 8" descr="一張含有 螢幕擷取畫面, 文字, 行動電話, 智慧型手機 的圖片&#10;&#10;自動產生的描述">
+            <a:extLst>
+              <a:ext uri="{FF2B5EF4-FFF2-40B4-BE49-F238E27FC236}">
+                <a16:creationId xmlns:a16="http://schemas.microsoft.com/office/drawing/2014/main" id="{78D020B1-3C9E-EE50-926C-0B6B73044994}"/>
+              </a:ext>
+            </a:extLst>
+          </p:cNvPr>
+          <p:cNvPicPr>
+            <a:picLocks noChangeAspect="1"/>
+          </p:cNvPicPr>
+          <p:nvPr/>
+        </p:nvPicPr>
+        <p:blipFill>
+          <a:blip r:embed="rId5">
+            <a:extLst>
+              <a:ext uri="{28A0092B-C50C-407E-A947-70E740481C1C}">
+                <a14:useLocalDpi xmlns:a14="http://schemas.microsoft.com/office/drawing/2010/main" val="0"/>
+              </a:ext>
+            </a:extLst>
+          </a:blip>
+          <a:stretch>
+            <a:fillRect/>
+          </a:stretch>
+        </p:blipFill>
+        <p:spPr>
+          <a:xfrm>
+            <a:off x="-1357076" y="463400"/>
+            <a:ext cx="11485659" cy="6460683"/>
+          </a:xfrm>
+          <a:prstGeom prst="rect">
+            <a:avLst/>
+          </a:prstGeom>
+        </p:spPr>
+      </p:pic>
+      <p:pic>
+        <p:nvPicPr>
+          <p:cNvPr id="4" name="圖片 3">
+            <a:extLst>
+              <a:ext uri="{FF2B5EF4-FFF2-40B4-BE49-F238E27FC236}">
+                <a16:creationId xmlns:a16="http://schemas.microsoft.com/office/drawing/2014/main" id="{525469A6-EFC4-9EF4-B016-3D0C9EB9DBA6}"/>
+              </a:ext>
+            </a:extLst>
+          </p:cNvPr>
+          <p:cNvPicPr>
+            <a:picLocks noChangeAspect="1"/>
+          </p:cNvPicPr>
+          <p:nvPr/>
+        </p:nvPicPr>
+        <p:blipFill>
+          <a:blip r:embed="rId6">
+            <a:extLst>
+              <a:ext uri="{28A0092B-C50C-407E-A947-70E740481C1C}">
+                <a14:useLocalDpi xmlns:a14="http://schemas.microsoft.com/office/drawing/2010/main" val="0"/>
+              </a:ext>
+            </a:extLst>
+          </a:blip>
+          <a:srcRect/>
+          <a:stretch/>
+        </p:blipFill>
+        <p:spPr>
+          <a:xfrm>
+            <a:off x="1880794" y="2204747"/>
+            <a:ext cx="4917715" cy="3278476"/>
+          </a:xfrm>
+          <a:prstGeom prst="rect">
+            <a:avLst/>
+          </a:prstGeom>
+        </p:spPr>
+      </p:pic>
+    </p:spTree>
+    <p:extLst>
+      <p:ext uri="{BB962C8B-B14F-4D97-AF65-F5344CB8AC3E}">
+        <p14:creationId xmlns:p14="http://schemas.microsoft.com/office/powerpoint/2010/main" val="2032560919"/>
+      </p:ext>
+    </p:extLst>
+  </p:cSld>
+  <p:clrMapOvr>
+    <a:masterClrMapping/>
+  </p:clrMapOvr>
+</p:sld>
+</file>
+
+<file path=ppt/slides/slide14.xml><?xml version="1.0" encoding="utf-8"?>
+<p:sld xmlns:a="http://schemas.openxmlformats.org/drawingml/2006/main" xmlns:r="http://schemas.openxmlformats.org/officeDocument/2006/relationships" xmlns:p="http://schemas.openxmlformats.org/presentationml/2006/main">
+  <p:cSld>
+    <p:spTree>
+      <p:nvGrpSpPr>
+        <p:cNvPr id="1" name="">
+          <a:extLst>
+            <a:ext uri="{FF2B5EF4-FFF2-40B4-BE49-F238E27FC236}">
+              <a16:creationId xmlns:a16="http://schemas.microsoft.com/office/drawing/2014/main" id="{1A55C57A-127C-C793-50A9-0522D20602DB}"/>
+            </a:ext>
+          </a:extLst>
+        </p:cNvPr>
+        <p:cNvGrpSpPr/>
+        <p:nvPr/>
+      </p:nvGrpSpPr>
+      <p:grpSpPr>
+        <a:xfrm>
+          <a:off x="0" y="0"/>
+          <a:ext cx="0" cy="0"/>
+          <a:chOff x="0" y="0"/>
+          <a:chExt cx="0" cy="0"/>
+        </a:xfrm>
+      </p:grpSpPr>
+      <p:pic>
+        <p:nvPicPr>
+          <p:cNvPr id="5" name="圖片 4" descr="一張含有 室內, 室內設計, 牆, 枕頭 的圖片&#10;&#10;自動產生的描述">
+            <a:extLst>
+              <a:ext uri="{FF2B5EF4-FFF2-40B4-BE49-F238E27FC236}">
+                <a16:creationId xmlns:a16="http://schemas.microsoft.com/office/drawing/2014/main" id="{7D146D5A-8932-DE18-E3A2-482AC0A2F3EF}"/>
+              </a:ext>
+            </a:extLst>
+          </p:cNvPr>
+          <p:cNvPicPr>
+            <a:picLocks noChangeAspect="1"/>
+          </p:cNvPicPr>
+          <p:nvPr/>
+        </p:nvPicPr>
+        <p:blipFill>
+          <a:blip r:embed="rId3">
+            <a:extLst>
+              <a:ext uri="{28A0092B-C50C-407E-A947-70E740481C1C}">
+                <a14:useLocalDpi xmlns:a14="http://schemas.microsoft.com/office/drawing/2010/main" val="0"/>
+              </a:ext>
+            </a:extLst>
+          </a:blip>
+          <a:stretch>
+            <a:fillRect/>
+          </a:stretch>
+        </p:blipFill>
+        <p:spPr>
+          <a:xfrm>
+            <a:off x="0" y="0"/>
+            <a:ext cx="12192000" cy="6858000"/>
+          </a:xfrm>
+          <a:prstGeom prst="rect">
+            <a:avLst/>
+          </a:prstGeom>
+        </p:spPr>
+      </p:pic>
+      <p:pic>
+        <p:nvPicPr>
+          <p:cNvPr id="6" name="圖片 5" descr="一張含有 螢幕擷取畫面, 設計 的圖片&#10;&#10;自動產生的描述">
+            <a:extLst>
+              <a:ext uri="{FF2B5EF4-FFF2-40B4-BE49-F238E27FC236}">
+                <a16:creationId xmlns:a16="http://schemas.microsoft.com/office/drawing/2014/main" id="{CF574010-8971-74A0-5138-0F9EF5E9B465}"/>
+              </a:ext>
+            </a:extLst>
+          </p:cNvPr>
+          <p:cNvPicPr>
+            <a:picLocks noChangeAspect="1"/>
+          </p:cNvPicPr>
+          <p:nvPr/>
+        </p:nvPicPr>
+        <p:blipFill>
+          <a:blip r:embed="rId4">
+            <a:extLst>
+              <a:ext uri="{28A0092B-C50C-407E-A947-70E740481C1C}">
+                <a14:useLocalDpi xmlns:a14="http://schemas.microsoft.com/office/drawing/2010/main" val="0"/>
+              </a:ext>
+            </a:extLst>
+          </a:blip>
+          <a:srcRect l="65500"/>
+          <a:stretch/>
+        </p:blipFill>
+        <p:spPr>
+          <a:xfrm flipH="1">
+            <a:off x="283464" y="-265150"/>
+            <a:ext cx="2862072" cy="7917784"/>
+          </a:xfrm>
+          <a:prstGeom prst="rect">
+            <a:avLst/>
+          </a:prstGeom>
+        </p:spPr>
+      </p:pic>
+      <p:sp>
+        <p:nvSpPr>
+          <p:cNvPr id="2" name="標題 1">
+            <a:extLst>
+              <a:ext uri="{FF2B5EF4-FFF2-40B4-BE49-F238E27FC236}">
+                <a16:creationId xmlns:a16="http://schemas.microsoft.com/office/drawing/2014/main" id="{F0E1C204-626F-FE71-5D91-99BB42B3C76C}"/>
+              </a:ext>
+            </a:extLst>
+          </p:cNvPr>
+          <p:cNvSpPr>
+            <a:spLocks noGrp="1"/>
+          </p:cNvSpPr>
+          <p:nvPr>
+            <p:ph type="ctrTitle"/>
+          </p:nvPr>
+        </p:nvSpPr>
+        <p:spPr>
+          <a:xfrm>
+            <a:off x="455582" y="-986523"/>
+            <a:ext cx="2467035" cy="2469896"/>
+          </a:xfrm>
+        </p:spPr>
+        <p:txBody>
+          <a:bodyPr>
+            <a:normAutofit/>
+          </a:bodyPr>
+          <a:lstStyle/>
+          <a:p>
+            <a:r>
+              <a:rPr lang="en-US" altLang="zh-TW" sz="9100" b="1" dirty="0">
+                <a:solidFill>
+                  <a:schemeClr val="accent2">
+                    <a:lumMod val="50000"/>
+                  </a:schemeClr>
+                </a:solidFill>
+                <a:latin typeface="Rastanty Cortez" panose="02000506000000020003" pitchFamily="2" charset="0"/>
+                <a:ea typeface="微軟正黑體 Light" panose="020B0304030504040204" pitchFamily="34" charset="-120"/>
+                <a:cs typeface="Nirmala UI" panose="020B0502040204020203" pitchFamily="34" charset="0"/>
+              </a:rPr>
+              <a:t>Ending</a:t>
+            </a:r>
+            <a:endParaRPr lang="zh-TW" altLang="en-US" sz="9100" b="1" dirty="0">
+              <a:solidFill>
+                <a:schemeClr val="accent2">
+                  <a:lumMod val="50000"/>
+                </a:schemeClr>
+              </a:solidFill>
+              <a:latin typeface="Rastanty Cortez" panose="02000506000000020003" pitchFamily="2" charset="0"/>
+              <a:ea typeface="微軟正黑體 Light" panose="020B0304030504040204" pitchFamily="34" charset="-120"/>
+              <a:cs typeface="Nirmala UI" panose="020B0502040204020203" pitchFamily="34" charset="0"/>
+            </a:endParaRPr>
+          </a:p>
+        </p:txBody>
+      </p:sp>
+      <p:sp>
+        <p:nvSpPr>
+          <p:cNvPr id="3" name="副標題 2">
+            <a:extLst>
+              <a:ext uri="{FF2B5EF4-FFF2-40B4-BE49-F238E27FC236}">
+                <a16:creationId xmlns:a16="http://schemas.microsoft.com/office/drawing/2014/main" id="{747E81A7-0B99-9C77-7C06-8C97EA0BE5C0}"/>
+              </a:ext>
+            </a:extLst>
+          </p:cNvPr>
+          <p:cNvSpPr>
+            <a:spLocks noGrp="1"/>
+          </p:cNvSpPr>
+          <p:nvPr>
+            <p:ph type="subTitle" idx="1"/>
+          </p:nvPr>
+        </p:nvSpPr>
+        <p:spPr/>
+        <p:txBody>
+          <a:bodyPr/>
+          <a:lstStyle/>
+          <a:p>
+            <a:endParaRPr lang="zh-TW" altLang="en-US" dirty="0"/>
+          </a:p>
+        </p:txBody>
+      </p:sp>
+      <p:pic>
+        <p:nvPicPr>
+          <p:cNvPr id="9" name="圖片 8" descr="一張含有 螢幕擷取畫面, 文字, 行動電話, 智慧型手機 的圖片&#10;&#10;自動產生的描述">
+            <a:extLst>
+              <a:ext uri="{FF2B5EF4-FFF2-40B4-BE49-F238E27FC236}">
+                <a16:creationId xmlns:a16="http://schemas.microsoft.com/office/drawing/2014/main" id="{00E2EB0C-9FAF-7EB4-EA76-DC3D7EA18FD1}"/>
+              </a:ext>
+            </a:extLst>
+          </p:cNvPr>
+          <p:cNvPicPr>
+            <a:picLocks noChangeAspect="1"/>
+          </p:cNvPicPr>
+          <p:nvPr/>
+        </p:nvPicPr>
+        <p:blipFill>
+          <a:blip r:embed="rId5">
+            <a:extLst>
+              <a:ext uri="{28A0092B-C50C-407E-A947-70E740481C1C}">
+                <a14:useLocalDpi xmlns:a14="http://schemas.microsoft.com/office/drawing/2010/main" val="0"/>
+              </a:ext>
+            </a:extLst>
+          </a:blip>
+          <a:stretch>
+            <a:fillRect/>
+          </a:stretch>
+        </p:blipFill>
+        <p:spPr>
+          <a:xfrm>
+            <a:off x="-1357076" y="463400"/>
+            <a:ext cx="11485659" cy="6460683"/>
+          </a:xfrm>
+          <a:prstGeom prst="rect">
+            <a:avLst/>
+          </a:prstGeom>
+        </p:spPr>
+      </p:pic>
+      <p:pic>
+        <p:nvPicPr>
+          <p:cNvPr id="4" name="圖片 3">
+            <a:extLst>
+              <a:ext uri="{FF2B5EF4-FFF2-40B4-BE49-F238E27FC236}">
+                <a16:creationId xmlns:a16="http://schemas.microsoft.com/office/drawing/2014/main" id="{885A333B-2EE1-3AF4-1B91-0D9F0A338188}"/>
+              </a:ext>
+            </a:extLst>
+          </p:cNvPr>
+          <p:cNvPicPr>
+            <a:picLocks noChangeAspect="1"/>
+          </p:cNvPicPr>
+          <p:nvPr/>
+        </p:nvPicPr>
+        <p:blipFill>
+          <a:blip r:embed="rId6">
+            <a:extLst>
+              <a:ext uri="{28A0092B-C50C-407E-A947-70E740481C1C}">
+                <a14:useLocalDpi xmlns:a14="http://schemas.microsoft.com/office/drawing/2010/main" val="0"/>
+              </a:ext>
+            </a:extLst>
+          </a:blip>
+          <a:srcRect/>
+          <a:stretch/>
+        </p:blipFill>
+        <p:spPr>
+          <a:xfrm>
+            <a:off x="1880077" y="2164080"/>
+            <a:ext cx="4906803" cy="3351379"/>
+          </a:xfrm>
+          <a:prstGeom prst="rect">
+            <a:avLst/>
+          </a:prstGeom>
+        </p:spPr>
+      </p:pic>
+    </p:spTree>
+    <p:extLst>
+      <p:ext uri="{BB962C8B-B14F-4D97-AF65-F5344CB8AC3E}">
+        <p14:creationId xmlns:p14="http://schemas.microsoft.com/office/powerpoint/2010/main" val="301872529"/>
+      </p:ext>
+    </p:extLst>
+  </p:cSld>
+  <p:clrMapOvr>
+    <a:masterClrMapping/>
+  </p:clrMapOvr>
+</p:sld>
+</file>
+
+<file path=ppt/slides/slide15.xml><?xml version="1.0" encoding="utf-8"?>
+<p:sld xmlns:a="http://schemas.openxmlformats.org/drawingml/2006/main" xmlns:r="http://schemas.openxmlformats.org/officeDocument/2006/relationships" xmlns:p="http://schemas.openxmlformats.org/presentationml/2006/main">
+  <p:cSld>
+    <p:spTree>
+      <p:nvGrpSpPr>
+        <p:cNvPr id="1" name="">
+          <a:extLst>
+            <a:ext uri="{FF2B5EF4-FFF2-40B4-BE49-F238E27FC236}">
+              <a16:creationId xmlns:a16="http://schemas.microsoft.com/office/drawing/2014/main" id="{E306FF82-376C-D203-A32A-5AAFA8C2574E}"/>
+            </a:ext>
+          </a:extLst>
+        </p:cNvPr>
+        <p:cNvGrpSpPr/>
+        <p:nvPr/>
+      </p:nvGrpSpPr>
+      <p:grpSpPr>
+        <a:xfrm>
+          <a:off x="0" y="0"/>
+          <a:ext cx="0" cy="0"/>
+          <a:chOff x="0" y="0"/>
+          <a:chExt cx="0" cy="0"/>
+        </a:xfrm>
+      </p:grpSpPr>
+      <p:pic>
+        <p:nvPicPr>
+          <p:cNvPr id="5" name="圖片 4" descr="一張含有 室內, 室內設計, 牆, 枕頭 的圖片&#10;&#10;自動產生的描述">
+            <a:extLst>
+              <a:ext uri="{FF2B5EF4-FFF2-40B4-BE49-F238E27FC236}">
+                <a16:creationId xmlns:a16="http://schemas.microsoft.com/office/drawing/2014/main" id="{69064398-4922-33D7-48C5-393E3FA7D38C}"/>
+              </a:ext>
+            </a:extLst>
+          </p:cNvPr>
+          <p:cNvPicPr>
+            <a:picLocks noChangeAspect="1"/>
+          </p:cNvPicPr>
+          <p:nvPr/>
+        </p:nvPicPr>
+        <p:blipFill>
+          <a:blip r:embed="rId3">
+            <a:extLst>
+              <a:ext uri="{28A0092B-C50C-407E-A947-70E740481C1C}">
+                <a14:useLocalDpi xmlns:a14="http://schemas.microsoft.com/office/drawing/2010/main" val="0"/>
+              </a:ext>
+            </a:extLst>
+          </a:blip>
+          <a:stretch>
+            <a:fillRect/>
+          </a:stretch>
+        </p:blipFill>
+        <p:spPr>
+          <a:xfrm>
+            <a:off x="0" y="0"/>
+            <a:ext cx="12192000" cy="6858000"/>
+          </a:xfrm>
+          <a:prstGeom prst="rect">
+            <a:avLst/>
+          </a:prstGeom>
+        </p:spPr>
+      </p:pic>
+      <p:pic>
+        <p:nvPicPr>
+          <p:cNvPr id="6" name="圖片 5" descr="一張含有 螢幕擷取畫面, 設計 的圖片&#10;&#10;自動產生的描述">
+            <a:extLst>
+              <a:ext uri="{FF2B5EF4-FFF2-40B4-BE49-F238E27FC236}">
+                <a16:creationId xmlns:a16="http://schemas.microsoft.com/office/drawing/2014/main" id="{671FB0BD-081C-9892-7848-DEC3DA6BB7A7}"/>
+              </a:ext>
+            </a:extLst>
+          </p:cNvPr>
+          <p:cNvPicPr>
+            <a:picLocks noChangeAspect="1"/>
+          </p:cNvPicPr>
+          <p:nvPr/>
+        </p:nvPicPr>
+        <p:blipFill>
+          <a:blip r:embed="rId4">
+            <a:extLst>
+              <a:ext uri="{28A0092B-C50C-407E-A947-70E740481C1C}">
+                <a14:useLocalDpi xmlns:a14="http://schemas.microsoft.com/office/drawing/2010/main" val="0"/>
+              </a:ext>
+            </a:extLst>
+          </a:blip>
+          <a:srcRect l="65500"/>
+          <a:stretch/>
+        </p:blipFill>
+        <p:spPr>
+          <a:xfrm flipH="1">
+            <a:off x="283464" y="-265150"/>
+            <a:ext cx="2862072" cy="7917784"/>
+          </a:xfrm>
+          <a:prstGeom prst="rect">
+            <a:avLst/>
+          </a:prstGeom>
+        </p:spPr>
+      </p:pic>
+      <p:sp>
+        <p:nvSpPr>
+          <p:cNvPr id="2" name="標題 1">
+            <a:extLst>
+              <a:ext uri="{FF2B5EF4-FFF2-40B4-BE49-F238E27FC236}">
+                <a16:creationId xmlns:a16="http://schemas.microsoft.com/office/drawing/2014/main" id="{2E81DFFA-7C60-FA07-5E11-E00E8838A75D}"/>
+              </a:ext>
+            </a:extLst>
+          </p:cNvPr>
+          <p:cNvSpPr>
+            <a:spLocks noGrp="1"/>
+          </p:cNvSpPr>
+          <p:nvPr>
+            <p:ph type="ctrTitle"/>
+          </p:nvPr>
+        </p:nvSpPr>
+        <p:spPr>
+          <a:xfrm>
+            <a:off x="455582" y="-986523"/>
+            <a:ext cx="2467035" cy="2469896"/>
+          </a:xfrm>
+        </p:spPr>
+        <p:txBody>
+          <a:bodyPr>
+            <a:normAutofit/>
+          </a:bodyPr>
+          <a:lstStyle/>
+          <a:p>
+            <a:r>
+              <a:rPr lang="en-US" altLang="zh-TW" sz="9100" b="1" dirty="0">
+                <a:solidFill>
+                  <a:schemeClr val="accent2">
+                    <a:lumMod val="50000"/>
+                  </a:schemeClr>
+                </a:solidFill>
+                <a:latin typeface="Rastanty Cortez" panose="02000506000000020003" pitchFamily="2" charset="0"/>
+                <a:ea typeface="微軟正黑體 Light" panose="020B0304030504040204" pitchFamily="34" charset="-120"/>
+                <a:cs typeface="Nirmala UI" panose="020B0502040204020203" pitchFamily="34" charset="0"/>
+              </a:rPr>
+              <a:t>Ending</a:t>
+            </a:r>
+            <a:endParaRPr lang="zh-TW" altLang="en-US" sz="9100" b="1" dirty="0">
+              <a:solidFill>
+                <a:schemeClr val="accent2">
+                  <a:lumMod val="50000"/>
+                </a:schemeClr>
+              </a:solidFill>
+              <a:latin typeface="Rastanty Cortez" panose="02000506000000020003" pitchFamily="2" charset="0"/>
+              <a:ea typeface="微軟正黑體 Light" panose="020B0304030504040204" pitchFamily="34" charset="-120"/>
+              <a:cs typeface="Nirmala UI" panose="020B0502040204020203" pitchFamily="34" charset="0"/>
+            </a:endParaRPr>
+          </a:p>
+        </p:txBody>
+      </p:sp>
+      <p:sp>
+        <p:nvSpPr>
+          <p:cNvPr id="3" name="副標題 2">
+            <a:extLst>
+              <a:ext uri="{FF2B5EF4-FFF2-40B4-BE49-F238E27FC236}">
+                <a16:creationId xmlns:a16="http://schemas.microsoft.com/office/drawing/2014/main" id="{4FBA475D-2BC0-14AF-574B-5577A6B920BA}"/>
+              </a:ext>
+            </a:extLst>
+          </p:cNvPr>
+          <p:cNvSpPr>
+            <a:spLocks noGrp="1"/>
+          </p:cNvSpPr>
+          <p:nvPr>
+            <p:ph type="subTitle" idx="1"/>
+          </p:nvPr>
+        </p:nvSpPr>
+        <p:spPr/>
+        <p:txBody>
+          <a:bodyPr/>
+          <a:lstStyle/>
+          <a:p>
+            <a:endParaRPr lang="zh-TW" altLang="en-US" dirty="0"/>
+          </a:p>
+        </p:txBody>
+      </p:sp>
+      <p:pic>
+        <p:nvPicPr>
+          <p:cNvPr id="9" name="圖片 8" descr="一張含有 螢幕擷取畫面, 文字, 行動電話, 智慧型手機 的圖片&#10;&#10;自動產生的描述">
+            <a:extLst>
+              <a:ext uri="{FF2B5EF4-FFF2-40B4-BE49-F238E27FC236}">
+                <a16:creationId xmlns:a16="http://schemas.microsoft.com/office/drawing/2014/main" id="{89C06CA2-9E47-581A-6223-5E0427A7DC27}"/>
+              </a:ext>
+            </a:extLst>
+          </p:cNvPr>
+          <p:cNvPicPr>
+            <a:picLocks noChangeAspect="1"/>
+          </p:cNvPicPr>
+          <p:nvPr/>
+        </p:nvPicPr>
+        <p:blipFill>
+          <a:blip r:embed="rId5">
+            <a:extLst>
+              <a:ext uri="{28A0092B-C50C-407E-A947-70E740481C1C}">
+                <a14:useLocalDpi xmlns:a14="http://schemas.microsoft.com/office/drawing/2010/main" val="0"/>
+              </a:ext>
+            </a:extLst>
+          </a:blip>
+          <a:stretch>
+            <a:fillRect/>
+          </a:stretch>
+        </p:blipFill>
+        <p:spPr>
+          <a:xfrm>
+            <a:off x="-1357076" y="463400"/>
+            <a:ext cx="11485659" cy="6460683"/>
+          </a:xfrm>
+          <a:prstGeom prst="rect">
+            <a:avLst/>
+          </a:prstGeom>
+        </p:spPr>
+      </p:pic>
+      <p:pic>
+        <p:nvPicPr>
+          <p:cNvPr id="4" name="圖片 3">
+            <a:extLst>
+              <a:ext uri="{FF2B5EF4-FFF2-40B4-BE49-F238E27FC236}">
+                <a16:creationId xmlns:a16="http://schemas.microsoft.com/office/drawing/2014/main" id="{31832D94-645A-4947-B734-7D4C7EC8952B}"/>
+              </a:ext>
+            </a:extLst>
+          </p:cNvPr>
+          <p:cNvPicPr>
+            <a:picLocks noChangeAspect="1"/>
+          </p:cNvPicPr>
+          <p:nvPr/>
+        </p:nvPicPr>
+        <p:blipFill>
+          <a:blip r:embed="rId6">
+            <a:extLst>
+              <a:ext uri="{28A0092B-C50C-407E-A947-70E740481C1C}">
+                <a14:useLocalDpi xmlns:a14="http://schemas.microsoft.com/office/drawing/2010/main" val="0"/>
+              </a:ext>
+            </a:extLst>
+          </a:blip>
+          <a:srcRect/>
+          <a:stretch/>
+        </p:blipFill>
+        <p:spPr>
+          <a:xfrm>
+            <a:off x="1880794" y="2204746"/>
+            <a:ext cx="4917717" cy="3278477"/>
+          </a:xfrm>
+          <a:prstGeom prst="rect">
+            <a:avLst/>
+          </a:prstGeom>
+        </p:spPr>
+      </p:pic>
+    </p:spTree>
+    <p:extLst>
+      <p:ext uri="{BB962C8B-B14F-4D97-AF65-F5344CB8AC3E}">
+        <p14:creationId xmlns:p14="http://schemas.microsoft.com/office/powerpoint/2010/main" val="934461599"/>
+      </p:ext>
+    </p:extLst>
+  </p:cSld>
+  <p:clrMapOvr>
+    <a:masterClrMapping/>
+  </p:clrMapOvr>
+</p:sld>
+</file>
+
+<file path=ppt/slides/slide2.xml><?xml version="1.0" encoding="utf-8"?>
+<p:sld xmlns:a="http://schemas.openxmlformats.org/drawingml/2006/main" xmlns:r="http://schemas.openxmlformats.org/officeDocument/2006/relationships" xmlns:p="http://schemas.openxmlformats.org/presentationml/2006/main">
+  <p:cSld>
+    <p:spTree>
+      <p:nvGrpSpPr>
+        <p:cNvPr id="1" name="">
+          <a:extLst>
+            <a:ext uri="{FF2B5EF4-FFF2-40B4-BE49-F238E27FC236}">
+              <a16:creationId xmlns:a16="http://schemas.microsoft.com/office/drawing/2014/main" id="{9EB8AAB0-79C5-7E1A-EFC9-BE0743D0D9BB}"/>
+            </a:ext>
+          </a:extLst>
+        </p:cNvPr>
+        <p:cNvGrpSpPr/>
+        <p:nvPr/>
+      </p:nvGrpSpPr>
+      <p:grpSpPr>
+        <a:xfrm>
+          <a:off x="0" y="0"/>
+          <a:ext cx="0" cy="0"/>
+          <a:chOff x="0" y="0"/>
+          <a:chExt cx="0" cy="0"/>
+        </a:xfrm>
+      </p:grpSpPr>
+      <p:pic>
+        <p:nvPicPr>
+          <p:cNvPr id="5" name="圖片 4" descr="一張含有 室內, 室內設計, 牆, 枕頭 的圖片&#10;&#10;自動產生的描述">
+            <a:extLst>
+              <a:ext uri="{FF2B5EF4-FFF2-40B4-BE49-F238E27FC236}">
+                <a16:creationId xmlns:a16="http://schemas.microsoft.com/office/drawing/2014/main" id="{2D90C508-1B9C-0F9C-C429-BD88F517B343}"/>
+              </a:ext>
+            </a:extLst>
+          </p:cNvPr>
+          <p:cNvPicPr>
+            <a:picLocks noChangeAspect="1"/>
+          </p:cNvPicPr>
+          <p:nvPr/>
+        </p:nvPicPr>
+        <p:blipFill>
+          <a:blip r:embed="rId3">
+            <a:extLst>
+              <a:ext uri="{28A0092B-C50C-407E-A947-70E740481C1C}">
+                <a14:useLocalDpi xmlns:a14="http://schemas.microsoft.com/office/drawing/2010/main" val="0"/>
+              </a:ext>
+            </a:extLst>
+          </a:blip>
+          <a:stretch>
+            <a:fillRect/>
+          </a:stretch>
+        </p:blipFill>
+        <p:spPr>
+          <a:xfrm>
+            <a:off x="0" y="0"/>
+            <a:ext cx="12192000" cy="6858000"/>
+          </a:xfrm>
+          <a:prstGeom prst="rect">
+            <a:avLst/>
+          </a:prstGeom>
+        </p:spPr>
+      </p:pic>
+      <p:pic>
+        <p:nvPicPr>
+          <p:cNvPr id="6" name="圖片 5" descr="一張含有 螢幕擷取畫面, 設計 的圖片&#10;&#10;自動產生的描述">
+            <a:extLst>
+              <a:ext uri="{FF2B5EF4-FFF2-40B4-BE49-F238E27FC236}">
+                <a16:creationId xmlns:a16="http://schemas.microsoft.com/office/drawing/2014/main" id="{CFB9AB18-406E-6FBD-B1BE-4FBAFFA3EE14}"/>
+              </a:ext>
+            </a:extLst>
+          </p:cNvPr>
+          <p:cNvPicPr>
+            <a:picLocks noChangeAspect="1"/>
+          </p:cNvPicPr>
+          <p:nvPr/>
+        </p:nvPicPr>
+        <p:blipFill>
+          <a:blip r:embed="rId4">
+            <a:extLst>
+              <a:ext uri="{28A0092B-C50C-407E-A947-70E740481C1C}">
+                <a14:useLocalDpi xmlns:a14="http://schemas.microsoft.com/office/drawing/2010/main" val="0"/>
+              </a:ext>
+            </a:extLst>
+          </a:blip>
+          <a:srcRect l="65500"/>
+          <a:stretch/>
+        </p:blipFill>
+        <p:spPr>
+          <a:xfrm flipH="1">
+            <a:off x="283464" y="-265150"/>
+            <a:ext cx="2862072" cy="7917784"/>
+          </a:xfrm>
+          <a:prstGeom prst="rect">
+            <a:avLst/>
+          </a:prstGeom>
+        </p:spPr>
+      </p:pic>
+      <p:sp>
+        <p:nvSpPr>
+          <p:cNvPr id="2" name="標題 1">
+            <a:extLst>
+              <a:ext uri="{FF2B5EF4-FFF2-40B4-BE49-F238E27FC236}">
+                <a16:creationId xmlns:a16="http://schemas.microsoft.com/office/drawing/2014/main" id="{7F1AE4FE-2AF9-6E2D-DC2B-B7855F1763E0}"/>
+              </a:ext>
+            </a:extLst>
+          </p:cNvPr>
+          <p:cNvSpPr>
+            <a:spLocks noGrp="1"/>
+          </p:cNvSpPr>
+          <p:nvPr>
+            <p:ph type="ctrTitle"/>
+          </p:nvPr>
+        </p:nvSpPr>
+        <p:spPr>
+          <a:xfrm>
+            <a:off x="945522" y="-1080008"/>
+            <a:ext cx="2071998" cy="2469896"/>
+          </a:xfrm>
+        </p:spPr>
+        <p:txBody>
+          <a:bodyPr>
+            <a:normAutofit/>
+          </a:bodyPr>
+          <a:lstStyle/>
+          <a:p>
+            <a:pPr algn="l"/>
+            <a:r>
+              <a:rPr lang="en-US" altLang="zh-TW" sz="9100" b="1" dirty="0">
+                <a:solidFill>
+                  <a:schemeClr val="accent2">
+                    <a:lumMod val="50000"/>
+                  </a:schemeClr>
+                </a:solidFill>
+                <a:latin typeface="Rastanty Cortez" panose="02000506000000020003" pitchFamily="2" charset="0"/>
+                <a:ea typeface="微軟正黑體 Light" panose="020B0304030504040204" pitchFamily="34" charset="-120"/>
+                <a:cs typeface="Nirmala UI" panose="020B0502040204020203" pitchFamily="34" charset="0"/>
+              </a:rPr>
+              <a:t>Aim</a:t>
+            </a:r>
+            <a:endParaRPr lang="zh-TW" altLang="en-US" sz="9100" b="1" dirty="0">
+              <a:solidFill>
+                <a:schemeClr val="accent2">
+                  <a:lumMod val="50000"/>
+                </a:schemeClr>
+              </a:solidFill>
+              <a:latin typeface="Rastanty Cortez" panose="02000506000000020003" pitchFamily="2" charset="0"/>
+              <a:ea typeface="微軟正黑體 Light" panose="020B0304030504040204" pitchFamily="34" charset="-120"/>
+              <a:cs typeface="Nirmala UI" panose="020B0502040204020203" pitchFamily="34" charset="0"/>
+            </a:endParaRPr>
+          </a:p>
+        </p:txBody>
+      </p:sp>
+      <p:sp>
+        <p:nvSpPr>
+          <p:cNvPr id="3" name="副標題 2">
+            <a:extLst>
+              <a:ext uri="{FF2B5EF4-FFF2-40B4-BE49-F238E27FC236}">
+                <a16:creationId xmlns:a16="http://schemas.microsoft.com/office/drawing/2014/main" id="{BCF37AE6-9D7A-F7EA-930C-6DD4ACFE18B7}"/>
+              </a:ext>
+            </a:extLst>
+          </p:cNvPr>
+          <p:cNvSpPr>
+            <a:spLocks noGrp="1"/>
+          </p:cNvSpPr>
+          <p:nvPr>
+            <p:ph type="subTitle" idx="1"/>
+          </p:nvPr>
+        </p:nvSpPr>
+        <p:spPr/>
+        <p:txBody>
+          <a:bodyPr/>
+          <a:lstStyle/>
+          <a:p>
+            <a:endParaRPr lang="zh-TW" altLang="en-US" dirty="0"/>
+          </a:p>
+        </p:txBody>
+      </p:sp>
+      <p:pic>
+        <p:nvPicPr>
+          <p:cNvPr id="9" name="圖片 8" descr="一張含有 螢幕擷取畫面, 文字, 行動電話, 智慧型手機 的圖片&#10;&#10;自動產生的描述">
+            <a:extLst>
+              <a:ext uri="{FF2B5EF4-FFF2-40B4-BE49-F238E27FC236}">
+                <a16:creationId xmlns:a16="http://schemas.microsoft.com/office/drawing/2014/main" id="{418B3785-D9D2-8C91-7865-65E65927BB8C}"/>
+              </a:ext>
+            </a:extLst>
+          </p:cNvPr>
+          <p:cNvPicPr>
+            <a:picLocks noChangeAspect="1"/>
+          </p:cNvPicPr>
+          <p:nvPr/>
+        </p:nvPicPr>
+        <p:blipFill>
+          <a:blip r:embed="rId5">
+            <a:extLst>
+              <a:ext uri="{28A0092B-C50C-407E-A947-70E740481C1C}">
+                <a14:useLocalDpi xmlns:a14="http://schemas.microsoft.com/office/drawing/2010/main" val="0"/>
+              </a:ext>
+            </a:extLst>
+          </a:blip>
+          <a:stretch>
+            <a:fillRect/>
+          </a:stretch>
+        </p:blipFill>
+        <p:spPr>
+          <a:xfrm>
+            <a:off x="-1357076" y="463400"/>
+            <a:ext cx="11485659" cy="6460683"/>
+          </a:xfrm>
+          <a:prstGeom prst="rect">
+            <a:avLst/>
+          </a:prstGeom>
+        </p:spPr>
+      </p:pic>
+      <p:pic>
+        <p:nvPicPr>
+          <p:cNvPr id="7" name="圖片 6">
+            <a:extLst>
+              <a:ext uri="{FF2B5EF4-FFF2-40B4-BE49-F238E27FC236}">
+                <a16:creationId xmlns:a16="http://schemas.microsoft.com/office/drawing/2014/main" id="{72611E1B-1C5A-A756-184E-F7A5C7A07143}"/>
+              </a:ext>
+            </a:extLst>
+          </p:cNvPr>
+          <p:cNvPicPr>
+            <a:picLocks noChangeAspect="1"/>
+          </p:cNvPicPr>
+          <p:nvPr/>
+        </p:nvPicPr>
+        <p:blipFill>
+          <a:blip r:embed="rId6">
+            <a:extLst>
+              <a:ext uri="{28A0092B-C50C-407E-A947-70E740481C1C}">
+                <a14:useLocalDpi xmlns:a14="http://schemas.microsoft.com/office/drawing/2010/main" val="0"/>
+              </a:ext>
+            </a:extLst>
+          </a:blip>
+          <a:srcRect/>
+          <a:stretch/>
+        </p:blipFill>
+        <p:spPr>
+          <a:xfrm>
+            <a:off x="1880794" y="2204747"/>
+            <a:ext cx="4917717" cy="3278478"/>
+          </a:xfrm>
+          <a:prstGeom prst="rect">
+            <a:avLst/>
+          </a:prstGeom>
+        </p:spPr>
+      </p:pic>
+    </p:spTree>
+    <p:extLst>
+      <p:ext uri="{BB962C8B-B14F-4D97-AF65-F5344CB8AC3E}">
+        <p14:creationId xmlns:p14="http://schemas.microsoft.com/office/powerpoint/2010/main" val="1573810981"/>
+      </p:ext>
+    </p:extLst>
+  </p:cSld>
+  <p:clrMapOvr>
+    <a:masterClrMapping/>
+  </p:clrMapOvr>
+</p:sld>
+</file>
+
+<file path=ppt/slides/slide3.xml><?xml version="1.0" encoding="utf-8"?>
+<p:sld xmlns:a="http://schemas.openxmlformats.org/drawingml/2006/main" xmlns:r="http://schemas.openxmlformats.org/officeDocument/2006/relationships" xmlns:p="http://schemas.openxmlformats.org/presentationml/2006/main">
+  <p:cSld>
+    <p:spTree>
+      <p:nvGrpSpPr>
+        <p:cNvPr id="1" name="">
+          <a:extLst>
+            <a:ext uri="{FF2B5EF4-FFF2-40B4-BE49-F238E27FC236}">
+              <a16:creationId xmlns:a16="http://schemas.microsoft.com/office/drawing/2014/main" id="{F2AFCA86-4EF5-B8AF-66EA-78B79BBDA9C4}"/>
+            </a:ext>
+          </a:extLst>
+        </p:cNvPr>
+        <p:cNvGrpSpPr/>
+        <p:nvPr/>
+      </p:nvGrpSpPr>
+      <p:grpSpPr>
+        <a:xfrm>
+          <a:off x="0" y="0"/>
+          <a:ext cx="0" cy="0"/>
+          <a:chOff x="0" y="0"/>
+          <a:chExt cx="0" cy="0"/>
+        </a:xfrm>
+      </p:grpSpPr>
+      <p:pic>
+        <p:nvPicPr>
+          <p:cNvPr id="5" name="圖片 4" descr="一張含有 室內, 室內設計, 牆, 枕頭 的圖片&#10;&#10;自動產生的描述">
+            <a:extLst>
+              <a:ext uri="{FF2B5EF4-FFF2-40B4-BE49-F238E27FC236}">
+                <a16:creationId xmlns:a16="http://schemas.microsoft.com/office/drawing/2014/main" id="{69E3A072-4FE4-61A5-146E-667E2C368296}"/>
+              </a:ext>
+            </a:extLst>
+          </p:cNvPr>
+          <p:cNvPicPr>
+            <a:picLocks noChangeAspect="1"/>
+          </p:cNvPicPr>
+          <p:nvPr/>
+        </p:nvPicPr>
+        <p:blipFill>
+          <a:blip r:embed="rId3">
+            <a:extLst>
+              <a:ext uri="{28A0092B-C50C-407E-A947-70E740481C1C}">
+                <a14:useLocalDpi xmlns:a14="http://schemas.microsoft.com/office/drawing/2010/main" val="0"/>
+              </a:ext>
+            </a:extLst>
+          </a:blip>
+          <a:stretch>
+            <a:fillRect/>
+          </a:stretch>
+        </p:blipFill>
+        <p:spPr>
+          <a:xfrm>
+            <a:off x="0" y="0"/>
+            <a:ext cx="12192000" cy="6858000"/>
+          </a:xfrm>
+          <a:prstGeom prst="rect">
+            <a:avLst/>
+          </a:prstGeom>
+        </p:spPr>
+      </p:pic>
+      <p:pic>
+        <p:nvPicPr>
+          <p:cNvPr id="6" name="圖片 5" descr="一張含有 螢幕擷取畫面, 設計 的圖片&#10;&#10;自動產生的描述">
+            <a:extLst>
+              <a:ext uri="{FF2B5EF4-FFF2-40B4-BE49-F238E27FC236}">
+                <a16:creationId xmlns:a16="http://schemas.microsoft.com/office/drawing/2014/main" id="{21A1F137-84F1-2DD9-0A65-A2753F08D7F7}"/>
+              </a:ext>
+            </a:extLst>
+          </p:cNvPr>
+          <p:cNvPicPr>
+            <a:picLocks noChangeAspect="1"/>
+          </p:cNvPicPr>
+          <p:nvPr/>
+        </p:nvPicPr>
+        <p:blipFill>
+          <a:blip r:embed="rId4">
+            <a:extLst>
+              <a:ext uri="{28A0092B-C50C-407E-A947-70E740481C1C}">
+                <a14:useLocalDpi xmlns:a14="http://schemas.microsoft.com/office/drawing/2010/main" val="0"/>
+              </a:ext>
+            </a:extLst>
+          </a:blip>
+          <a:srcRect l="65500"/>
+          <a:stretch/>
+        </p:blipFill>
+        <p:spPr>
+          <a:xfrm flipH="1">
+            <a:off x="283464" y="-265150"/>
+            <a:ext cx="2862072" cy="7917784"/>
+          </a:xfrm>
+          <a:prstGeom prst="rect">
+            <a:avLst/>
+          </a:prstGeom>
+        </p:spPr>
+      </p:pic>
+      <p:sp>
+        <p:nvSpPr>
+          <p:cNvPr id="2" name="標題 1">
+            <a:extLst>
+              <a:ext uri="{FF2B5EF4-FFF2-40B4-BE49-F238E27FC236}">
+                <a16:creationId xmlns:a16="http://schemas.microsoft.com/office/drawing/2014/main" id="{65B536BC-C5AA-4CCA-487C-AC230976B777}"/>
+              </a:ext>
+            </a:extLst>
+          </p:cNvPr>
+          <p:cNvSpPr>
+            <a:spLocks noGrp="1"/>
+          </p:cNvSpPr>
+          <p:nvPr>
+            <p:ph type="ctrTitle"/>
+          </p:nvPr>
+        </p:nvSpPr>
+        <p:spPr>
+          <a:xfrm>
+            <a:off x="546100" y="-1067308"/>
+            <a:ext cx="2331720" cy="2469896"/>
+          </a:xfrm>
+        </p:spPr>
+        <p:txBody>
+          <a:bodyPr>
+            <a:normAutofit fontScale="90000"/>
+          </a:bodyPr>
+          <a:lstStyle/>
+          <a:p>
+            <a:pPr algn="l"/>
+            <a:r>
+              <a:rPr lang="en-US" altLang="zh-TW" sz="9100" b="1" dirty="0">
+                <a:solidFill>
+                  <a:schemeClr val="accent2">
+                    <a:lumMod val="50000"/>
+                  </a:schemeClr>
+                </a:solidFill>
+                <a:latin typeface="Rastanty Cortez" panose="02000506000000020003" pitchFamily="2" charset="0"/>
+                <a:ea typeface="微軟正黑體 Light" panose="020B0304030504040204" pitchFamily="34" charset="-120"/>
+                <a:cs typeface="Nirmala UI" panose="020B0502040204020203" pitchFamily="34" charset="0"/>
+              </a:rPr>
+              <a:t>Obstacle</a:t>
+            </a:r>
+            <a:endParaRPr lang="zh-TW" altLang="en-US" sz="9100" b="1" dirty="0">
+              <a:solidFill>
+                <a:schemeClr val="accent2">
+                  <a:lumMod val="50000"/>
+                </a:schemeClr>
+              </a:solidFill>
+              <a:latin typeface="Rastanty Cortez" panose="02000506000000020003" pitchFamily="2" charset="0"/>
+              <a:ea typeface="微軟正黑體 Light" panose="020B0304030504040204" pitchFamily="34" charset="-120"/>
+              <a:cs typeface="Nirmala UI" panose="020B0502040204020203" pitchFamily="34" charset="0"/>
+            </a:endParaRPr>
+          </a:p>
+        </p:txBody>
+      </p:sp>
+      <p:sp>
+        <p:nvSpPr>
+          <p:cNvPr id="3" name="副標題 2">
+            <a:extLst>
+              <a:ext uri="{FF2B5EF4-FFF2-40B4-BE49-F238E27FC236}">
+                <a16:creationId xmlns:a16="http://schemas.microsoft.com/office/drawing/2014/main" id="{59B5B36D-1516-ED42-C3DF-F9395346E3E3}"/>
+              </a:ext>
+            </a:extLst>
+          </p:cNvPr>
+          <p:cNvSpPr>
+            <a:spLocks noGrp="1"/>
+          </p:cNvSpPr>
+          <p:nvPr>
+            <p:ph type="subTitle" idx="1"/>
+          </p:nvPr>
+        </p:nvSpPr>
+        <p:spPr/>
+        <p:txBody>
+          <a:bodyPr/>
+          <a:lstStyle/>
+          <a:p>
+            <a:endParaRPr lang="zh-TW" altLang="en-US" dirty="0"/>
+          </a:p>
+        </p:txBody>
+      </p:sp>
+      <p:pic>
+        <p:nvPicPr>
+          <p:cNvPr id="9" name="圖片 8" descr="一張含有 螢幕擷取畫面, 文字, 行動電話, 智慧型手機 的圖片&#10;&#10;自動產生的描述">
+            <a:extLst>
+              <a:ext uri="{FF2B5EF4-FFF2-40B4-BE49-F238E27FC236}">
+                <a16:creationId xmlns:a16="http://schemas.microsoft.com/office/drawing/2014/main" id="{72AF137D-FB8B-6B73-2A01-47F3092CF962}"/>
+              </a:ext>
+            </a:extLst>
+          </p:cNvPr>
+          <p:cNvPicPr>
+            <a:picLocks noChangeAspect="1"/>
+          </p:cNvPicPr>
+          <p:nvPr/>
+        </p:nvPicPr>
+        <p:blipFill>
+          <a:blip r:embed="rId5">
+            <a:extLst>
+              <a:ext uri="{28A0092B-C50C-407E-A947-70E740481C1C}">
+                <a14:useLocalDpi xmlns:a14="http://schemas.microsoft.com/office/drawing/2010/main" val="0"/>
+              </a:ext>
+            </a:extLst>
+          </a:blip>
+          <a:stretch>
+            <a:fillRect/>
+          </a:stretch>
+        </p:blipFill>
+        <p:spPr>
+          <a:xfrm>
+            <a:off x="-1357076" y="463400"/>
+            <a:ext cx="11485659" cy="6460683"/>
+          </a:xfrm>
+          <a:prstGeom prst="rect">
+            <a:avLst/>
+          </a:prstGeom>
+        </p:spPr>
+      </p:pic>
+      <p:pic>
+        <p:nvPicPr>
+          <p:cNvPr id="7" name="圖片 6">
+            <a:extLst>
+              <a:ext uri="{FF2B5EF4-FFF2-40B4-BE49-F238E27FC236}">
+                <a16:creationId xmlns:a16="http://schemas.microsoft.com/office/drawing/2014/main" id="{9B65D782-2DA0-C147-51E8-9A27A33FFD07}"/>
+              </a:ext>
+            </a:extLst>
+          </p:cNvPr>
+          <p:cNvPicPr>
+            <a:picLocks noChangeAspect="1"/>
+          </p:cNvPicPr>
+          <p:nvPr/>
+        </p:nvPicPr>
+        <p:blipFill>
+          <a:blip r:embed="rId6">
+            <a:extLst>
+              <a:ext uri="{28A0092B-C50C-407E-A947-70E740481C1C}">
+                <a14:useLocalDpi xmlns:a14="http://schemas.microsoft.com/office/drawing/2010/main" val="0"/>
+              </a:ext>
+            </a:extLst>
+          </a:blip>
+          <a:srcRect/>
+          <a:stretch/>
+        </p:blipFill>
+        <p:spPr>
+          <a:xfrm>
+            <a:off x="1880794" y="2204747"/>
+            <a:ext cx="4917716" cy="3278478"/>
+          </a:xfrm>
+          <a:prstGeom prst="rect">
+            <a:avLst/>
+          </a:prstGeom>
+        </p:spPr>
+      </p:pic>
+    </p:spTree>
+    <p:extLst>
+      <p:ext uri="{BB962C8B-B14F-4D97-AF65-F5344CB8AC3E}">
+        <p14:creationId xmlns:p14="http://schemas.microsoft.com/office/powerpoint/2010/main" val="1073575330"/>
+      </p:ext>
+    </p:extLst>
+  </p:cSld>
+  <p:clrMapOvr>
+    <a:masterClrMapping/>
+  </p:clrMapOvr>
+</p:sld>
+</file>
+
+<file path=ppt/slides/slide4.xml><?xml version="1.0" encoding="utf-8"?>
+<p:sld xmlns:a="http://schemas.openxmlformats.org/drawingml/2006/main" xmlns:r="http://schemas.openxmlformats.org/officeDocument/2006/relationships" xmlns:p="http://schemas.openxmlformats.org/presentationml/2006/main">
+  <p:cSld>
+    <p:spTree>
+      <p:nvGrpSpPr>
+        <p:cNvPr id="1" name="">
+          <a:extLst>
+            <a:ext uri="{FF2B5EF4-FFF2-40B4-BE49-F238E27FC236}">
+              <a16:creationId xmlns:a16="http://schemas.microsoft.com/office/drawing/2014/main" id="{035B7C98-34C4-D04C-0557-7E193DDE2443}"/>
+            </a:ext>
+          </a:extLst>
+        </p:cNvPr>
+        <p:cNvGrpSpPr/>
+        <p:nvPr/>
+      </p:nvGrpSpPr>
+      <p:grpSpPr>
+        <a:xfrm>
+          <a:off x="0" y="0"/>
+          <a:ext cx="0" cy="0"/>
+          <a:chOff x="0" y="0"/>
+          <a:chExt cx="0" cy="0"/>
+        </a:xfrm>
+      </p:grpSpPr>
+      <p:pic>
+        <p:nvPicPr>
+          <p:cNvPr id="5" name="圖片 4" descr="一張含有 室內, 室內設計, 牆, 枕頭 的圖片&#10;&#10;自動產生的描述">
+            <a:extLst>
+              <a:ext uri="{FF2B5EF4-FFF2-40B4-BE49-F238E27FC236}">
+                <a16:creationId xmlns:a16="http://schemas.microsoft.com/office/drawing/2014/main" id="{138F60F1-7268-F0BD-FA7D-698BAC9D00CA}"/>
+              </a:ext>
+            </a:extLst>
+          </p:cNvPr>
+          <p:cNvPicPr>
+            <a:picLocks noChangeAspect="1"/>
+          </p:cNvPicPr>
+          <p:nvPr/>
+        </p:nvPicPr>
+        <p:blipFill>
+          <a:blip r:embed="rId3">
+            <a:extLst>
+              <a:ext uri="{28A0092B-C50C-407E-A947-70E740481C1C}">
+                <a14:useLocalDpi xmlns:a14="http://schemas.microsoft.com/office/drawing/2010/main" val="0"/>
+              </a:ext>
+            </a:extLst>
+          </a:blip>
+          <a:stretch>
+            <a:fillRect/>
+          </a:stretch>
+        </p:blipFill>
+        <p:spPr>
+          <a:xfrm>
+            <a:off x="0" y="0"/>
+            <a:ext cx="12192000" cy="6858000"/>
+          </a:xfrm>
+          <a:prstGeom prst="rect">
+            <a:avLst/>
+          </a:prstGeom>
+        </p:spPr>
+      </p:pic>
+      <p:pic>
+        <p:nvPicPr>
+          <p:cNvPr id="6" name="圖片 5" descr="一張含有 螢幕擷取畫面, 設計 的圖片&#10;&#10;自動產生的描述">
+            <a:extLst>
+              <a:ext uri="{FF2B5EF4-FFF2-40B4-BE49-F238E27FC236}">
+                <a16:creationId xmlns:a16="http://schemas.microsoft.com/office/drawing/2014/main" id="{A5F7358E-1994-CF69-CB83-7F6EA993F103}"/>
+              </a:ext>
+            </a:extLst>
+          </p:cNvPr>
+          <p:cNvPicPr>
+            <a:picLocks noChangeAspect="1"/>
+          </p:cNvPicPr>
+          <p:nvPr/>
+        </p:nvPicPr>
+        <p:blipFill>
+          <a:blip r:embed="rId4">
+            <a:extLst>
+              <a:ext uri="{28A0092B-C50C-407E-A947-70E740481C1C}">
+                <a14:useLocalDpi xmlns:a14="http://schemas.microsoft.com/office/drawing/2010/main" val="0"/>
+              </a:ext>
+            </a:extLst>
+          </a:blip>
+          <a:srcRect l="65500"/>
+          <a:stretch/>
+        </p:blipFill>
+        <p:spPr>
+          <a:xfrm flipH="1">
+            <a:off x="283464" y="-265150"/>
+            <a:ext cx="2862072" cy="7917784"/>
+          </a:xfrm>
+          <a:prstGeom prst="rect">
+            <a:avLst/>
+          </a:prstGeom>
+        </p:spPr>
+      </p:pic>
+      <p:sp>
+        <p:nvSpPr>
+          <p:cNvPr id="2" name="標題 1">
+            <a:extLst>
+              <a:ext uri="{FF2B5EF4-FFF2-40B4-BE49-F238E27FC236}">
+                <a16:creationId xmlns:a16="http://schemas.microsoft.com/office/drawing/2014/main" id="{11E731E8-8D4D-802F-4A7E-B2B610107527}"/>
+              </a:ext>
+            </a:extLst>
+          </p:cNvPr>
+          <p:cNvSpPr>
+            <a:spLocks noGrp="1"/>
+          </p:cNvSpPr>
+          <p:nvPr>
+            <p:ph type="ctrTitle"/>
+          </p:nvPr>
+        </p:nvSpPr>
+        <p:spPr>
+          <a:xfrm>
+            <a:off x="546100" y="-1067308"/>
+            <a:ext cx="2331720" cy="2469896"/>
+          </a:xfrm>
+        </p:spPr>
+        <p:txBody>
+          <a:bodyPr>
+            <a:normAutofit fontScale="90000"/>
+          </a:bodyPr>
+          <a:lstStyle/>
+          <a:p>
+            <a:pPr algn="l"/>
+            <a:r>
+              <a:rPr lang="en-US" altLang="zh-TW" sz="9100" b="1" dirty="0">
+                <a:solidFill>
+                  <a:schemeClr val="accent2">
+                    <a:lumMod val="50000"/>
+                  </a:schemeClr>
+                </a:solidFill>
+                <a:latin typeface="Rastanty Cortez" panose="02000506000000020003" pitchFamily="2" charset="0"/>
+                <a:ea typeface="微軟正黑體 Light" panose="020B0304030504040204" pitchFamily="34" charset="-120"/>
+                <a:cs typeface="Nirmala UI" panose="020B0502040204020203" pitchFamily="34" charset="0"/>
+              </a:rPr>
+              <a:t>Obstacle</a:t>
+            </a:r>
+            <a:endParaRPr lang="zh-TW" altLang="en-US" sz="9100" b="1" dirty="0">
+              <a:solidFill>
+                <a:schemeClr val="accent2">
+                  <a:lumMod val="50000"/>
+                </a:schemeClr>
+              </a:solidFill>
+              <a:latin typeface="Rastanty Cortez" panose="02000506000000020003" pitchFamily="2" charset="0"/>
+              <a:ea typeface="微軟正黑體 Light" panose="020B0304030504040204" pitchFamily="34" charset="-120"/>
+              <a:cs typeface="Nirmala UI" panose="020B0502040204020203" pitchFamily="34" charset="0"/>
+            </a:endParaRPr>
+          </a:p>
+        </p:txBody>
+      </p:sp>
+      <p:sp>
+        <p:nvSpPr>
+          <p:cNvPr id="3" name="副標題 2">
+            <a:extLst>
+              <a:ext uri="{FF2B5EF4-FFF2-40B4-BE49-F238E27FC236}">
+                <a16:creationId xmlns:a16="http://schemas.microsoft.com/office/drawing/2014/main" id="{94D9319B-ECF4-2BAE-5F80-8BCF97C983BD}"/>
+              </a:ext>
+            </a:extLst>
+          </p:cNvPr>
+          <p:cNvSpPr>
+            <a:spLocks noGrp="1"/>
+          </p:cNvSpPr>
+          <p:nvPr>
+            <p:ph type="subTitle" idx="1"/>
+          </p:nvPr>
+        </p:nvSpPr>
+        <p:spPr/>
+        <p:txBody>
+          <a:bodyPr/>
+          <a:lstStyle/>
+          <a:p>
+            <a:endParaRPr lang="zh-TW" altLang="en-US" dirty="0"/>
+          </a:p>
+        </p:txBody>
+      </p:sp>
+      <p:pic>
+        <p:nvPicPr>
+          <p:cNvPr id="9" name="圖片 8" descr="一張含有 螢幕擷取畫面, 文字, 行動電話, 智慧型手機 的圖片&#10;&#10;自動產生的描述">
+            <a:extLst>
+              <a:ext uri="{FF2B5EF4-FFF2-40B4-BE49-F238E27FC236}">
+                <a16:creationId xmlns:a16="http://schemas.microsoft.com/office/drawing/2014/main" id="{6D47E3D5-4291-2C34-2C5E-0DAB0D1CC807}"/>
+              </a:ext>
+            </a:extLst>
+          </p:cNvPr>
+          <p:cNvPicPr>
+            <a:picLocks noChangeAspect="1"/>
+          </p:cNvPicPr>
+          <p:nvPr/>
+        </p:nvPicPr>
+        <p:blipFill>
+          <a:blip r:embed="rId5">
+            <a:extLst>
+              <a:ext uri="{28A0092B-C50C-407E-A947-70E740481C1C}">
+                <a14:useLocalDpi xmlns:a14="http://schemas.microsoft.com/office/drawing/2010/main" val="0"/>
+              </a:ext>
+            </a:extLst>
+          </a:blip>
+          <a:stretch>
+            <a:fillRect/>
+          </a:stretch>
+        </p:blipFill>
+        <p:spPr>
+          <a:xfrm>
+            <a:off x="-1357076" y="463400"/>
+            <a:ext cx="11485659" cy="6460683"/>
+          </a:xfrm>
+          <a:prstGeom prst="rect">
+            <a:avLst/>
+          </a:prstGeom>
+        </p:spPr>
+      </p:pic>
+      <p:pic>
+        <p:nvPicPr>
+          <p:cNvPr id="7" name="圖片 6">
+            <a:extLst>
+              <a:ext uri="{FF2B5EF4-FFF2-40B4-BE49-F238E27FC236}">
+                <a16:creationId xmlns:a16="http://schemas.microsoft.com/office/drawing/2014/main" id="{1D1C22E9-98B4-8116-9827-B8CB6F2B6AEA}"/>
+              </a:ext>
+            </a:extLst>
+          </p:cNvPr>
+          <p:cNvPicPr>
+            <a:picLocks noChangeAspect="1"/>
+          </p:cNvPicPr>
+          <p:nvPr/>
+        </p:nvPicPr>
+        <p:blipFill>
+          <a:blip r:embed="rId6">
+            <a:extLst>
+              <a:ext uri="{28A0092B-C50C-407E-A947-70E740481C1C}">
+                <a14:useLocalDpi xmlns:a14="http://schemas.microsoft.com/office/drawing/2010/main" val="0"/>
+              </a:ext>
+            </a:extLst>
+          </a:blip>
+          <a:srcRect/>
+          <a:stretch/>
+        </p:blipFill>
+        <p:spPr>
+          <a:xfrm>
+            <a:off x="1880794" y="2204747"/>
+            <a:ext cx="4917716" cy="3278477"/>
+          </a:xfrm>
+          <a:prstGeom prst="rect">
+            <a:avLst/>
+          </a:prstGeom>
+        </p:spPr>
+      </p:pic>
+    </p:spTree>
+    <p:extLst>
+      <p:ext uri="{BB962C8B-B14F-4D97-AF65-F5344CB8AC3E}">
+        <p14:creationId xmlns:p14="http://schemas.microsoft.com/office/powerpoint/2010/main" val="474011814"/>
+      </p:ext>
+    </p:extLst>
+  </p:cSld>
+  <p:clrMapOvr>
+    <a:masterClrMapping/>
+  </p:clrMapOvr>
+</p:sld>
+</file>
+
+<file path=ppt/slides/slide5.xml><?xml version="1.0" encoding="utf-8"?>
+<p:sld xmlns:a="http://schemas.openxmlformats.org/drawingml/2006/main" xmlns:r="http://schemas.openxmlformats.org/officeDocument/2006/relationships" xmlns:p="http://schemas.openxmlformats.org/presentationml/2006/main">
+  <p:cSld>
+    <p:spTree>
+      <p:nvGrpSpPr>
+        <p:cNvPr id="1" name="">
+          <a:extLst>
+            <a:ext uri="{FF2B5EF4-FFF2-40B4-BE49-F238E27FC236}">
+              <a16:creationId xmlns:a16="http://schemas.microsoft.com/office/drawing/2014/main" id="{A702A97E-7198-0F1B-0969-844192E32B5D}"/>
+            </a:ext>
+          </a:extLst>
+        </p:cNvPr>
+        <p:cNvGrpSpPr/>
+        <p:nvPr/>
+      </p:nvGrpSpPr>
+      <p:grpSpPr>
+        <a:xfrm>
+          <a:off x="0" y="0"/>
+          <a:ext cx="0" cy="0"/>
+          <a:chOff x="0" y="0"/>
+          <a:chExt cx="0" cy="0"/>
+        </a:xfrm>
+      </p:grpSpPr>
+      <p:pic>
+        <p:nvPicPr>
+          <p:cNvPr id="5" name="圖片 4" descr="一張含有 室內, 室內設計, 牆, 枕頭 的圖片&#10;&#10;自動產生的描述">
+            <a:extLst>
+              <a:ext uri="{FF2B5EF4-FFF2-40B4-BE49-F238E27FC236}">
+                <a16:creationId xmlns:a16="http://schemas.microsoft.com/office/drawing/2014/main" id="{B3C67597-BB5E-C4F2-A89A-35F516BE8F1F}"/>
+              </a:ext>
+            </a:extLst>
+          </p:cNvPr>
+          <p:cNvPicPr>
+            <a:picLocks noChangeAspect="1"/>
+          </p:cNvPicPr>
+          <p:nvPr/>
+        </p:nvPicPr>
+        <p:blipFill>
+          <a:blip r:embed="rId3">
+            <a:extLst>
+              <a:ext uri="{28A0092B-C50C-407E-A947-70E740481C1C}">
+                <a14:useLocalDpi xmlns:a14="http://schemas.microsoft.com/office/drawing/2010/main" val="0"/>
+              </a:ext>
+            </a:extLst>
+          </a:blip>
+          <a:stretch>
+            <a:fillRect/>
+          </a:stretch>
+        </p:blipFill>
+        <p:spPr>
+          <a:xfrm>
+            <a:off x="0" y="0"/>
+            <a:ext cx="12192000" cy="6858000"/>
+          </a:xfrm>
+          <a:prstGeom prst="rect">
+            <a:avLst/>
+          </a:prstGeom>
+        </p:spPr>
+      </p:pic>
+      <p:pic>
+        <p:nvPicPr>
+          <p:cNvPr id="6" name="圖片 5" descr="一張含有 螢幕擷取畫面, 設計 的圖片&#10;&#10;自動產生的描述">
+            <a:extLst>
+              <a:ext uri="{FF2B5EF4-FFF2-40B4-BE49-F238E27FC236}">
+                <a16:creationId xmlns:a16="http://schemas.microsoft.com/office/drawing/2014/main" id="{45AB01F0-806E-0C73-3F26-59E056E521A1}"/>
+              </a:ext>
+            </a:extLst>
+          </p:cNvPr>
+          <p:cNvPicPr>
+            <a:picLocks noChangeAspect="1"/>
+          </p:cNvPicPr>
+          <p:nvPr/>
+        </p:nvPicPr>
+        <p:blipFill>
+          <a:blip r:embed="rId4">
+            <a:extLst>
+              <a:ext uri="{28A0092B-C50C-407E-A947-70E740481C1C}">
+                <a14:useLocalDpi xmlns:a14="http://schemas.microsoft.com/office/drawing/2010/main" val="0"/>
+              </a:ext>
+            </a:extLst>
+          </a:blip>
+          <a:srcRect l="65500"/>
+          <a:stretch/>
+        </p:blipFill>
+        <p:spPr>
+          <a:xfrm flipH="1">
+            <a:off x="283464" y="-265150"/>
+            <a:ext cx="2862072" cy="7917784"/>
+          </a:xfrm>
+          <a:prstGeom prst="rect">
+            <a:avLst/>
+          </a:prstGeom>
+        </p:spPr>
+      </p:pic>
+      <p:sp>
+        <p:nvSpPr>
+          <p:cNvPr id="2" name="標題 1">
+            <a:extLst>
+              <a:ext uri="{FF2B5EF4-FFF2-40B4-BE49-F238E27FC236}">
+                <a16:creationId xmlns:a16="http://schemas.microsoft.com/office/drawing/2014/main" id="{A29A1973-9136-39AA-2003-0C60636941F4}"/>
+              </a:ext>
+            </a:extLst>
+          </p:cNvPr>
+          <p:cNvSpPr>
+            <a:spLocks noGrp="1"/>
+          </p:cNvSpPr>
+          <p:nvPr>
+            <p:ph type="ctrTitle"/>
+          </p:nvPr>
+        </p:nvSpPr>
+        <p:spPr>
+          <a:xfrm>
+            <a:off x="546100" y="-1067308"/>
+            <a:ext cx="2331720" cy="2469896"/>
+          </a:xfrm>
+        </p:spPr>
+        <p:txBody>
+          <a:bodyPr>
+            <a:normAutofit fontScale="90000"/>
+          </a:bodyPr>
+          <a:lstStyle/>
+          <a:p>
+            <a:pPr algn="l"/>
+            <a:r>
+              <a:rPr lang="en-US" altLang="zh-TW" sz="9100" b="1" dirty="0">
+                <a:solidFill>
+                  <a:schemeClr val="accent2">
+                    <a:lumMod val="50000"/>
+                  </a:schemeClr>
+                </a:solidFill>
+                <a:latin typeface="Rastanty Cortez" panose="02000506000000020003" pitchFamily="2" charset="0"/>
+                <a:ea typeface="微軟正黑體 Light" panose="020B0304030504040204" pitchFamily="34" charset="-120"/>
+                <a:cs typeface="Nirmala UI" panose="020B0502040204020203" pitchFamily="34" charset="0"/>
+              </a:rPr>
+              <a:t>Obstacle</a:t>
+            </a:r>
+            <a:endParaRPr lang="zh-TW" altLang="en-US" sz="9100" b="1" dirty="0">
+              <a:solidFill>
+                <a:schemeClr val="accent2">
+                  <a:lumMod val="50000"/>
+                </a:schemeClr>
+              </a:solidFill>
+              <a:latin typeface="Rastanty Cortez" panose="02000506000000020003" pitchFamily="2" charset="0"/>
+              <a:ea typeface="微軟正黑體 Light" panose="020B0304030504040204" pitchFamily="34" charset="-120"/>
+              <a:cs typeface="Nirmala UI" panose="020B0502040204020203" pitchFamily="34" charset="0"/>
+            </a:endParaRPr>
+          </a:p>
+        </p:txBody>
+      </p:sp>
+      <p:sp>
+        <p:nvSpPr>
+          <p:cNvPr id="3" name="副標題 2">
+            <a:extLst>
+              <a:ext uri="{FF2B5EF4-FFF2-40B4-BE49-F238E27FC236}">
+                <a16:creationId xmlns:a16="http://schemas.microsoft.com/office/drawing/2014/main" id="{CC0DDBEB-71AD-3233-DB5E-6EC818558A24}"/>
+              </a:ext>
+            </a:extLst>
+          </p:cNvPr>
+          <p:cNvSpPr>
+            <a:spLocks noGrp="1"/>
+          </p:cNvSpPr>
+          <p:nvPr>
+            <p:ph type="subTitle" idx="1"/>
+          </p:nvPr>
+        </p:nvSpPr>
+        <p:spPr/>
+        <p:txBody>
+          <a:bodyPr/>
+          <a:lstStyle/>
+          <a:p>
+            <a:endParaRPr lang="zh-TW" altLang="en-US" dirty="0"/>
+          </a:p>
+        </p:txBody>
+      </p:sp>
+      <p:pic>
+        <p:nvPicPr>
+          <p:cNvPr id="9" name="圖片 8" descr="一張含有 螢幕擷取畫面, 文字, 行動電話, 智慧型手機 的圖片&#10;&#10;自動產生的描述">
+            <a:extLst>
+              <a:ext uri="{FF2B5EF4-FFF2-40B4-BE49-F238E27FC236}">
+                <a16:creationId xmlns:a16="http://schemas.microsoft.com/office/drawing/2014/main" id="{270C0A37-2D92-C325-400E-D638A31FC8DD}"/>
+              </a:ext>
+            </a:extLst>
+          </p:cNvPr>
+          <p:cNvPicPr>
+            <a:picLocks noChangeAspect="1"/>
+          </p:cNvPicPr>
+          <p:nvPr/>
+        </p:nvPicPr>
+        <p:blipFill>
+          <a:blip r:embed="rId5">
+            <a:extLst>
+              <a:ext uri="{28A0092B-C50C-407E-A947-70E740481C1C}">
+                <a14:useLocalDpi xmlns:a14="http://schemas.microsoft.com/office/drawing/2010/main" val="0"/>
+              </a:ext>
+            </a:extLst>
+          </a:blip>
+          <a:stretch>
+            <a:fillRect/>
+          </a:stretch>
+        </p:blipFill>
+        <p:spPr>
+          <a:xfrm>
+            <a:off x="-1357076" y="463400"/>
+            <a:ext cx="11485659" cy="6460683"/>
+          </a:xfrm>
+          <a:prstGeom prst="rect">
+            <a:avLst/>
+          </a:prstGeom>
+        </p:spPr>
+      </p:pic>
+      <p:pic>
+        <p:nvPicPr>
+          <p:cNvPr id="7" name="圖片 6">
+            <a:extLst>
+              <a:ext uri="{FF2B5EF4-FFF2-40B4-BE49-F238E27FC236}">
+                <a16:creationId xmlns:a16="http://schemas.microsoft.com/office/drawing/2014/main" id="{938175EF-5686-0C55-82A7-BC8F2446D6A8}"/>
+              </a:ext>
+            </a:extLst>
+          </p:cNvPr>
+          <p:cNvPicPr>
+            <a:picLocks noChangeAspect="1"/>
+          </p:cNvPicPr>
+          <p:nvPr/>
+        </p:nvPicPr>
+        <p:blipFill>
+          <a:blip r:embed="rId6">
+            <a:extLst>
+              <a:ext uri="{28A0092B-C50C-407E-A947-70E740481C1C}">
+                <a14:useLocalDpi xmlns:a14="http://schemas.microsoft.com/office/drawing/2010/main" val="0"/>
+              </a:ext>
+            </a:extLst>
+          </a:blip>
+          <a:srcRect/>
+          <a:stretch/>
+        </p:blipFill>
+        <p:spPr>
+          <a:xfrm>
+            <a:off x="1880794" y="2204747"/>
+            <a:ext cx="4917716" cy="3278477"/>
+          </a:xfrm>
+          <a:prstGeom prst="rect">
+            <a:avLst/>
+          </a:prstGeom>
+        </p:spPr>
+      </p:pic>
+    </p:spTree>
+    <p:extLst>
+      <p:ext uri="{BB962C8B-B14F-4D97-AF65-F5344CB8AC3E}">
+        <p14:creationId xmlns:p14="http://schemas.microsoft.com/office/powerpoint/2010/main" val="3348428690"/>
+      </p:ext>
+    </p:extLst>
+  </p:cSld>
+  <p:clrMapOvr>
+    <a:masterClrMapping/>
+  </p:clrMapOvr>
+</p:sld>
+</file>
+
+<file path=ppt/slides/slide6.xml><?xml version="1.0" encoding="utf-8"?>
+<p:sld xmlns:a="http://schemas.openxmlformats.org/drawingml/2006/main" xmlns:r="http://schemas.openxmlformats.org/officeDocument/2006/relationships" xmlns:p="http://schemas.openxmlformats.org/presentationml/2006/main">
+  <p:cSld>
+    <p:spTree>
+      <p:nvGrpSpPr>
+        <p:cNvPr id="1" name="">
+          <a:extLst>
+            <a:ext uri="{FF2B5EF4-FFF2-40B4-BE49-F238E27FC236}">
+              <a16:creationId xmlns:a16="http://schemas.microsoft.com/office/drawing/2014/main" id="{869AD157-E81E-0B28-8924-BB20B64C30C6}"/>
+            </a:ext>
+          </a:extLst>
+        </p:cNvPr>
+        <p:cNvGrpSpPr/>
+        <p:nvPr/>
+      </p:nvGrpSpPr>
+      <p:grpSpPr>
+        <a:xfrm>
+          <a:off x="0" y="0"/>
+          <a:ext cx="0" cy="0"/>
+          <a:chOff x="0" y="0"/>
+          <a:chExt cx="0" cy="0"/>
+        </a:xfrm>
+      </p:grpSpPr>
+      <p:pic>
+        <p:nvPicPr>
+          <p:cNvPr id="5" name="圖片 4" descr="一張含有 室內, 室內設計, 牆, 枕頭 的圖片&#10;&#10;自動產生的描述">
+            <a:extLst>
+              <a:ext uri="{FF2B5EF4-FFF2-40B4-BE49-F238E27FC236}">
+                <a16:creationId xmlns:a16="http://schemas.microsoft.com/office/drawing/2014/main" id="{2AC4412C-92B9-5AD3-04AF-B014B5606C51}"/>
+              </a:ext>
+            </a:extLst>
+          </p:cNvPr>
+          <p:cNvPicPr>
+            <a:picLocks noChangeAspect="1"/>
+          </p:cNvPicPr>
+          <p:nvPr/>
+        </p:nvPicPr>
+        <p:blipFill>
+          <a:blip r:embed="rId3">
+            <a:extLst>
+              <a:ext uri="{28A0092B-C50C-407E-A947-70E740481C1C}">
+                <a14:useLocalDpi xmlns:a14="http://schemas.microsoft.com/office/drawing/2010/main" val="0"/>
+              </a:ext>
+            </a:extLst>
+          </a:blip>
+          <a:stretch>
+            <a:fillRect/>
+          </a:stretch>
+        </p:blipFill>
+        <p:spPr>
+          <a:xfrm>
+            <a:off x="0" y="0"/>
+            <a:ext cx="12192000" cy="6858000"/>
+          </a:xfrm>
+          <a:prstGeom prst="rect">
+            <a:avLst/>
+          </a:prstGeom>
+        </p:spPr>
+      </p:pic>
+      <p:pic>
+        <p:nvPicPr>
+          <p:cNvPr id="6" name="圖片 5" descr="一張含有 螢幕擷取畫面, 設計 的圖片&#10;&#10;自動產生的描述">
+            <a:extLst>
+              <a:ext uri="{FF2B5EF4-FFF2-40B4-BE49-F238E27FC236}">
+                <a16:creationId xmlns:a16="http://schemas.microsoft.com/office/drawing/2014/main" id="{5E865FD0-9A72-28B9-D01C-57EEE0B0C550}"/>
+              </a:ext>
+            </a:extLst>
+          </p:cNvPr>
+          <p:cNvPicPr>
+            <a:picLocks noChangeAspect="1"/>
+          </p:cNvPicPr>
+          <p:nvPr/>
+        </p:nvPicPr>
+        <p:blipFill>
+          <a:blip r:embed="rId4">
+            <a:extLst>
+              <a:ext uri="{28A0092B-C50C-407E-A947-70E740481C1C}">
+                <a14:useLocalDpi xmlns:a14="http://schemas.microsoft.com/office/drawing/2010/main" val="0"/>
+              </a:ext>
+            </a:extLst>
+          </a:blip>
+          <a:srcRect l="65500"/>
+          <a:stretch/>
+        </p:blipFill>
+        <p:spPr>
+          <a:xfrm flipH="1">
+            <a:off x="283464" y="-265150"/>
+            <a:ext cx="2862072" cy="7917784"/>
+          </a:xfrm>
+          <a:prstGeom prst="rect">
+            <a:avLst/>
+          </a:prstGeom>
+        </p:spPr>
+      </p:pic>
+      <p:sp>
+        <p:nvSpPr>
+          <p:cNvPr id="2" name="標題 1">
+            <a:extLst>
+              <a:ext uri="{FF2B5EF4-FFF2-40B4-BE49-F238E27FC236}">
+                <a16:creationId xmlns:a16="http://schemas.microsoft.com/office/drawing/2014/main" id="{A4F7D0B0-D2EA-1BA7-B156-98EC917A8F77}"/>
+              </a:ext>
+            </a:extLst>
+          </p:cNvPr>
+          <p:cNvSpPr>
+            <a:spLocks noGrp="1"/>
+          </p:cNvSpPr>
+          <p:nvPr>
+            <p:ph type="ctrTitle"/>
+          </p:nvPr>
+        </p:nvSpPr>
+        <p:spPr>
+          <a:xfrm>
+            <a:off x="678501" y="-1022766"/>
+            <a:ext cx="2071998" cy="2469896"/>
+          </a:xfrm>
+        </p:spPr>
+        <p:txBody>
+          <a:bodyPr>
+            <a:normAutofit/>
+          </a:bodyPr>
+          <a:lstStyle/>
+          <a:p>
+            <a:pPr algn="l"/>
+            <a:r>
+              <a:rPr lang="en-US" altLang="zh-TW" sz="9100" b="1" dirty="0">
+                <a:solidFill>
+                  <a:schemeClr val="accent2">
+                    <a:lumMod val="50000"/>
+                  </a:schemeClr>
+                </a:solidFill>
+                <a:latin typeface="Rastanty Cortez" panose="02000506000000020003" pitchFamily="2" charset="0"/>
+                <a:ea typeface="微軟正黑體 Light" panose="020B0304030504040204" pitchFamily="34" charset="-120"/>
+                <a:cs typeface="Nirmala UI" panose="020B0502040204020203" pitchFamily="34" charset="0"/>
+              </a:rPr>
+              <a:t>Effort</a:t>
+            </a:r>
+            <a:endParaRPr lang="zh-TW" altLang="en-US" sz="9100" b="1" dirty="0">
+              <a:solidFill>
+                <a:schemeClr val="accent2">
+                  <a:lumMod val="50000"/>
+                </a:schemeClr>
+              </a:solidFill>
+              <a:latin typeface="Rastanty Cortez" panose="02000506000000020003" pitchFamily="2" charset="0"/>
+              <a:ea typeface="微軟正黑體 Light" panose="020B0304030504040204" pitchFamily="34" charset="-120"/>
+              <a:cs typeface="Nirmala UI" panose="020B0502040204020203" pitchFamily="34" charset="0"/>
+            </a:endParaRPr>
+          </a:p>
+        </p:txBody>
+      </p:sp>
+      <p:sp>
+        <p:nvSpPr>
+          <p:cNvPr id="3" name="副標題 2">
+            <a:extLst>
+              <a:ext uri="{FF2B5EF4-FFF2-40B4-BE49-F238E27FC236}">
+                <a16:creationId xmlns:a16="http://schemas.microsoft.com/office/drawing/2014/main" id="{BF1D4131-7591-539D-FE00-5971A17E3067}"/>
+              </a:ext>
+            </a:extLst>
+          </p:cNvPr>
+          <p:cNvSpPr>
+            <a:spLocks noGrp="1"/>
+          </p:cNvSpPr>
+          <p:nvPr>
+            <p:ph type="subTitle" idx="1"/>
+          </p:nvPr>
+        </p:nvSpPr>
+        <p:spPr/>
+        <p:txBody>
+          <a:bodyPr/>
+          <a:lstStyle/>
+          <a:p>
+            <a:endParaRPr lang="zh-TW" altLang="en-US" dirty="0"/>
+          </a:p>
+        </p:txBody>
+      </p:sp>
+      <p:pic>
+        <p:nvPicPr>
+          <p:cNvPr id="9" name="圖片 8" descr="一張含有 螢幕擷取畫面, 文字, 行動電話, 智慧型手機 的圖片&#10;&#10;自動產生的描述">
+            <a:extLst>
+              <a:ext uri="{FF2B5EF4-FFF2-40B4-BE49-F238E27FC236}">
+                <a16:creationId xmlns:a16="http://schemas.microsoft.com/office/drawing/2014/main" id="{06A72453-BBD4-80D1-C2BC-F5A7ABF25C3E}"/>
+              </a:ext>
+            </a:extLst>
+          </p:cNvPr>
+          <p:cNvPicPr>
+            <a:picLocks noChangeAspect="1"/>
+          </p:cNvPicPr>
+          <p:nvPr/>
+        </p:nvPicPr>
+        <p:blipFill>
+          <a:blip r:embed="rId5">
+            <a:extLst>
+              <a:ext uri="{28A0092B-C50C-407E-A947-70E740481C1C}">
+                <a14:useLocalDpi xmlns:a14="http://schemas.microsoft.com/office/drawing/2010/main" val="0"/>
+              </a:ext>
+            </a:extLst>
+          </a:blip>
+          <a:stretch>
+            <a:fillRect/>
+          </a:stretch>
+        </p:blipFill>
+        <p:spPr>
+          <a:xfrm>
+            <a:off x="-1357076" y="463400"/>
+            <a:ext cx="11485659" cy="6460683"/>
+          </a:xfrm>
+          <a:prstGeom prst="rect">
+            <a:avLst/>
+          </a:prstGeom>
+        </p:spPr>
+      </p:pic>
+      <p:pic>
+        <p:nvPicPr>
+          <p:cNvPr id="4" name="圖片 3">
+            <a:extLst>
+              <a:ext uri="{FF2B5EF4-FFF2-40B4-BE49-F238E27FC236}">
+                <a16:creationId xmlns:a16="http://schemas.microsoft.com/office/drawing/2014/main" id="{A46A49C5-6356-0920-3DCB-C2FEFE2D83F2}"/>
+              </a:ext>
+            </a:extLst>
+          </p:cNvPr>
+          <p:cNvPicPr>
+            <a:picLocks noChangeAspect="1"/>
+          </p:cNvPicPr>
+          <p:nvPr/>
+        </p:nvPicPr>
+        <p:blipFill>
+          <a:blip r:embed="rId6">
+            <a:extLst>
+              <a:ext uri="{28A0092B-C50C-407E-A947-70E740481C1C}">
+                <a14:useLocalDpi xmlns:a14="http://schemas.microsoft.com/office/drawing/2010/main" val="0"/>
+              </a:ext>
+            </a:extLst>
+          </a:blip>
+          <a:srcRect/>
+          <a:stretch/>
+        </p:blipFill>
+        <p:spPr>
+          <a:xfrm>
+            <a:off x="1880794" y="2208765"/>
+            <a:ext cx="4917716" cy="3270441"/>
+          </a:xfrm>
+          <a:prstGeom prst="rect">
+            <a:avLst/>
+          </a:prstGeom>
+        </p:spPr>
+      </p:pic>
+    </p:spTree>
+    <p:extLst>
+      <p:ext uri="{BB962C8B-B14F-4D97-AF65-F5344CB8AC3E}">
+        <p14:creationId xmlns:p14="http://schemas.microsoft.com/office/powerpoint/2010/main" val="4057686828"/>
+      </p:ext>
+    </p:extLst>
+  </p:cSld>
+  <p:clrMapOvr>
+    <a:masterClrMapping/>
+  </p:clrMapOvr>
+</p:sld>
+</file>
+
+<file path=ppt/slides/slide7.xml><?xml version="1.0" encoding="utf-8"?>
+<p:sld xmlns:a="http://schemas.openxmlformats.org/drawingml/2006/main" xmlns:r="http://schemas.openxmlformats.org/officeDocument/2006/relationships" xmlns:p="http://schemas.openxmlformats.org/presentationml/2006/main">
+  <p:cSld>
+    <p:spTree>
+      <p:nvGrpSpPr>
+        <p:cNvPr id="1" name="">
+          <a:extLst>
+            <a:ext uri="{FF2B5EF4-FFF2-40B4-BE49-F238E27FC236}">
+              <a16:creationId xmlns:a16="http://schemas.microsoft.com/office/drawing/2014/main" id="{035A73B0-DC73-2690-3D4E-7BF016A02D88}"/>
+            </a:ext>
+          </a:extLst>
+        </p:cNvPr>
+        <p:cNvGrpSpPr/>
+        <p:nvPr/>
+      </p:nvGrpSpPr>
+      <p:grpSpPr>
+        <a:xfrm>
+          <a:off x="0" y="0"/>
+          <a:ext cx="0" cy="0"/>
+          <a:chOff x="0" y="0"/>
+          <a:chExt cx="0" cy="0"/>
+        </a:xfrm>
+      </p:grpSpPr>
+      <p:pic>
+        <p:nvPicPr>
+          <p:cNvPr id="5" name="圖片 4" descr="一張含有 室內, 室內設計, 牆, 枕頭 的圖片&#10;&#10;自動產生的描述">
+            <a:extLst>
+              <a:ext uri="{FF2B5EF4-FFF2-40B4-BE49-F238E27FC236}">
+                <a16:creationId xmlns:a16="http://schemas.microsoft.com/office/drawing/2014/main" id="{3FD2EA77-C70C-1974-0200-0515213F71B1}"/>
+              </a:ext>
+            </a:extLst>
+          </p:cNvPr>
+          <p:cNvPicPr>
+            <a:picLocks noChangeAspect="1"/>
+          </p:cNvPicPr>
+          <p:nvPr/>
+        </p:nvPicPr>
+        <p:blipFill>
+          <a:blip r:embed="rId3">
+            <a:extLst>
+              <a:ext uri="{28A0092B-C50C-407E-A947-70E740481C1C}">
+                <a14:useLocalDpi xmlns:a14="http://schemas.microsoft.com/office/drawing/2010/main" val="0"/>
+              </a:ext>
+            </a:extLst>
+          </a:blip>
+          <a:stretch>
+            <a:fillRect/>
+          </a:stretch>
+        </p:blipFill>
+        <p:spPr>
+          <a:xfrm>
+            <a:off x="0" y="0"/>
+            <a:ext cx="12192000" cy="6858000"/>
+          </a:xfrm>
+          <a:prstGeom prst="rect">
+            <a:avLst/>
+          </a:prstGeom>
+        </p:spPr>
+      </p:pic>
+      <p:pic>
+        <p:nvPicPr>
+          <p:cNvPr id="6" name="圖片 5" descr="一張含有 螢幕擷取畫面, 設計 的圖片&#10;&#10;自動產生的描述">
+            <a:extLst>
+              <a:ext uri="{FF2B5EF4-FFF2-40B4-BE49-F238E27FC236}">
+                <a16:creationId xmlns:a16="http://schemas.microsoft.com/office/drawing/2014/main" id="{EF10DB08-8230-4B45-2000-BB169C7E15EE}"/>
+              </a:ext>
+            </a:extLst>
+          </p:cNvPr>
+          <p:cNvPicPr>
+            <a:picLocks noChangeAspect="1"/>
+          </p:cNvPicPr>
+          <p:nvPr/>
+        </p:nvPicPr>
+        <p:blipFill>
+          <a:blip r:embed="rId4">
+            <a:extLst>
+              <a:ext uri="{28A0092B-C50C-407E-A947-70E740481C1C}">
+                <a14:useLocalDpi xmlns:a14="http://schemas.microsoft.com/office/drawing/2010/main" val="0"/>
+              </a:ext>
+            </a:extLst>
+          </a:blip>
+          <a:srcRect l="65500"/>
+          <a:stretch/>
+        </p:blipFill>
+        <p:spPr>
+          <a:xfrm flipH="1">
+            <a:off x="283464" y="-265150"/>
+            <a:ext cx="2862072" cy="7917784"/>
+          </a:xfrm>
+          <a:prstGeom prst="rect">
+            <a:avLst/>
+          </a:prstGeom>
+        </p:spPr>
+      </p:pic>
+      <p:sp>
+        <p:nvSpPr>
+          <p:cNvPr id="2" name="標題 1">
+            <a:extLst>
+              <a:ext uri="{FF2B5EF4-FFF2-40B4-BE49-F238E27FC236}">
+                <a16:creationId xmlns:a16="http://schemas.microsoft.com/office/drawing/2014/main" id="{934B89D0-099F-21D0-6852-C58965B8A73C}"/>
+              </a:ext>
+            </a:extLst>
+          </p:cNvPr>
+          <p:cNvSpPr>
+            <a:spLocks noGrp="1"/>
+          </p:cNvSpPr>
+          <p:nvPr>
+            <p:ph type="ctrTitle"/>
+          </p:nvPr>
+        </p:nvSpPr>
+        <p:spPr>
+          <a:xfrm>
+            <a:off x="678501" y="-1022766"/>
+            <a:ext cx="2071998" cy="2469896"/>
+          </a:xfrm>
+        </p:spPr>
+        <p:txBody>
+          <a:bodyPr>
+            <a:normAutofit/>
+          </a:bodyPr>
+          <a:lstStyle/>
+          <a:p>
+            <a:pPr algn="l"/>
+            <a:r>
+              <a:rPr lang="en-US" altLang="zh-TW" sz="9100" b="1" dirty="0">
+                <a:solidFill>
+                  <a:schemeClr val="accent2">
+                    <a:lumMod val="50000"/>
+                  </a:schemeClr>
+                </a:solidFill>
+                <a:latin typeface="Rastanty Cortez" panose="02000506000000020003" pitchFamily="2" charset="0"/>
+                <a:ea typeface="微軟正黑體 Light" panose="020B0304030504040204" pitchFamily="34" charset="-120"/>
+                <a:cs typeface="Nirmala UI" panose="020B0502040204020203" pitchFamily="34" charset="0"/>
+              </a:rPr>
+              <a:t>Result</a:t>
+            </a:r>
+            <a:endParaRPr lang="zh-TW" altLang="en-US" sz="9100" b="1" dirty="0">
+              <a:solidFill>
+                <a:schemeClr val="accent2">
+                  <a:lumMod val="50000"/>
+                </a:schemeClr>
+              </a:solidFill>
+              <a:latin typeface="Rastanty Cortez" panose="02000506000000020003" pitchFamily="2" charset="0"/>
+              <a:ea typeface="微軟正黑體 Light" panose="020B0304030504040204" pitchFamily="34" charset="-120"/>
+              <a:cs typeface="Nirmala UI" panose="020B0502040204020203" pitchFamily="34" charset="0"/>
+            </a:endParaRPr>
+          </a:p>
+        </p:txBody>
+      </p:sp>
+      <p:sp>
+        <p:nvSpPr>
+          <p:cNvPr id="3" name="副標題 2">
+            <a:extLst>
+              <a:ext uri="{FF2B5EF4-FFF2-40B4-BE49-F238E27FC236}">
+                <a16:creationId xmlns:a16="http://schemas.microsoft.com/office/drawing/2014/main" id="{CF5F0C91-12AE-5681-3042-EBAE2C8AEDF6}"/>
+              </a:ext>
+            </a:extLst>
+          </p:cNvPr>
+          <p:cNvSpPr>
+            <a:spLocks noGrp="1"/>
+          </p:cNvSpPr>
+          <p:nvPr>
+            <p:ph type="subTitle" idx="1"/>
+          </p:nvPr>
+        </p:nvSpPr>
+        <p:spPr/>
+        <p:txBody>
+          <a:bodyPr/>
+          <a:lstStyle/>
+          <a:p>
+            <a:endParaRPr lang="zh-TW" altLang="en-US" dirty="0"/>
+          </a:p>
+        </p:txBody>
+      </p:sp>
+      <p:pic>
+        <p:nvPicPr>
+          <p:cNvPr id="9" name="圖片 8" descr="一張含有 螢幕擷取畫面, 文字, 行動電話, 智慧型手機 的圖片&#10;&#10;自動產生的描述">
+            <a:extLst>
+              <a:ext uri="{FF2B5EF4-FFF2-40B4-BE49-F238E27FC236}">
+                <a16:creationId xmlns:a16="http://schemas.microsoft.com/office/drawing/2014/main" id="{7BE28F88-EF5D-D6B9-56F5-1858874FD3EB}"/>
+              </a:ext>
+            </a:extLst>
+          </p:cNvPr>
+          <p:cNvPicPr>
+            <a:picLocks noChangeAspect="1"/>
+          </p:cNvPicPr>
+          <p:nvPr/>
+        </p:nvPicPr>
+        <p:blipFill>
+          <a:blip r:embed="rId5">
+            <a:extLst>
+              <a:ext uri="{28A0092B-C50C-407E-A947-70E740481C1C}">
+                <a14:useLocalDpi xmlns:a14="http://schemas.microsoft.com/office/drawing/2010/main" val="0"/>
+              </a:ext>
+            </a:extLst>
+          </a:blip>
+          <a:stretch>
+            <a:fillRect/>
+          </a:stretch>
+        </p:blipFill>
+        <p:spPr>
+          <a:xfrm>
+            <a:off x="-1357076" y="463400"/>
+            <a:ext cx="11485659" cy="6460683"/>
+          </a:xfrm>
+          <a:prstGeom prst="rect">
+            <a:avLst/>
+          </a:prstGeom>
+        </p:spPr>
+      </p:pic>
+      <p:pic>
+        <p:nvPicPr>
+          <p:cNvPr id="4" name="圖片 3">
+            <a:extLst>
+              <a:ext uri="{FF2B5EF4-FFF2-40B4-BE49-F238E27FC236}">
+                <a16:creationId xmlns:a16="http://schemas.microsoft.com/office/drawing/2014/main" id="{FAE3E4E2-FD04-3D54-D763-9FE500C206B9}"/>
+              </a:ext>
+            </a:extLst>
+          </p:cNvPr>
+          <p:cNvPicPr>
+            <a:picLocks noChangeAspect="1"/>
+          </p:cNvPicPr>
+          <p:nvPr/>
+        </p:nvPicPr>
+        <p:blipFill>
+          <a:blip r:embed="rId6">
+            <a:extLst>
+              <a:ext uri="{28A0092B-C50C-407E-A947-70E740481C1C}">
+                <a14:useLocalDpi xmlns:a14="http://schemas.microsoft.com/office/drawing/2010/main" val="0"/>
+              </a:ext>
+            </a:extLst>
+          </a:blip>
+          <a:srcRect/>
+          <a:stretch/>
+        </p:blipFill>
+        <p:spPr>
+          <a:xfrm>
+            <a:off x="1898742" y="2204747"/>
+            <a:ext cx="4881819" cy="3278477"/>
+          </a:xfrm>
+          <a:prstGeom prst="rect">
+            <a:avLst/>
+          </a:prstGeom>
+        </p:spPr>
+      </p:pic>
+    </p:spTree>
+    <p:extLst>
+      <p:ext uri="{BB962C8B-B14F-4D97-AF65-F5344CB8AC3E}">
+        <p14:creationId xmlns:p14="http://schemas.microsoft.com/office/powerpoint/2010/main" val="1915414343"/>
+      </p:ext>
+    </p:extLst>
+  </p:cSld>
+  <p:clrMapOvr>
+    <a:masterClrMapping/>
+  </p:clrMapOvr>
+</p:sld>
+</file>
+
+<file path=ppt/slides/slide8.xml><?xml version="1.0" encoding="utf-8"?>
+<p:sld xmlns:a="http://schemas.openxmlformats.org/drawingml/2006/main" xmlns:r="http://schemas.openxmlformats.org/officeDocument/2006/relationships" xmlns:p="http://schemas.openxmlformats.org/presentationml/2006/main">
+  <p:cSld>
+    <p:spTree>
+      <p:nvGrpSpPr>
+        <p:cNvPr id="1" name="">
+          <a:extLst>
+            <a:ext uri="{FF2B5EF4-FFF2-40B4-BE49-F238E27FC236}">
+              <a16:creationId xmlns:a16="http://schemas.microsoft.com/office/drawing/2014/main" id="{2FF30765-6151-6CF0-1031-684241025DA3}"/>
+            </a:ext>
+          </a:extLst>
+        </p:cNvPr>
+        <p:cNvGrpSpPr/>
+        <p:nvPr/>
+      </p:nvGrpSpPr>
+      <p:grpSpPr>
+        <a:xfrm>
+          <a:off x="0" y="0"/>
+          <a:ext cx="0" cy="0"/>
+          <a:chOff x="0" y="0"/>
+          <a:chExt cx="0" cy="0"/>
+        </a:xfrm>
+      </p:grpSpPr>
+      <p:pic>
+        <p:nvPicPr>
+          <p:cNvPr id="5" name="圖片 4" descr="一張含有 室內, 室內設計, 牆, 枕頭 的圖片&#10;&#10;自動產生的描述">
+            <a:extLst>
+              <a:ext uri="{FF2B5EF4-FFF2-40B4-BE49-F238E27FC236}">
+                <a16:creationId xmlns:a16="http://schemas.microsoft.com/office/drawing/2014/main" id="{E1F83744-E749-E357-A5D6-11F026FDA44C}"/>
+              </a:ext>
+            </a:extLst>
+          </p:cNvPr>
+          <p:cNvPicPr>
+            <a:picLocks noChangeAspect="1"/>
+          </p:cNvPicPr>
+          <p:nvPr/>
+        </p:nvPicPr>
+        <p:blipFill>
+          <a:blip r:embed="rId3">
+            <a:extLst>
+              <a:ext uri="{28A0092B-C50C-407E-A947-70E740481C1C}">
+                <a14:useLocalDpi xmlns:a14="http://schemas.microsoft.com/office/drawing/2010/main" val="0"/>
+              </a:ext>
+            </a:extLst>
+          </a:blip>
+          <a:stretch>
+            <a:fillRect/>
+          </a:stretch>
+        </p:blipFill>
+        <p:spPr>
+          <a:xfrm>
+            <a:off x="0" y="0"/>
+            <a:ext cx="12192000" cy="6858000"/>
+          </a:xfrm>
+          <a:prstGeom prst="rect">
+            <a:avLst/>
+          </a:prstGeom>
+        </p:spPr>
+      </p:pic>
+      <p:pic>
+        <p:nvPicPr>
+          <p:cNvPr id="6" name="圖片 5" descr="一張含有 螢幕擷取畫面, 設計 的圖片&#10;&#10;自動產生的描述">
+            <a:extLst>
+              <a:ext uri="{FF2B5EF4-FFF2-40B4-BE49-F238E27FC236}">
+                <a16:creationId xmlns:a16="http://schemas.microsoft.com/office/drawing/2014/main" id="{AA279A3A-CD1C-B93C-C39A-64B21E7FDF1E}"/>
+              </a:ext>
+            </a:extLst>
+          </p:cNvPr>
+          <p:cNvPicPr>
+            <a:picLocks noChangeAspect="1"/>
+          </p:cNvPicPr>
+          <p:nvPr/>
+        </p:nvPicPr>
+        <p:blipFill>
+          <a:blip r:embed="rId4">
+            <a:extLst>
+              <a:ext uri="{28A0092B-C50C-407E-A947-70E740481C1C}">
+                <a14:useLocalDpi xmlns:a14="http://schemas.microsoft.com/office/drawing/2010/main" val="0"/>
+              </a:ext>
+            </a:extLst>
+          </a:blip>
+          <a:srcRect l="65500"/>
+          <a:stretch/>
+        </p:blipFill>
+        <p:spPr>
+          <a:xfrm flipH="1">
+            <a:off x="283464" y="-265150"/>
+            <a:ext cx="2862072" cy="7917784"/>
+          </a:xfrm>
+          <a:prstGeom prst="rect">
+            <a:avLst/>
+          </a:prstGeom>
+        </p:spPr>
+      </p:pic>
+      <p:sp>
+        <p:nvSpPr>
+          <p:cNvPr id="2" name="標題 1">
+            <a:extLst>
+              <a:ext uri="{FF2B5EF4-FFF2-40B4-BE49-F238E27FC236}">
+                <a16:creationId xmlns:a16="http://schemas.microsoft.com/office/drawing/2014/main" id="{7B56D0AE-7D44-A3E9-F683-32E9569FABDB}"/>
+              </a:ext>
+            </a:extLst>
+          </p:cNvPr>
+          <p:cNvSpPr>
+            <a:spLocks noGrp="1"/>
+          </p:cNvSpPr>
+          <p:nvPr>
+            <p:ph type="ctrTitle"/>
+          </p:nvPr>
+        </p:nvSpPr>
+        <p:spPr>
+          <a:xfrm>
+            <a:off x="678501" y="-1022766"/>
+            <a:ext cx="2071998" cy="2469896"/>
+          </a:xfrm>
+        </p:spPr>
+        <p:txBody>
+          <a:bodyPr>
+            <a:normAutofit/>
+          </a:bodyPr>
+          <a:lstStyle/>
+          <a:p>
+            <a:pPr algn="l"/>
+            <a:r>
+              <a:rPr lang="en-US" altLang="zh-TW" sz="9100" b="1" dirty="0">
+                <a:solidFill>
+                  <a:schemeClr val="accent2">
+                    <a:lumMod val="50000"/>
+                  </a:schemeClr>
+                </a:solidFill>
+                <a:latin typeface="Rastanty Cortez" panose="02000506000000020003" pitchFamily="2" charset="0"/>
+                <a:ea typeface="微軟正黑體 Light" panose="020B0304030504040204" pitchFamily="34" charset="-120"/>
+                <a:cs typeface="Nirmala UI" panose="020B0502040204020203" pitchFamily="34" charset="0"/>
+              </a:rPr>
+              <a:t>Effort</a:t>
+            </a:r>
+            <a:endParaRPr lang="zh-TW" altLang="en-US" sz="9100" b="1" dirty="0">
+              <a:solidFill>
+                <a:schemeClr val="accent2">
+                  <a:lumMod val="50000"/>
+                </a:schemeClr>
+              </a:solidFill>
+              <a:latin typeface="Rastanty Cortez" panose="02000506000000020003" pitchFamily="2" charset="0"/>
+              <a:ea typeface="微軟正黑體 Light" panose="020B0304030504040204" pitchFamily="34" charset="-120"/>
+              <a:cs typeface="Nirmala UI" panose="020B0502040204020203" pitchFamily="34" charset="0"/>
+            </a:endParaRPr>
+          </a:p>
+        </p:txBody>
+      </p:sp>
+      <p:sp>
+        <p:nvSpPr>
+          <p:cNvPr id="3" name="副標題 2">
+            <a:extLst>
+              <a:ext uri="{FF2B5EF4-FFF2-40B4-BE49-F238E27FC236}">
+                <a16:creationId xmlns:a16="http://schemas.microsoft.com/office/drawing/2014/main" id="{0C60F6F3-7F02-1815-3C2A-4CE81409BF02}"/>
+              </a:ext>
+            </a:extLst>
+          </p:cNvPr>
+          <p:cNvSpPr>
+            <a:spLocks noGrp="1"/>
+          </p:cNvSpPr>
+          <p:nvPr>
+            <p:ph type="subTitle" idx="1"/>
+          </p:nvPr>
+        </p:nvSpPr>
+        <p:spPr/>
+        <p:txBody>
+          <a:bodyPr/>
+          <a:lstStyle/>
+          <a:p>
+            <a:endParaRPr lang="zh-TW" altLang="en-US" dirty="0"/>
+          </a:p>
+        </p:txBody>
+      </p:sp>
+      <p:pic>
+        <p:nvPicPr>
+          <p:cNvPr id="9" name="圖片 8" descr="一張含有 螢幕擷取畫面, 文字, 行動電話, 智慧型手機 的圖片&#10;&#10;自動產生的描述">
+            <a:extLst>
+              <a:ext uri="{FF2B5EF4-FFF2-40B4-BE49-F238E27FC236}">
+                <a16:creationId xmlns:a16="http://schemas.microsoft.com/office/drawing/2014/main" id="{FCAB6035-18C0-B7E6-89D7-7E4E78161A36}"/>
+              </a:ext>
+            </a:extLst>
+          </p:cNvPr>
+          <p:cNvPicPr>
+            <a:picLocks noChangeAspect="1"/>
+          </p:cNvPicPr>
+          <p:nvPr/>
+        </p:nvPicPr>
+        <p:blipFill>
+          <a:blip r:embed="rId5">
+            <a:extLst>
+              <a:ext uri="{28A0092B-C50C-407E-A947-70E740481C1C}">
+                <a14:useLocalDpi xmlns:a14="http://schemas.microsoft.com/office/drawing/2010/main" val="0"/>
+              </a:ext>
+            </a:extLst>
+          </a:blip>
+          <a:stretch>
+            <a:fillRect/>
+          </a:stretch>
+        </p:blipFill>
+        <p:spPr>
+          <a:xfrm>
+            <a:off x="-1357076" y="463400"/>
+            <a:ext cx="11485659" cy="6460683"/>
+          </a:xfrm>
+          <a:prstGeom prst="rect">
+            <a:avLst/>
+          </a:prstGeom>
+        </p:spPr>
+      </p:pic>
+      <p:pic>
+        <p:nvPicPr>
+          <p:cNvPr id="4" name="圖片 3">
+            <a:extLst>
+              <a:ext uri="{FF2B5EF4-FFF2-40B4-BE49-F238E27FC236}">
+                <a16:creationId xmlns:a16="http://schemas.microsoft.com/office/drawing/2014/main" id="{FC1BFD61-3BDE-6747-6C9E-46C863C62E2C}"/>
+              </a:ext>
+            </a:extLst>
+          </p:cNvPr>
+          <p:cNvPicPr>
+            <a:picLocks noChangeAspect="1"/>
+          </p:cNvPicPr>
+          <p:nvPr/>
+        </p:nvPicPr>
+        <p:blipFill>
+          <a:blip r:embed="rId6">
+            <a:extLst>
+              <a:ext uri="{28A0092B-C50C-407E-A947-70E740481C1C}">
+                <a14:useLocalDpi xmlns:a14="http://schemas.microsoft.com/office/drawing/2010/main" val="0"/>
+              </a:ext>
+            </a:extLst>
+          </a:blip>
+          <a:srcRect/>
+          <a:stretch/>
+        </p:blipFill>
+        <p:spPr>
+          <a:xfrm>
+            <a:off x="1874121" y="2208765"/>
+            <a:ext cx="4905661" cy="3270441"/>
+          </a:xfrm>
+          <a:prstGeom prst="rect">
+            <a:avLst/>
+          </a:prstGeom>
+        </p:spPr>
+      </p:pic>
+    </p:spTree>
+    <p:extLst>
+      <p:ext uri="{BB962C8B-B14F-4D97-AF65-F5344CB8AC3E}">
+        <p14:creationId xmlns:p14="http://schemas.microsoft.com/office/powerpoint/2010/main" val="4269752898"/>
+      </p:ext>
+    </p:extLst>
+  </p:cSld>
+  <p:clrMapOvr>
+    <a:masterClrMapping/>
+  </p:clrMapOvr>
+</p:sld>
+</file>
+
+<file path=ppt/slides/slide9.xml><?xml version="1.0" encoding="utf-8"?>
+<p:sld xmlns:a="http://schemas.openxmlformats.org/drawingml/2006/main" xmlns:r="http://schemas.openxmlformats.org/officeDocument/2006/relationships" xmlns:p="http://schemas.openxmlformats.org/presentationml/2006/main">
+  <p:cSld>
+    <p:spTree>
+      <p:nvGrpSpPr>
+        <p:cNvPr id="1" name="">
+          <a:extLst>
+            <a:ext uri="{FF2B5EF4-FFF2-40B4-BE49-F238E27FC236}">
+              <a16:creationId xmlns:a16="http://schemas.microsoft.com/office/drawing/2014/main" id="{3A4CA3D4-7A1E-2330-AFED-1CC8AC2ECC70}"/>
+            </a:ext>
+          </a:extLst>
+        </p:cNvPr>
+        <p:cNvGrpSpPr/>
+        <p:nvPr/>
+      </p:nvGrpSpPr>
+      <p:grpSpPr>
+        <a:xfrm>
+          <a:off x="0" y="0"/>
+          <a:ext cx="0" cy="0"/>
+          <a:chOff x="0" y="0"/>
+          <a:chExt cx="0" cy="0"/>
+        </a:xfrm>
+      </p:grpSpPr>
+      <p:pic>
+        <p:nvPicPr>
+          <p:cNvPr id="5" name="圖片 4" descr="一張含有 室內, 室內設計, 牆, 枕頭 的圖片&#10;&#10;自動產生的描述">
+            <a:extLst>
+              <a:ext uri="{FF2B5EF4-FFF2-40B4-BE49-F238E27FC236}">
+                <a16:creationId xmlns:a16="http://schemas.microsoft.com/office/drawing/2014/main" id="{E059873B-6AE0-BC4D-413D-256362B2AB8A}"/>
+              </a:ext>
+            </a:extLst>
+          </p:cNvPr>
+          <p:cNvPicPr>
+            <a:picLocks noChangeAspect="1"/>
+          </p:cNvPicPr>
+          <p:nvPr/>
+        </p:nvPicPr>
+        <p:blipFill>
+          <a:blip r:embed="rId3">
+            <a:extLst>
+              <a:ext uri="{28A0092B-C50C-407E-A947-70E740481C1C}">
+                <a14:useLocalDpi xmlns:a14="http://schemas.microsoft.com/office/drawing/2010/main" val="0"/>
+              </a:ext>
+            </a:extLst>
+          </a:blip>
+          <a:stretch>
+            <a:fillRect/>
+          </a:stretch>
+        </p:blipFill>
+        <p:spPr>
+          <a:xfrm>
+            <a:off x="0" y="0"/>
+            <a:ext cx="12192000" cy="6858000"/>
+          </a:xfrm>
+          <a:prstGeom prst="rect">
+            <a:avLst/>
+          </a:prstGeom>
+        </p:spPr>
+      </p:pic>
+      <p:pic>
+        <p:nvPicPr>
+          <p:cNvPr id="6" name="圖片 5" descr="一張含有 螢幕擷取畫面, 設計 的圖片&#10;&#10;自動產生的描述">
+            <a:extLst>
+              <a:ext uri="{FF2B5EF4-FFF2-40B4-BE49-F238E27FC236}">
+                <a16:creationId xmlns:a16="http://schemas.microsoft.com/office/drawing/2014/main" id="{D5AE0C10-1CC7-4B07-C443-0FFF0B7263A1}"/>
+              </a:ext>
+            </a:extLst>
+          </p:cNvPr>
+          <p:cNvPicPr>
+            <a:picLocks noChangeAspect="1"/>
+          </p:cNvPicPr>
+          <p:nvPr/>
+        </p:nvPicPr>
+        <p:blipFill>
+          <a:blip r:embed="rId4">
+            <a:extLst>
+              <a:ext uri="{28A0092B-C50C-407E-A947-70E740481C1C}">
+                <a14:useLocalDpi xmlns:a14="http://schemas.microsoft.com/office/drawing/2010/main" val="0"/>
+              </a:ext>
+            </a:extLst>
+          </a:blip>
+          <a:srcRect l="65500"/>
+          <a:stretch/>
+        </p:blipFill>
+        <p:spPr>
+          <a:xfrm flipH="1">
+            <a:off x="283464" y="-265150"/>
+            <a:ext cx="2862072" cy="7917784"/>
+          </a:xfrm>
+          <a:prstGeom prst="rect">
+            <a:avLst/>
+          </a:prstGeom>
+        </p:spPr>
+      </p:pic>
+      <p:sp>
+        <p:nvSpPr>
+          <p:cNvPr id="2" name="標題 1">
+            <a:extLst>
+              <a:ext uri="{FF2B5EF4-FFF2-40B4-BE49-F238E27FC236}">
+                <a16:creationId xmlns:a16="http://schemas.microsoft.com/office/drawing/2014/main" id="{164F257C-0F4E-C749-3F64-3DCA37558741}"/>
+              </a:ext>
+            </a:extLst>
+          </p:cNvPr>
+          <p:cNvSpPr>
+            <a:spLocks noGrp="1"/>
+          </p:cNvSpPr>
+          <p:nvPr>
+            <p:ph type="ctrTitle"/>
+          </p:nvPr>
+        </p:nvSpPr>
+        <p:spPr>
+          <a:xfrm>
+            <a:off x="480982" y="-1022766"/>
+            <a:ext cx="2467035" cy="2469896"/>
+          </a:xfrm>
+        </p:spPr>
+        <p:txBody>
+          <a:bodyPr>
+            <a:normAutofit fontScale="90000"/>
+          </a:bodyPr>
+          <a:lstStyle/>
+          <a:p>
+            <a:pPr algn="l"/>
+            <a:r>
+              <a:rPr lang="en-US" altLang="zh-TW" sz="9100" b="1" dirty="0">
+                <a:solidFill>
+                  <a:schemeClr val="accent2">
+                    <a:lumMod val="50000"/>
+                  </a:schemeClr>
+                </a:solidFill>
+                <a:latin typeface="Rastanty Cortez" panose="02000506000000020003" pitchFamily="2" charset="0"/>
+                <a:ea typeface="微軟正黑體 Light" panose="020B0304030504040204" pitchFamily="34" charset="-120"/>
+                <a:cs typeface="Nirmala UI" panose="020B0502040204020203" pitchFamily="34" charset="0"/>
+              </a:rPr>
+              <a:t>Accident</a:t>
+            </a:r>
+            <a:endParaRPr lang="zh-TW" altLang="en-US" sz="9100" b="1" dirty="0">
+              <a:solidFill>
+                <a:schemeClr val="accent2">
+                  <a:lumMod val="50000"/>
+                </a:schemeClr>
+              </a:solidFill>
+              <a:latin typeface="Rastanty Cortez" panose="02000506000000020003" pitchFamily="2" charset="0"/>
+              <a:ea typeface="微軟正黑體 Light" panose="020B0304030504040204" pitchFamily="34" charset="-120"/>
+              <a:cs typeface="Nirmala UI" panose="020B0502040204020203" pitchFamily="34" charset="0"/>
+            </a:endParaRPr>
+          </a:p>
+        </p:txBody>
+      </p:sp>
+      <p:sp>
+        <p:nvSpPr>
+          <p:cNvPr id="3" name="副標題 2">
+            <a:extLst>
+              <a:ext uri="{FF2B5EF4-FFF2-40B4-BE49-F238E27FC236}">
+                <a16:creationId xmlns:a16="http://schemas.microsoft.com/office/drawing/2014/main" id="{08446706-4814-EFFB-CF10-E7433FFAE29B}"/>
+              </a:ext>
+            </a:extLst>
+          </p:cNvPr>
+          <p:cNvSpPr>
+            <a:spLocks noGrp="1"/>
+          </p:cNvSpPr>
+          <p:nvPr>
+            <p:ph type="subTitle" idx="1"/>
+          </p:nvPr>
+        </p:nvSpPr>
+        <p:spPr/>
+        <p:txBody>
+          <a:bodyPr/>
+          <a:lstStyle/>
+          <a:p>
+            <a:endParaRPr lang="zh-TW" altLang="en-US" dirty="0"/>
+          </a:p>
+        </p:txBody>
+      </p:sp>
+      <p:pic>
+        <p:nvPicPr>
+          <p:cNvPr id="9" name="圖片 8" descr="一張含有 螢幕擷取畫面, 文字, 行動電話, 智慧型手機 的圖片&#10;&#10;自動產生的描述">
+            <a:extLst>
+              <a:ext uri="{FF2B5EF4-FFF2-40B4-BE49-F238E27FC236}">
+                <a16:creationId xmlns:a16="http://schemas.microsoft.com/office/drawing/2014/main" id="{132DC19B-3A23-60A3-52E5-29DCAB96C8BF}"/>
+              </a:ext>
+            </a:extLst>
+          </p:cNvPr>
+          <p:cNvPicPr>
+            <a:picLocks noChangeAspect="1"/>
+          </p:cNvPicPr>
+          <p:nvPr/>
+        </p:nvPicPr>
+        <p:blipFill>
+          <a:blip r:embed="rId5">
+            <a:extLst>
+              <a:ext uri="{28A0092B-C50C-407E-A947-70E740481C1C}">
+                <a14:useLocalDpi xmlns:a14="http://schemas.microsoft.com/office/drawing/2010/main" val="0"/>
+              </a:ext>
+            </a:extLst>
+          </a:blip>
+          <a:stretch>
+            <a:fillRect/>
+          </a:stretch>
+        </p:blipFill>
+        <p:spPr>
+          <a:xfrm>
+            <a:off x="-1357076" y="463400"/>
+            <a:ext cx="11485659" cy="6460683"/>
+          </a:xfrm>
+          <a:prstGeom prst="rect">
+            <a:avLst/>
+          </a:prstGeom>
+        </p:spPr>
+      </p:pic>
+      <p:pic>
+        <p:nvPicPr>
+          <p:cNvPr id="4" name="圖片 3">
+            <a:extLst>
+              <a:ext uri="{FF2B5EF4-FFF2-40B4-BE49-F238E27FC236}">
+                <a16:creationId xmlns:a16="http://schemas.microsoft.com/office/drawing/2014/main" id="{22A633A4-531D-0797-83C9-C6AE793DCF75}"/>
+              </a:ext>
+            </a:extLst>
+          </p:cNvPr>
+          <p:cNvPicPr>
+            <a:picLocks noChangeAspect="1"/>
+          </p:cNvPicPr>
+          <p:nvPr/>
+        </p:nvPicPr>
+        <p:blipFill>
+          <a:blip r:embed="rId6">
+            <a:extLst>
+              <a:ext uri="{28A0092B-C50C-407E-A947-70E740481C1C}">
+                <a14:useLocalDpi xmlns:a14="http://schemas.microsoft.com/office/drawing/2010/main" val="0"/>
+              </a:ext>
+            </a:extLst>
+          </a:blip>
+          <a:srcRect/>
+          <a:stretch/>
+        </p:blipFill>
+        <p:spPr>
+          <a:xfrm>
+            <a:off x="1880794" y="2204747"/>
+            <a:ext cx="4917715" cy="3278477"/>
+          </a:xfrm>
+          <a:prstGeom prst="rect">
+            <a:avLst/>
+          </a:prstGeom>
+        </p:spPr>
+      </p:pic>
+    </p:spTree>
+    <p:extLst>
+      <p:ext uri="{BB962C8B-B14F-4D97-AF65-F5344CB8AC3E}">
+        <p14:creationId xmlns:p14="http://schemas.microsoft.com/office/powerpoint/2010/main" val="1069900963"/>
       </p:ext>
     </p:extLst>
   </p:cSld>
@@ -3395,39 +8992,39 @@
         <a:sysClr val="window" lastClr="FFFFFF"/>
       </a:lt1>
       <a:dk2>
-        <a:srgbClr val="44546A"/>
+        <a:srgbClr val="0E2841"/>
       </a:dk2>
       <a:lt2>
-        <a:srgbClr val="E7E6E6"/>
+        <a:srgbClr val="E8E8E8"/>
       </a:lt2>
       <a:accent1>
-        <a:srgbClr val="4472C4"/>
+        <a:srgbClr val="156082"/>
       </a:accent1>
       <a:accent2>
-        <a:srgbClr val="ED7D31"/>
+        <a:srgbClr val="E97132"/>
       </a:accent2>
       <a:accent3>
-        <a:srgbClr val="A5A5A5"/>
+        <a:srgbClr val="196B24"/>
       </a:accent3>
       <a:accent4>
-        <a:srgbClr val="FFC000"/>
+        <a:srgbClr val="0F9ED5"/>
       </a:accent4>
       <a:accent5>
-        <a:srgbClr val="5B9BD5"/>
+        <a:srgbClr val="A02B93"/>
       </a:accent5>
       <a:accent6>
-        <a:srgbClr val="70AD47"/>
+        <a:srgbClr val="4EA72E"/>
       </a:accent6>
       <a:hlink>
-        <a:srgbClr val="0563C1"/>
+        <a:srgbClr val="467886"/>
       </a:hlink>
       <a:folHlink>
-        <a:srgbClr val="954F72"/>
+        <a:srgbClr val="96607D"/>
       </a:folHlink>
     </a:clrScheme>
     <a:fontScheme name="Office">
       <a:majorFont>
-        <a:latin typeface="Calibri Light" panose="020F0302020204030204"/>
+        <a:latin typeface="Aptos Display" panose="02110004020202020204"/>
         <a:ea typeface=""/>
         <a:cs typeface=""/>
         <a:font script="Jpan" typeface="游ゴシック Light"/>
@@ -3479,7 +9076,7 @@
         <a:font script="Tfng" typeface="Ebrima"/>
       </a:majorFont>
       <a:minorFont>
-        <a:latin typeface="Calibri" panose="020F0502020204030204"/>
+        <a:latin typeface="Aptos" panose="02110004020202020204"/>
         <a:ea typeface=""/>
         <a:cs typeface=""/>
         <a:font script="Jpan" typeface="游ゴシック"/>
@@ -3590,13 +9187,6 @@
         </a:gradFill>
       </a:fillStyleLst>
       <a:lnStyleLst>
-        <a:ln w="6350" cap="flat" cmpd="sng" algn="ctr">
-          <a:solidFill>
-            <a:schemeClr val="phClr"/>
-          </a:solidFill>
-          <a:prstDash val="solid"/>
-          <a:miter lim="800000"/>
-        </a:ln>
         <a:ln w="12700" cap="flat" cmpd="sng" algn="ctr">
           <a:solidFill>
             <a:schemeClr val="phClr"/>
@@ -3605,6 +9195,13 @@
           <a:miter lim="800000"/>
         </a:ln>
         <a:ln w="19050" cap="flat" cmpd="sng" algn="ctr">
+          <a:solidFill>
+            <a:schemeClr val="phClr"/>
+          </a:solidFill>
+          <a:prstDash val="solid"/>
+          <a:miter lim="800000"/>
+        </a:ln>
+        <a:ln w="25400" cap="flat" cmpd="sng" algn="ctr">
           <a:solidFill>
             <a:schemeClr val="phClr"/>
           </a:solidFill>
@@ -3669,11 +9266,346 @@
       </a:bgFillStyleLst>
     </a:fmtScheme>
   </a:themeElements>
-  <a:objectDefaults/>
+  <a:objectDefaults>
+    <a:lnDef>
+      <a:spPr/>
+      <a:bodyPr/>
+      <a:lstStyle/>
+      <a:style>
+        <a:lnRef idx="2">
+          <a:schemeClr val="accent1"/>
+        </a:lnRef>
+        <a:fillRef idx="0">
+          <a:schemeClr val="accent1"/>
+        </a:fillRef>
+        <a:effectRef idx="1">
+          <a:schemeClr val="accent1"/>
+        </a:effectRef>
+        <a:fontRef idx="minor">
+          <a:schemeClr val="tx1"/>
+        </a:fontRef>
+      </a:style>
+    </a:lnDef>
+  </a:objectDefaults>
   <a:extraClrSchemeLst/>
   <a:extLst>
     <a:ext uri="{05A4C25C-085E-4340-85A3-A5531E510DB2}">
-      <thm15:themeFamily xmlns:thm15="http://schemas.microsoft.com/office/thememl/2012/main" name="Office Theme" id="{62F939B6-93AF-4DB8-9C6B-D6C7DFDC589F}" vid="{4A3C46E8-61CC-4603-A589-7422A47A8E4A}"/>
+      <thm15:themeFamily xmlns:thm15="http://schemas.microsoft.com/office/thememl/2012/main" name="Office Theme" id="{2E142A2C-CD16-42D6-873A-C26D2A0506FA}" vid="{1BDDFF52-6CD6-40A5-AB3C-68EB2F1E4D0A}"/>
+    </a:ext>
+  </a:extLst>
+</a:theme>
+</file>
+
+<file path=ppt/theme/theme2.xml><?xml version="1.0" encoding="utf-8"?>
+<a:theme xmlns:a="http://schemas.openxmlformats.org/drawingml/2006/main" name="Office 佈景主題">
+  <a:themeElements>
+    <a:clrScheme name="Office">
+      <a:dk1>
+        <a:sysClr val="windowText" lastClr="000000"/>
+      </a:dk1>
+      <a:lt1>
+        <a:sysClr val="window" lastClr="FFFFFF"/>
+      </a:lt1>
+      <a:dk2>
+        <a:srgbClr val="0E2841"/>
+      </a:dk2>
+      <a:lt2>
+        <a:srgbClr val="E8E8E8"/>
+      </a:lt2>
+      <a:accent1>
+        <a:srgbClr val="156082"/>
+      </a:accent1>
+      <a:accent2>
+        <a:srgbClr val="E97132"/>
+      </a:accent2>
+      <a:accent3>
+        <a:srgbClr val="196B24"/>
+      </a:accent3>
+      <a:accent4>
+        <a:srgbClr val="0F9ED5"/>
+      </a:accent4>
+      <a:accent5>
+        <a:srgbClr val="A02B93"/>
+      </a:accent5>
+      <a:accent6>
+        <a:srgbClr val="4EA72E"/>
+      </a:accent6>
+      <a:hlink>
+        <a:srgbClr val="467886"/>
+      </a:hlink>
+      <a:folHlink>
+        <a:srgbClr val="96607D"/>
+      </a:folHlink>
+    </a:clrScheme>
+    <a:fontScheme name="Office">
+      <a:majorFont>
+        <a:latin typeface="Aptos Display" panose="02110004020202020204"/>
+        <a:ea typeface=""/>
+        <a:cs typeface=""/>
+        <a:font script="Jpan" typeface="游ゴシック Light"/>
+        <a:font script="Hang" typeface="맑은 고딕"/>
+        <a:font script="Hans" typeface="等线 Light"/>
+        <a:font script="Hant" typeface="新細明體"/>
+        <a:font script="Arab" typeface="Times New Roman"/>
+        <a:font script="Hebr" typeface="Times New Roman"/>
+        <a:font script="Thai" typeface="Angsana New"/>
+        <a:font script="Ethi" typeface="Nyala"/>
+        <a:font script="Beng" typeface="Vrinda"/>
+        <a:font script="Gujr" typeface="Shruti"/>
+        <a:font script="Khmr" typeface="MoolBoran"/>
+        <a:font script="Knda" typeface="Tunga"/>
+        <a:font script="Guru" typeface="Raavi"/>
+        <a:font script="Cans" typeface="Euphemia"/>
+        <a:font script="Cher" typeface="Plantagenet Cherokee"/>
+        <a:font script="Yiii" typeface="Microsoft Yi Baiti"/>
+        <a:font script="Tibt" typeface="Microsoft Himalaya"/>
+        <a:font script="Thaa" typeface="MV Boli"/>
+        <a:font script="Deva" typeface="Mangal"/>
+        <a:font script="Telu" typeface="Gautami"/>
+        <a:font script="Taml" typeface="Latha"/>
+        <a:font script="Syrc" typeface="Estrangelo Edessa"/>
+        <a:font script="Orya" typeface="Kalinga"/>
+        <a:font script="Mlym" typeface="Kartika"/>
+        <a:font script="Laoo" typeface="DokChampa"/>
+        <a:font script="Sinh" typeface="Iskoola Pota"/>
+        <a:font script="Mong" typeface="Mongolian Baiti"/>
+        <a:font script="Viet" typeface="Times New Roman"/>
+        <a:font script="Uigh" typeface="Microsoft Uighur"/>
+        <a:font script="Geor" typeface="Sylfaen"/>
+        <a:font script="Armn" typeface="Arial"/>
+        <a:font script="Bugi" typeface="Leelawadee UI"/>
+        <a:font script="Bopo" typeface="Microsoft JhengHei"/>
+        <a:font script="Java" typeface="Javanese Text"/>
+        <a:font script="Lisu" typeface="Segoe UI"/>
+        <a:font script="Mymr" typeface="Myanmar Text"/>
+        <a:font script="Nkoo" typeface="Ebrima"/>
+        <a:font script="Olck" typeface="Nirmala UI"/>
+        <a:font script="Osma" typeface="Ebrima"/>
+        <a:font script="Phag" typeface="Phagspa"/>
+        <a:font script="Syrn" typeface="Estrangelo Edessa"/>
+        <a:font script="Syrj" typeface="Estrangelo Edessa"/>
+        <a:font script="Syre" typeface="Estrangelo Edessa"/>
+        <a:font script="Sora" typeface="Nirmala UI"/>
+        <a:font script="Tale" typeface="Microsoft Tai Le"/>
+        <a:font script="Talu" typeface="Microsoft New Tai Lue"/>
+        <a:font script="Tfng" typeface="Ebrima"/>
+      </a:majorFont>
+      <a:minorFont>
+        <a:latin typeface="Aptos" panose="02110004020202020204"/>
+        <a:ea typeface=""/>
+        <a:cs typeface=""/>
+        <a:font script="Jpan" typeface="游ゴシック"/>
+        <a:font script="Hang" typeface="맑은 고딕"/>
+        <a:font script="Hans" typeface="等线"/>
+        <a:font script="Hant" typeface="新細明體"/>
+        <a:font script="Arab" typeface="Arial"/>
+        <a:font script="Hebr" typeface="Arial"/>
+        <a:font script="Thai" typeface="Cordia New"/>
+        <a:font script="Ethi" typeface="Nyala"/>
+        <a:font script="Beng" typeface="Vrinda"/>
+        <a:font script="Gujr" typeface="Shruti"/>
+        <a:font script="Khmr" typeface="DaunPenh"/>
+        <a:font script="Knda" typeface="Tunga"/>
+        <a:font script="Guru" typeface="Raavi"/>
+        <a:font script="Cans" typeface="Euphemia"/>
+        <a:font script="Cher" typeface="Plantagenet Cherokee"/>
+        <a:font script="Yiii" typeface="Microsoft Yi Baiti"/>
+        <a:font script="Tibt" typeface="Microsoft Himalaya"/>
+        <a:font script="Thaa" typeface="MV Boli"/>
+        <a:font script="Deva" typeface="Mangal"/>
+        <a:font script="Telu" typeface="Gautami"/>
+        <a:font script="Taml" typeface="Latha"/>
+        <a:font script="Syrc" typeface="Estrangelo Edessa"/>
+        <a:font script="Orya" typeface="Kalinga"/>
+        <a:font script="Mlym" typeface="Kartika"/>
+        <a:font script="Laoo" typeface="DokChampa"/>
+        <a:font script="Sinh" typeface="Iskoola Pota"/>
+        <a:font script="Mong" typeface="Mongolian Baiti"/>
+        <a:font script="Viet" typeface="Arial"/>
+        <a:font script="Uigh" typeface="Microsoft Uighur"/>
+        <a:font script="Geor" typeface="Sylfaen"/>
+        <a:font script="Armn" typeface="Arial"/>
+        <a:font script="Bugi" typeface="Leelawadee UI"/>
+        <a:font script="Bopo" typeface="Microsoft JhengHei"/>
+        <a:font script="Java" typeface="Javanese Text"/>
+        <a:font script="Lisu" typeface="Segoe UI"/>
+        <a:font script="Mymr" typeface="Myanmar Text"/>
+        <a:font script="Nkoo" typeface="Ebrima"/>
+        <a:font script="Olck" typeface="Nirmala UI"/>
+        <a:font script="Osma" typeface="Ebrima"/>
+        <a:font script="Phag" typeface="Phagspa"/>
+        <a:font script="Syrn" typeface="Estrangelo Edessa"/>
+        <a:font script="Syrj" typeface="Estrangelo Edessa"/>
+        <a:font script="Syre" typeface="Estrangelo Edessa"/>
+        <a:font script="Sora" typeface="Nirmala UI"/>
+        <a:font script="Tale" typeface="Microsoft Tai Le"/>
+        <a:font script="Talu" typeface="Microsoft New Tai Lue"/>
+        <a:font script="Tfng" typeface="Ebrima"/>
+      </a:minorFont>
+    </a:fontScheme>
+    <a:fmtScheme name="Office">
+      <a:fillStyleLst>
+        <a:solidFill>
+          <a:schemeClr val="phClr"/>
+        </a:solidFill>
+        <a:gradFill rotWithShape="1">
+          <a:gsLst>
+            <a:gs pos="0">
+              <a:schemeClr val="phClr">
+                <a:lumMod val="110000"/>
+                <a:satMod val="105000"/>
+                <a:tint val="67000"/>
+              </a:schemeClr>
+            </a:gs>
+            <a:gs pos="50000">
+              <a:schemeClr val="phClr">
+                <a:lumMod val="105000"/>
+                <a:satMod val="103000"/>
+                <a:tint val="73000"/>
+              </a:schemeClr>
+            </a:gs>
+            <a:gs pos="100000">
+              <a:schemeClr val="phClr">
+                <a:lumMod val="105000"/>
+                <a:satMod val="109000"/>
+                <a:tint val="81000"/>
+              </a:schemeClr>
+            </a:gs>
+          </a:gsLst>
+          <a:lin ang="5400000" scaled="0"/>
+        </a:gradFill>
+        <a:gradFill rotWithShape="1">
+          <a:gsLst>
+            <a:gs pos="0">
+              <a:schemeClr val="phClr">
+                <a:satMod val="103000"/>
+                <a:lumMod val="102000"/>
+                <a:tint val="94000"/>
+              </a:schemeClr>
+            </a:gs>
+            <a:gs pos="50000">
+              <a:schemeClr val="phClr">
+                <a:satMod val="110000"/>
+                <a:lumMod val="100000"/>
+                <a:shade val="100000"/>
+              </a:schemeClr>
+            </a:gs>
+            <a:gs pos="100000">
+              <a:schemeClr val="phClr">
+                <a:lumMod val="99000"/>
+                <a:satMod val="120000"/>
+                <a:shade val="78000"/>
+              </a:schemeClr>
+            </a:gs>
+          </a:gsLst>
+          <a:lin ang="5400000" scaled="0"/>
+        </a:gradFill>
+      </a:fillStyleLst>
+      <a:lnStyleLst>
+        <a:ln w="12700" cap="flat" cmpd="sng" algn="ctr">
+          <a:solidFill>
+            <a:schemeClr val="phClr"/>
+          </a:solidFill>
+          <a:prstDash val="solid"/>
+          <a:miter lim="800000"/>
+        </a:ln>
+        <a:ln w="19050" cap="flat" cmpd="sng" algn="ctr">
+          <a:solidFill>
+            <a:schemeClr val="phClr"/>
+          </a:solidFill>
+          <a:prstDash val="solid"/>
+          <a:miter lim="800000"/>
+        </a:ln>
+        <a:ln w="25400" cap="flat" cmpd="sng" algn="ctr">
+          <a:solidFill>
+            <a:schemeClr val="phClr"/>
+          </a:solidFill>
+          <a:prstDash val="solid"/>
+          <a:miter lim="800000"/>
+        </a:ln>
+      </a:lnStyleLst>
+      <a:effectStyleLst>
+        <a:effectStyle>
+          <a:effectLst/>
+        </a:effectStyle>
+        <a:effectStyle>
+          <a:effectLst/>
+        </a:effectStyle>
+        <a:effectStyle>
+          <a:effectLst>
+            <a:outerShdw blurRad="57150" dist="19050" dir="5400000" algn="ctr" rotWithShape="0">
+              <a:srgbClr val="000000">
+                <a:alpha val="63000"/>
+              </a:srgbClr>
+            </a:outerShdw>
+          </a:effectLst>
+        </a:effectStyle>
+      </a:effectStyleLst>
+      <a:bgFillStyleLst>
+        <a:solidFill>
+          <a:schemeClr val="phClr"/>
+        </a:solidFill>
+        <a:solidFill>
+          <a:schemeClr val="phClr">
+            <a:tint val="95000"/>
+            <a:satMod val="170000"/>
+          </a:schemeClr>
+        </a:solidFill>
+        <a:gradFill rotWithShape="1">
+          <a:gsLst>
+            <a:gs pos="0">
+              <a:schemeClr val="phClr">
+                <a:tint val="93000"/>
+                <a:satMod val="150000"/>
+                <a:shade val="98000"/>
+                <a:lumMod val="102000"/>
+              </a:schemeClr>
+            </a:gs>
+            <a:gs pos="50000">
+              <a:schemeClr val="phClr">
+                <a:tint val="98000"/>
+                <a:satMod val="130000"/>
+                <a:shade val="90000"/>
+                <a:lumMod val="103000"/>
+              </a:schemeClr>
+            </a:gs>
+            <a:gs pos="100000">
+              <a:schemeClr val="phClr">
+                <a:shade val="63000"/>
+                <a:satMod val="120000"/>
+              </a:schemeClr>
+            </a:gs>
+          </a:gsLst>
+          <a:lin ang="5400000" scaled="0"/>
+        </a:gradFill>
+      </a:bgFillStyleLst>
+    </a:fmtScheme>
+  </a:themeElements>
+  <a:objectDefaults>
+    <a:lnDef>
+      <a:spPr/>
+      <a:bodyPr/>
+      <a:lstStyle/>
+      <a:style>
+        <a:lnRef idx="2">
+          <a:schemeClr val="accent1"/>
+        </a:lnRef>
+        <a:fillRef idx="0">
+          <a:schemeClr val="accent1"/>
+        </a:fillRef>
+        <a:effectRef idx="1">
+          <a:schemeClr val="accent1"/>
+        </a:effectRef>
+        <a:fontRef idx="minor">
+          <a:schemeClr val="tx1"/>
+        </a:fontRef>
+      </a:style>
+    </a:lnDef>
+  </a:objectDefaults>
+  <a:extraClrSchemeLst/>
+  <a:extLst>
+    <a:ext uri="{05A4C25C-085E-4340-85A3-A5531E510DB2}">
+      <thm15:themeFamily xmlns:thm15="http://schemas.microsoft.com/office/thememl/2012/main" name="Office Theme" id="{2E142A2C-CD16-42D6-873A-C26D2A0506FA}" vid="{1BDDFF52-6CD6-40A5-AB3C-68EB2F1E4D0A}"/>
     </a:ext>
   </a:extLst>
 </a:theme>
